--- a/pp.pptx
+++ b/pp.pptx
@@ -2,26 +2,23 @@
 <file path=ppt/presentation.xml><?xml version="1.0" encoding="utf-8"?>
 <p:presentation xmlns:a="http://schemas.openxmlformats.org/drawingml/2006/main" xmlns:r="http://schemas.openxmlformats.org/officeDocument/2006/relationships" xmlns:p="http://schemas.openxmlformats.org/presentationml/2006/main">
   <p:sldMasterIdLst>
-    <p:sldMasterId id="2147483648" r:id="rId5"/>
+    <p:sldMasterId id="2147483648" r:id="rId1"/>
   </p:sldMasterIdLst>
   <p:notesMasterIdLst>
-    <p:notesMasterId r:id="rId7"/>
+    <p:notesMasterId r:id="rId13"/>
   </p:notesMasterIdLst>
   <p:sldIdLst>
-    <p:sldId id="256" r:id="rId8"/>
-    <p:sldId id="257" r:id="rId9"/>
-    <p:sldId id="258" r:id="rId10"/>
-    <p:sldId id="259" r:id="rId11"/>
-    <p:sldId id="260" r:id="rId12"/>
-    <p:sldId id="261" r:id="rId13"/>
-    <p:sldId id="262" r:id="rId14"/>
-    <p:sldId id="263" r:id="rId15"/>
-    <p:sldId id="264" r:id="rId16"/>
-    <p:sldId id="265" r:id="rId17"/>
-    <p:sldId id="266" r:id="rId18"/>
-    <p:sldId id="267" r:id="rId19"/>
-    <p:sldId id="268" r:id="rId20"/>
-    <p:sldId id="269" r:id="rId21"/>
+    <p:sldId id="256" r:id="rId2"/>
+    <p:sldId id="257" r:id="rId3"/>
+    <p:sldId id="259" r:id="rId4"/>
+    <p:sldId id="260" r:id="rId5"/>
+    <p:sldId id="261" r:id="rId6"/>
+    <p:sldId id="263" r:id="rId7"/>
+    <p:sldId id="264" r:id="rId8"/>
+    <p:sldId id="266" r:id="rId9"/>
+    <p:sldId id="265" r:id="rId10"/>
+    <p:sldId id="267" r:id="rId11"/>
+    <p:sldId id="268" r:id="rId12"/>
   </p:sldIdLst>
   <p:sldSz cx="13004800" cy="9753600"/>
   <p:notesSz cx="6858000" cy="9144000"/>
@@ -129,13 +126,14 @@
 </p:presentation>
 </file>
 
-<file path=ppt/commentAuthors.xml><?xml version="1.0" encoding="utf-8"?>
-<p:cmAuthorLst xmlns:a="http://schemas.openxmlformats.org/drawingml/2006/main" xmlns:r="http://schemas.openxmlformats.org/officeDocument/2006/relationships" xmlns:p="http://schemas.openxmlformats.org/presentationml/2006/main"/>
-</file>
-
 <file path=ppt/notesMasters/notesMaster1.xml><?xml version="1.0" encoding="utf-8"?>
 <p:notesMaster xmlns:a="http://schemas.openxmlformats.org/drawingml/2006/main" xmlns:r="http://schemas.openxmlformats.org/officeDocument/2006/relationships" xmlns:p="http://schemas.openxmlformats.org/presentationml/2006/main">
   <p:cSld>
+    <p:bg>
+      <p:bgRef idx="1001">
+        <a:schemeClr val="bg1"/>
+      </p:bgRef>
+    </p:bg>
     <p:spTree>
       <p:nvGrpSpPr>
         <p:cNvPr id="1" name=""/>
@@ -153,7 +151,9 @@
       <p:sp>
         <p:nvSpPr>
           <p:cNvPr id="29" name="Shape 29"/>
-          <p:cNvSpPr/>
+          <p:cNvSpPr>
+            <a:spLocks noGrp="1" noRot="1" noChangeAspect="1"/>
+          </p:cNvSpPr>
           <p:nvPr>
             <p:ph type="sldImg"/>
           </p:nvPr>
@@ -172,13 +172,16 @@
           <a:lstStyle/>
           <a:p>
             <a:pPr lvl="0"/>
+            <a:endParaRPr/>
           </a:p>
         </p:txBody>
       </p:sp>
       <p:sp>
         <p:nvSpPr>
           <p:cNvPr id="30" name="Shape 30"/>
-          <p:cNvSpPr/>
+          <p:cNvSpPr>
+            <a:spLocks noGrp="1"/>
+          </p:cNvSpPr>
           <p:nvPr>
             <p:ph type="body" sz="quarter" idx="1"/>
           </p:nvPr>
@@ -197,10 +200,16 @@
           <a:lstStyle/>
           <a:p>
             <a:pPr lvl="0"/>
+            <a:endParaRPr/>
           </a:p>
         </p:txBody>
       </p:sp>
     </p:spTree>
+    <p:extLst>
+      <p:ext uri="{BB962C8B-B14F-4D97-AF65-F5344CB8AC3E}">
+        <p14:creationId xmlns:p14="http://schemas.microsoft.com/office/powerpoint/2010/main" val="897443294"/>
+      </p:ext>
+    </p:extLst>
   </p:cSld>
   <p:clrMap bg1="lt1" tx1="dk1" bg2="lt2" tx2="dk2" accent1="accent1" accent2="accent2" accent3="accent3" accent4="accent4" accent5="accent5" accent6="accent6" hlink="hlink" folHlink="folHlink"/>
   <p:notesStyle>
@@ -308,7 +317,7 @@
 </file>
 
 <file path=ppt/slideLayouts/slideLayout1.xml><?xml version="1.0" encoding="utf-8"?>
-<p:sldLayout xmlns:a="http://schemas.openxmlformats.org/drawingml/2006/main" xmlns:r="http://schemas.openxmlformats.org/officeDocument/2006/relationships" xmlns:p="http://schemas.openxmlformats.org/presentationml/2006/main" type="tx" showMasterSp="1" showMasterPhAnim="1">
+<p:sldLayout xmlns:a="http://schemas.openxmlformats.org/drawingml/2006/main" xmlns:r="http://schemas.openxmlformats.org/officeDocument/2006/relationships" xmlns:p="http://schemas.openxmlformats.org/presentationml/2006/main" type="tx">
   <p:cSld name="Title &amp; Subtitle">
     <p:spTree>
       <p:nvGrpSpPr>
@@ -327,7 +336,9 @@
       <p:sp>
         <p:nvSpPr>
           <p:cNvPr id="5" name="Shape 5"/>
-          <p:cNvSpPr/>
+          <p:cNvSpPr>
+            <a:spLocks noGrp="1"/>
+          </p:cNvSpPr>
           <p:nvPr>
             <p:ph type="title"/>
           </p:nvPr>
@@ -366,7 +377,9 @@
       <p:sp>
         <p:nvSpPr>
           <p:cNvPr id="6" name="Shape 6"/>
-          <p:cNvSpPr/>
+          <p:cNvSpPr>
+            <a:spLocks noGrp="1"/>
+          </p:cNvSpPr>
           <p:nvPr>
             <p:ph type="body" idx="1"/>
           </p:nvPr>
@@ -475,11 +488,6 @@
               </a:rPr>
               <a:t>Body Level One</a:t>
             </a:r>
-            <a:endParaRPr sz="2600">
-              <a:solidFill>
-                <a:srgbClr val="625B48"/>
-              </a:solidFill>
-            </a:endParaRPr>
           </a:p>
           <a:p>
             <a:pPr lvl="1">
@@ -497,11 +505,6 @@
               </a:rPr>
               <a:t>Body Level Two</a:t>
             </a:r>
-            <a:endParaRPr sz="2600">
-              <a:solidFill>
-                <a:srgbClr val="625B48"/>
-              </a:solidFill>
-            </a:endParaRPr>
           </a:p>
           <a:p>
             <a:pPr lvl="2">
@@ -519,11 +522,6 @@
               </a:rPr>
               <a:t>Body Level Three</a:t>
             </a:r>
-            <a:endParaRPr sz="2600">
-              <a:solidFill>
-                <a:srgbClr val="625B48"/>
-              </a:solidFill>
-            </a:endParaRPr>
           </a:p>
           <a:p>
             <a:pPr lvl="3">
@@ -541,11 +539,6 @@
               </a:rPr>
               <a:t>Body Level Four</a:t>
             </a:r>
-            <a:endParaRPr sz="2600">
-              <a:solidFill>
-                <a:srgbClr val="625B48"/>
-              </a:solidFill>
-            </a:endParaRPr>
           </a:p>
           <a:p>
             <a:pPr lvl="4">
@@ -571,12 +564,12 @@
   <p:clrMapOvr>
     <a:masterClrMapping/>
   </p:clrMapOvr>
-  <p:transition spd="med" advClick="1"/>
+  <p:transition xmlns:p14="http://schemas.microsoft.com/office/powerpoint/2010/main" spd="med"/>
 </p:sldLayout>
 </file>
 
 <file path=ppt/slideLayouts/slideLayout10.xml><?xml version="1.0" encoding="utf-8"?>
-<p:sldLayout xmlns:a="http://schemas.openxmlformats.org/drawingml/2006/main" xmlns:r="http://schemas.openxmlformats.org/officeDocument/2006/relationships" xmlns:p="http://schemas.openxmlformats.org/presentationml/2006/main" type="tx" showMasterSp="1" showMasterPhAnim="1">
+<p:sldLayout xmlns:a="http://schemas.openxmlformats.org/drawingml/2006/main" xmlns:r="http://schemas.openxmlformats.org/officeDocument/2006/relationships" xmlns:p="http://schemas.openxmlformats.org/presentationml/2006/main" type="tx">
   <p:cSld name="Quote">
     <p:spTree>
       <p:nvGrpSpPr>
@@ -597,12 +590,12 @@
   <p:clrMapOvr>
     <a:masterClrMapping/>
   </p:clrMapOvr>
-  <p:transition spd="med" advClick="1"/>
+  <p:transition xmlns:p14="http://schemas.microsoft.com/office/powerpoint/2010/main" spd="med"/>
 </p:sldLayout>
 </file>
 
 <file path=ppt/slideLayouts/slideLayout11.xml><?xml version="1.0" encoding="utf-8"?>
-<p:sldLayout xmlns:a="http://schemas.openxmlformats.org/drawingml/2006/main" xmlns:r="http://schemas.openxmlformats.org/officeDocument/2006/relationships" xmlns:p="http://schemas.openxmlformats.org/presentationml/2006/main" type="tx" showMasterSp="1" showMasterPhAnim="1">
+<p:sldLayout xmlns:a="http://schemas.openxmlformats.org/drawingml/2006/main" xmlns:r="http://schemas.openxmlformats.org/officeDocument/2006/relationships" xmlns:p="http://schemas.openxmlformats.org/presentationml/2006/main" type="tx">
   <p:cSld name="Photo">
     <p:spTree>
       <p:nvGrpSpPr>
@@ -623,12 +616,12 @@
   <p:clrMapOvr>
     <a:masterClrMapping/>
   </p:clrMapOvr>
-  <p:transition spd="med" advClick="1"/>
+  <p:transition xmlns:p14="http://schemas.microsoft.com/office/powerpoint/2010/main" spd="med"/>
 </p:sldLayout>
 </file>
 
 <file path=ppt/slideLayouts/slideLayout12.xml><?xml version="1.0" encoding="utf-8"?>
-<p:sldLayout xmlns:a="http://schemas.openxmlformats.org/drawingml/2006/main" xmlns:r="http://schemas.openxmlformats.org/officeDocument/2006/relationships" xmlns:p="http://schemas.openxmlformats.org/presentationml/2006/main" type="tx" showMasterSp="1" showMasterPhAnim="1">
+<p:sldLayout xmlns:a="http://schemas.openxmlformats.org/drawingml/2006/main" xmlns:r="http://schemas.openxmlformats.org/officeDocument/2006/relationships" xmlns:p="http://schemas.openxmlformats.org/presentationml/2006/main" type="tx">
   <p:cSld name="Blank">
     <p:spTree>
       <p:nvGrpSpPr>
@@ -649,22 +642,23 @@
   <p:clrMapOvr>
     <a:masterClrMapping/>
   </p:clrMapOvr>
-  <p:transition spd="med" advClick="1"/>
+  <p:transition xmlns:p14="http://schemas.microsoft.com/office/powerpoint/2010/main" spd="med"/>
 </p:sldLayout>
 </file>
 
 <file path=ppt/slideLayouts/slideLayout2.xml><?xml version="1.0" encoding="utf-8"?>
-<p:sldLayout xmlns:a="http://schemas.openxmlformats.org/drawingml/2006/main" xmlns:r="http://schemas.openxmlformats.org/officeDocument/2006/relationships" xmlns:p="http://schemas.openxmlformats.org/presentationml/2006/main" type="tx" showMasterSp="1" showMasterPhAnim="1">
+<p:sldLayout xmlns:a="http://schemas.openxmlformats.org/drawingml/2006/main" xmlns:r="http://schemas.openxmlformats.org/officeDocument/2006/relationships" xmlns:p="http://schemas.openxmlformats.org/presentationml/2006/main" type="tx">
   <p:cSld name="Photo - Horizontal">
     <p:bg>
       <p:bgPr>
         <a:blipFill rotWithShape="1">
           <a:blip r:embed="rId2"/>
-          <a:srcRect l="0" t="0" r="0" b="0"/>
+          <a:srcRect/>
           <a:stretch>
             <a:fillRect/>
           </a:stretch>
         </a:blipFill>
+        <a:effectLst/>
       </p:bgPr>
     </p:bg>
     <p:spTree>
@@ -684,7 +678,9 @@
       <p:sp>
         <p:nvSpPr>
           <p:cNvPr id="8" name="Shape 8"/>
-          <p:cNvSpPr/>
+          <p:cNvSpPr>
+            <a:spLocks noGrp="1"/>
+          </p:cNvSpPr>
           <p:nvPr>
             <p:ph type="title"/>
           </p:nvPr>
@@ -723,7 +719,9 @@
       <p:sp>
         <p:nvSpPr>
           <p:cNvPr id="9" name="Shape 9"/>
-          <p:cNvSpPr/>
+          <p:cNvSpPr>
+            <a:spLocks noGrp="1"/>
+          </p:cNvSpPr>
           <p:nvPr>
             <p:ph type="body" idx="1"/>
           </p:nvPr>
@@ -832,11 +830,6 @@
               </a:rPr>
               <a:t>Body Level One</a:t>
             </a:r>
-            <a:endParaRPr sz="2600">
-              <a:solidFill>
-                <a:srgbClr val="625B48"/>
-              </a:solidFill>
-            </a:endParaRPr>
           </a:p>
           <a:p>
             <a:pPr lvl="1">
@@ -854,11 +847,6 @@
               </a:rPr>
               <a:t>Body Level Two</a:t>
             </a:r>
-            <a:endParaRPr sz="2600">
-              <a:solidFill>
-                <a:srgbClr val="625B48"/>
-              </a:solidFill>
-            </a:endParaRPr>
           </a:p>
           <a:p>
             <a:pPr lvl="2">
@@ -876,11 +864,6 @@
               </a:rPr>
               <a:t>Body Level Three</a:t>
             </a:r>
-            <a:endParaRPr sz="2600">
-              <a:solidFill>
-                <a:srgbClr val="625B48"/>
-              </a:solidFill>
-            </a:endParaRPr>
           </a:p>
           <a:p>
             <a:pPr lvl="3">
@@ -898,11 +881,6 @@
               </a:rPr>
               <a:t>Body Level Four</a:t>
             </a:r>
-            <a:endParaRPr sz="2600">
-              <a:solidFill>
-                <a:srgbClr val="625B48"/>
-              </a:solidFill>
-            </a:endParaRPr>
           </a:p>
           <a:p>
             <a:pPr lvl="4">
@@ -928,12 +906,12 @@
   <p:clrMapOvr>
     <a:masterClrMapping/>
   </p:clrMapOvr>
-  <p:transition spd="med" advClick="1"/>
+  <p:transition xmlns:p14="http://schemas.microsoft.com/office/powerpoint/2010/main" spd="med"/>
 </p:sldLayout>
 </file>
 
 <file path=ppt/slideLayouts/slideLayout3.xml><?xml version="1.0" encoding="utf-8"?>
-<p:sldLayout xmlns:a="http://schemas.openxmlformats.org/drawingml/2006/main" xmlns:r="http://schemas.openxmlformats.org/officeDocument/2006/relationships" xmlns:p="http://schemas.openxmlformats.org/presentationml/2006/main" type="tx" showMasterSp="1" showMasterPhAnim="1">
+<p:sldLayout xmlns:a="http://schemas.openxmlformats.org/drawingml/2006/main" xmlns:r="http://schemas.openxmlformats.org/officeDocument/2006/relationships" xmlns:p="http://schemas.openxmlformats.org/presentationml/2006/main" type="tx">
   <p:cSld name="Title - Center">
     <p:spTree>
       <p:nvGrpSpPr>
@@ -952,7 +930,9 @@
       <p:sp>
         <p:nvSpPr>
           <p:cNvPr id="11" name="Shape 11"/>
-          <p:cNvSpPr/>
+          <p:cNvSpPr>
+            <a:spLocks noGrp="1"/>
+          </p:cNvSpPr>
           <p:nvPr>
             <p:ph type="title"/>
           </p:nvPr>
@@ -997,12 +977,12 @@
   <p:clrMapOvr>
     <a:masterClrMapping/>
   </p:clrMapOvr>
-  <p:transition spd="med" advClick="1"/>
+  <p:transition xmlns:p14="http://schemas.microsoft.com/office/powerpoint/2010/main" spd="med"/>
 </p:sldLayout>
 </file>
 
 <file path=ppt/slideLayouts/slideLayout4.xml><?xml version="1.0" encoding="utf-8"?>
-<p:sldLayout xmlns:a="http://schemas.openxmlformats.org/drawingml/2006/main" xmlns:r="http://schemas.openxmlformats.org/officeDocument/2006/relationships" xmlns:p="http://schemas.openxmlformats.org/presentationml/2006/main" type="tx" showMasterSp="1" showMasterPhAnim="1">
+<p:sldLayout xmlns:a="http://schemas.openxmlformats.org/drawingml/2006/main" xmlns:r="http://schemas.openxmlformats.org/officeDocument/2006/relationships" xmlns:p="http://schemas.openxmlformats.org/presentationml/2006/main" type="tx">
   <p:cSld name="Photo - Vertical">
     <p:spTree>
       <p:nvGrpSpPr>
@@ -1021,7 +1001,9 @@
       <p:sp>
         <p:nvSpPr>
           <p:cNvPr id="13" name="Shape 13"/>
-          <p:cNvSpPr/>
+          <p:cNvSpPr>
+            <a:spLocks noGrp="1"/>
+          </p:cNvSpPr>
           <p:nvPr>
             <p:ph type="title"/>
           </p:nvPr>
@@ -1064,7 +1046,9 @@
       <p:sp>
         <p:nvSpPr>
           <p:cNvPr id="14" name="Shape 14"/>
-          <p:cNvSpPr/>
+          <p:cNvSpPr>
+            <a:spLocks noGrp="1"/>
+          </p:cNvSpPr>
           <p:nvPr>
             <p:ph type="body" idx="1"/>
           </p:nvPr>
@@ -1173,11 +1157,6 @@
               </a:rPr>
               <a:t>Body Level One</a:t>
             </a:r>
-            <a:endParaRPr sz="2600">
-              <a:solidFill>
-                <a:srgbClr val="625B48"/>
-              </a:solidFill>
-            </a:endParaRPr>
           </a:p>
           <a:p>
             <a:pPr lvl="1">
@@ -1195,11 +1174,6 @@
               </a:rPr>
               <a:t>Body Level Two</a:t>
             </a:r>
-            <a:endParaRPr sz="2600">
-              <a:solidFill>
-                <a:srgbClr val="625B48"/>
-              </a:solidFill>
-            </a:endParaRPr>
           </a:p>
           <a:p>
             <a:pPr lvl="2">
@@ -1217,11 +1191,6 @@
               </a:rPr>
               <a:t>Body Level Three</a:t>
             </a:r>
-            <a:endParaRPr sz="2600">
-              <a:solidFill>
-                <a:srgbClr val="625B48"/>
-              </a:solidFill>
-            </a:endParaRPr>
           </a:p>
           <a:p>
             <a:pPr lvl="3">
@@ -1239,11 +1208,6 @@
               </a:rPr>
               <a:t>Body Level Four</a:t>
             </a:r>
-            <a:endParaRPr sz="2600">
-              <a:solidFill>
-                <a:srgbClr val="625B48"/>
-              </a:solidFill>
-            </a:endParaRPr>
           </a:p>
           <a:p>
             <a:pPr lvl="4">
@@ -1269,12 +1233,12 @@
   <p:clrMapOvr>
     <a:masterClrMapping/>
   </p:clrMapOvr>
-  <p:transition spd="med" advClick="1"/>
+  <p:transition xmlns:p14="http://schemas.microsoft.com/office/powerpoint/2010/main" spd="med"/>
 </p:sldLayout>
 </file>
 
 <file path=ppt/slideLayouts/slideLayout5.xml><?xml version="1.0" encoding="utf-8"?>
-<p:sldLayout xmlns:a="http://schemas.openxmlformats.org/drawingml/2006/main" xmlns:r="http://schemas.openxmlformats.org/officeDocument/2006/relationships" xmlns:p="http://schemas.openxmlformats.org/presentationml/2006/main" type="tx" showMasterSp="1" showMasterPhAnim="1">
+<p:sldLayout xmlns:a="http://schemas.openxmlformats.org/drawingml/2006/main" xmlns:r="http://schemas.openxmlformats.org/officeDocument/2006/relationships" xmlns:p="http://schemas.openxmlformats.org/presentationml/2006/main" type="tx">
   <p:cSld name="Title - Top">
     <p:spTree>
       <p:nvGrpSpPr>
@@ -1293,7 +1257,9 @@
       <p:sp>
         <p:nvSpPr>
           <p:cNvPr id="16" name="Shape 16"/>
-          <p:cNvSpPr/>
+          <p:cNvSpPr>
+            <a:spLocks noGrp="1"/>
+          </p:cNvSpPr>
           <p:nvPr>
             <p:ph type="title"/>
           </p:nvPr>
@@ -1330,12 +1296,12 @@
   <p:clrMapOvr>
     <a:masterClrMapping/>
   </p:clrMapOvr>
-  <p:transition spd="med" advClick="1"/>
+  <p:transition xmlns:p14="http://schemas.microsoft.com/office/powerpoint/2010/main" spd="med"/>
 </p:sldLayout>
 </file>
 
 <file path=ppt/slideLayouts/slideLayout6.xml><?xml version="1.0" encoding="utf-8"?>
-<p:sldLayout xmlns:a="http://schemas.openxmlformats.org/drawingml/2006/main" xmlns:r="http://schemas.openxmlformats.org/officeDocument/2006/relationships" xmlns:p="http://schemas.openxmlformats.org/presentationml/2006/main" type="tx" showMasterSp="1" showMasterPhAnim="1">
+<p:sldLayout xmlns:a="http://schemas.openxmlformats.org/drawingml/2006/main" xmlns:r="http://schemas.openxmlformats.org/officeDocument/2006/relationships" xmlns:p="http://schemas.openxmlformats.org/presentationml/2006/main" type="tx">
   <p:cSld name="Title &amp; Bullets">
     <p:spTree>
       <p:nvGrpSpPr>
@@ -1354,7 +1320,9 @@
       <p:sp>
         <p:nvSpPr>
           <p:cNvPr id="18" name="Shape 18"/>
-          <p:cNvSpPr/>
+          <p:cNvSpPr>
+            <a:spLocks noGrp="1"/>
+          </p:cNvSpPr>
           <p:nvPr>
             <p:ph type="title"/>
           </p:nvPr>
@@ -1389,7 +1357,9 @@
       <p:sp>
         <p:nvSpPr>
           <p:cNvPr id="19" name="Shape 19"/>
-          <p:cNvSpPr/>
+          <p:cNvSpPr>
+            <a:spLocks noGrp="1"/>
+          </p:cNvSpPr>
           <p:nvPr>
             <p:ph type="body" idx="1"/>
           </p:nvPr>
@@ -1444,11 +1414,6 @@
               </a:rPr>
               <a:t>Body Level One</a:t>
             </a:r>
-            <a:endParaRPr sz="3600">
-              <a:solidFill>
-                <a:srgbClr val="625B48"/>
-              </a:solidFill>
-            </a:endParaRPr>
           </a:p>
           <a:p>
             <a:pPr lvl="1">
@@ -1466,11 +1431,6 @@
               </a:rPr>
               <a:t>Body Level Two</a:t>
             </a:r>
-            <a:endParaRPr sz="3600">
-              <a:solidFill>
-                <a:srgbClr val="625B48"/>
-              </a:solidFill>
-            </a:endParaRPr>
           </a:p>
           <a:p>
             <a:pPr lvl="2">
@@ -1488,11 +1448,6 @@
               </a:rPr>
               <a:t>Body Level Three</a:t>
             </a:r>
-            <a:endParaRPr sz="3600">
-              <a:solidFill>
-                <a:srgbClr val="625B48"/>
-              </a:solidFill>
-            </a:endParaRPr>
           </a:p>
           <a:p>
             <a:pPr lvl="3">
@@ -1510,11 +1465,6 @@
               </a:rPr>
               <a:t>Body Level Four</a:t>
             </a:r>
-            <a:endParaRPr sz="3600">
-              <a:solidFill>
-                <a:srgbClr val="625B48"/>
-              </a:solidFill>
-            </a:endParaRPr>
           </a:p>
           <a:p>
             <a:pPr lvl="4">
@@ -1540,12 +1490,12 @@
   <p:clrMapOvr>
     <a:masterClrMapping/>
   </p:clrMapOvr>
-  <p:transition spd="med" advClick="1"/>
+  <p:transition xmlns:p14="http://schemas.microsoft.com/office/powerpoint/2010/main" spd="med"/>
 </p:sldLayout>
 </file>
 
 <file path=ppt/slideLayouts/slideLayout7.xml><?xml version="1.0" encoding="utf-8"?>
-<p:sldLayout xmlns:a="http://schemas.openxmlformats.org/drawingml/2006/main" xmlns:r="http://schemas.openxmlformats.org/officeDocument/2006/relationships" xmlns:p="http://schemas.openxmlformats.org/presentationml/2006/main" type="tx" showMasterSp="1" showMasterPhAnim="1">
+<p:sldLayout xmlns:a="http://schemas.openxmlformats.org/drawingml/2006/main" xmlns:r="http://schemas.openxmlformats.org/officeDocument/2006/relationships" xmlns:p="http://schemas.openxmlformats.org/presentationml/2006/main" type="tx">
   <p:cSld name="Title, Bullets &amp; Photo">
     <p:spTree>
       <p:nvGrpSpPr>
@@ -1564,7 +1514,9 @@
       <p:sp>
         <p:nvSpPr>
           <p:cNvPr id="21" name="Shape 21"/>
-          <p:cNvSpPr/>
+          <p:cNvSpPr>
+            <a:spLocks noGrp="1"/>
+          </p:cNvSpPr>
           <p:nvPr>
             <p:ph type="title"/>
           </p:nvPr>
@@ -1599,7 +1551,9 @@
       <p:sp>
         <p:nvSpPr>
           <p:cNvPr id="22" name="Shape 22"/>
-          <p:cNvSpPr/>
+          <p:cNvSpPr>
+            <a:spLocks noGrp="1"/>
+          </p:cNvSpPr>
           <p:nvPr>
             <p:ph type="body" idx="1"/>
           </p:nvPr>
@@ -1673,11 +1627,6 @@
               </a:rPr>
               <a:t>Body Level One</a:t>
             </a:r>
-            <a:endParaRPr sz="3600">
-              <a:solidFill>
-                <a:srgbClr val="625B48"/>
-              </a:solidFill>
-            </a:endParaRPr>
           </a:p>
           <a:p>
             <a:pPr lvl="1">
@@ -1695,11 +1644,6 @@
               </a:rPr>
               <a:t>Body Level Two</a:t>
             </a:r>
-            <a:endParaRPr sz="3600">
-              <a:solidFill>
-                <a:srgbClr val="625B48"/>
-              </a:solidFill>
-            </a:endParaRPr>
           </a:p>
           <a:p>
             <a:pPr lvl="2">
@@ -1717,11 +1661,6 @@
               </a:rPr>
               <a:t>Body Level Three</a:t>
             </a:r>
-            <a:endParaRPr sz="3600">
-              <a:solidFill>
-                <a:srgbClr val="625B48"/>
-              </a:solidFill>
-            </a:endParaRPr>
           </a:p>
           <a:p>
             <a:pPr lvl="3">
@@ -1739,11 +1678,6 @@
               </a:rPr>
               <a:t>Body Level Four</a:t>
             </a:r>
-            <a:endParaRPr sz="3600">
-              <a:solidFill>
-                <a:srgbClr val="625B48"/>
-              </a:solidFill>
-            </a:endParaRPr>
           </a:p>
           <a:p>
             <a:pPr lvl="4">
@@ -1769,12 +1703,12 @@
   <p:clrMapOvr>
     <a:masterClrMapping/>
   </p:clrMapOvr>
-  <p:transition spd="med" advClick="1"/>
+  <p:transition xmlns:p14="http://schemas.microsoft.com/office/powerpoint/2010/main" spd="med"/>
 </p:sldLayout>
 </file>
 
 <file path=ppt/slideLayouts/slideLayout8.xml><?xml version="1.0" encoding="utf-8"?>
-<p:sldLayout xmlns:a="http://schemas.openxmlformats.org/drawingml/2006/main" xmlns:r="http://schemas.openxmlformats.org/officeDocument/2006/relationships" xmlns:p="http://schemas.openxmlformats.org/presentationml/2006/main" type="tx" showMasterSp="1" showMasterPhAnim="1">
+<p:sldLayout xmlns:a="http://schemas.openxmlformats.org/drawingml/2006/main" xmlns:r="http://schemas.openxmlformats.org/officeDocument/2006/relationships" xmlns:p="http://schemas.openxmlformats.org/presentationml/2006/main" type="tx">
   <p:cSld name="Bullets">
     <p:spTree>
       <p:nvGrpSpPr>
@@ -1793,7 +1727,9 @@
       <p:sp>
         <p:nvSpPr>
           <p:cNvPr id="24" name="Shape 24"/>
-          <p:cNvSpPr/>
+          <p:cNvSpPr>
+            <a:spLocks noGrp="1"/>
+          </p:cNvSpPr>
           <p:nvPr>
             <p:ph type="body" idx="1"/>
           </p:nvPr>
@@ -1852,11 +1788,6 @@
               </a:rPr>
               <a:t>Body Level One</a:t>
             </a:r>
-            <a:endParaRPr sz="3600">
-              <a:solidFill>
-                <a:srgbClr val="625B48"/>
-              </a:solidFill>
-            </a:endParaRPr>
           </a:p>
           <a:p>
             <a:pPr lvl="1">
@@ -1874,11 +1805,6 @@
               </a:rPr>
               <a:t>Body Level Two</a:t>
             </a:r>
-            <a:endParaRPr sz="3600">
-              <a:solidFill>
-                <a:srgbClr val="625B48"/>
-              </a:solidFill>
-            </a:endParaRPr>
           </a:p>
           <a:p>
             <a:pPr lvl="2">
@@ -1896,11 +1822,6 @@
               </a:rPr>
               <a:t>Body Level Three</a:t>
             </a:r>
-            <a:endParaRPr sz="3600">
-              <a:solidFill>
-                <a:srgbClr val="625B48"/>
-              </a:solidFill>
-            </a:endParaRPr>
           </a:p>
           <a:p>
             <a:pPr lvl="3">
@@ -1918,11 +1839,6 @@
               </a:rPr>
               <a:t>Body Level Four</a:t>
             </a:r>
-            <a:endParaRPr sz="3600">
-              <a:solidFill>
-                <a:srgbClr val="625B48"/>
-              </a:solidFill>
-            </a:endParaRPr>
           </a:p>
           <a:p>
             <a:pPr lvl="4">
@@ -1948,12 +1864,12 @@
   <p:clrMapOvr>
     <a:masterClrMapping/>
   </p:clrMapOvr>
-  <p:transition spd="med" advClick="1"/>
+  <p:transition xmlns:p14="http://schemas.microsoft.com/office/powerpoint/2010/main" spd="med"/>
 </p:sldLayout>
 </file>
 
 <file path=ppt/slideLayouts/slideLayout9.xml><?xml version="1.0" encoding="utf-8"?>
-<p:sldLayout xmlns:a="http://schemas.openxmlformats.org/drawingml/2006/main" xmlns:r="http://schemas.openxmlformats.org/officeDocument/2006/relationships" xmlns:p="http://schemas.openxmlformats.org/presentationml/2006/main" type="tx" showMasterSp="1" showMasterPhAnim="1">
+<p:sldLayout xmlns:a="http://schemas.openxmlformats.org/drawingml/2006/main" xmlns:r="http://schemas.openxmlformats.org/officeDocument/2006/relationships" xmlns:p="http://schemas.openxmlformats.org/presentationml/2006/main" type="tx">
   <p:cSld name="Photo - 3 Up">
     <p:spTree>
       <p:nvGrpSpPr>
@@ -1974,7 +1890,7 @@
   <p:clrMapOvr>
     <a:masterClrMapping/>
   </p:clrMapOvr>
-  <p:transition spd="med" advClick="1"/>
+  <p:transition xmlns:p14="http://schemas.microsoft.com/office/powerpoint/2010/main" spd="med"/>
 </p:sldLayout>
 </file>
 
@@ -1984,12 +1900,13 @@
     <p:bg>
       <p:bgPr>
         <a:blipFill rotWithShape="1">
-          <a:blip r:embed="rId2"/>
-          <a:srcRect l="0" t="0" r="0" b="0"/>
+          <a:blip r:embed="rId14"/>
+          <a:srcRect/>
           <a:stretch>
             <a:fillRect/>
           </a:stretch>
         </a:blipFill>
+        <a:effectLst/>
       </p:bgPr>
     </p:bg>
     <p:spTree>
@@ -2009,7 +1926,9 @@
       <p:sp>
         <p:nvSpPr>
           <p:cNvPr id="2" name="Shape 2"/>
-          <p:cNvSpPr/>
+          <p:cNvSpPr>
+            <a:spLocks noGrp="1"/>
+          </p:cNvSpPr>
           <p:nvPr>
             <p:ph type="title"/>
           </p:nvPr>
@@ -2033,7 +1952,7 @@
         </p:spPr>
         <p:txBody>
           <a:bodyPr lIns="0" tIns="0" rIns="0" bIns="0" anchor="ctr">
-            <a:normAutofit fontScale="100000" lnSpcReduction="0"/>
+            <a:normAutofit/>
           </a:bodyPr>
           <a:lstStyle/>
           <a:p>
@@ -2058,7 +1977,9 @@
       <p:sp>
         <p:nvSpPr>
           <p:cNvPr id="3" name="Shape 3"/>
-          <p:cNvSpPr/>
+          <p:cNvSpPr>
+            <a:spLocks noGrp="1"/>
+          </p:cNvSpPr>
           <p:nvPr>
             <p:ph type="body" idx="1"/>
           </p:nvPr>
@@ -2082,32 +2003,32 @@
         </p:spPr>
         <p:txBody>
           <a:bodyPr lIns="0" tIns="0" rIns="0" bIns="0" anchor="ctr">
-            <a:normAutofit fontScale="100000" lnSpcReduction="0"/>
+            <a:normAutofit/>
           </a:bodyPr>
           <a:lstStyle>
             <a:lvl1pPr>
               <a:buBlip>
-                <a:blip r:embed="rId3"/>
+                <a:blip r:embed="rId15"/>
               </a:buBlip>
             </a:lvl1pPr>
             <a:lvl2pPr>
               <a:buBlip>
-                <a:blip r:embed="rId3"/>
+                <a:blip r:embed="rId15"/>
               </a:buBlip>
             </a:lvl2pPr>
             <a:lvl3pPr>
               <a:buBlip>
-                <a:blip r:embed="rId3"/>
+                <a:blip r:embed="rId15"/>
               </a:buBlip>
             </a:lvl3pPr>
             <a:lvl4pPr>
               <a:buBlip>
-                <a:blip r:embed="rId3"/>
+                <a:blip r:embed="rId15"/>
               </a:buBlip>
             </a:lvl4pPr>
             <a:lvl5pPr>
               <a:buBlip>
-                <a:blip r:embed="rId3"/>
+                <a:blip r:embed="rId15"/>
               </a:buBlip>
             </a:lvl5pPr>
           </a:lstStyle>
@@ -2127,11 +2048,6 @@
               </a:rPr>
               <a:t>Body Level One</a:t>
             </a:r>
-            <a:endParaRPr sz="3600">
-              <a:solidFill>
-                <a:srgbClr val="625B48"/>
-              </a:solidFill>
-            </a:endParaRPr>
           </a:p>
           <a:p>
             <a:pPr lvl="1">
@@ -2149,11 +2065,6 @@
               </a:rPr>
               <a:t>Body Level Two</a:t>
             </a:r>
-            <a:endParaRPr sz="3600">
-              <a:solidFill>
-                <a:srgbClr val="625B48"/>
-              </a:solidFill>
-            </a:endParaRPr>
           </a:p>
           <a:p>
             <a:pPr lvl="2">
@@ -2171,11 +2082,6 @@
               </a:rPr>
               <a:t>Body Level Three</a:t>
             </a:r>
-            <a:endParaRPr sz="3600">
-              <a:solidFill>
-                <a:srgbClr val="625B48"/>
-              </a:solidFill>
-            </a:endParaRPr>
           </a:p>
           <a:p>
             <a:pPr lvl="3">
@@ -2193,11 +2099,6 @@
               </a:rPr>
               <a:t>Body Level Four</a:t>
             </a:r>
-            <a:endParaRPr sz="3600">
-              <a:solidFill>
-                <a:srgbClr val="625B48"/>
-              </a:solidFill>
-            </a:endParaRPr>
           </a:p>
           <a:p>
             <a:pPr lvl="4">
@@ -2222,20 +2123,20 @@
   </p:cSld>
   <p:clrMap bg1="lt1" tx1="dk1" bg2="lt2" tx2="dk2" accent1="accent1" accent2="accent2" accent3="accent3" accent4="accent4" accent5="accent5" accent6="accent6" hlink="hlink" folHlink="folHlink"/>
   <p:sldLayoutIdLst>
-    <p:sldLayoutId id="2147483649" r:id="rId4"/>
-    <p:sldLayoutId id="2147483650" r:id="rId5"/>
-    <p:sldLayoutId id="2147483651" r:id="rId6"/>
-    <p:sldLayoutId id="2147483652" r:id="rId7"/>
-    <p:sldLayoutId id="2147483653" r:id="rId8"/>
-    <p:sldLayoutId id="2147483654" r:id="rId9"/>
-    <p:sldLayoutId id="2147483655" r:id="rId10"/>
-    <p:sldLayoutId id="2147483656" r:id="rId11"/>
-    <p:sldLayoutId id="2147483657" r:id="rId12"/>
-    <p:sldLayoutId id="2147483658" r:id="rId13"/>
-    <p:sldLayoutId id="2147483659" r:id="rId14"/>
-    <p:sldLayoutId id="2147483660" r:id="rId15"/>
+    <p:sldLayoutId id="2147483649" r:id="rId1"/>
+    <p:sldLayoutId id="2147483650" r:id="rId2"/>
+    <p:sldLayoutId id="2147483651" r:id="rId3"/>
+    <p:sldLayoutId id="2147483652" r:id="rId4"/>
+    <p:sldLayoutId id="2147483653" r:id="rId5"/>
+    <p:sldLayoutId id="2147483654" r:id="rId6"/>
+    <p:sldLayoutId id="2147483655" r:id="rId7"/>
+    <p:sldLayoutId id="2147483656" r:id="rId8"/>
+    <p:sldLayoutId id="2147483657" r:id="rId9"/>
+    <p:sldLayoutId id="2147483658" r:id="rId10"/>
+    <p:sldLayoutId id="2147483659" r:id="rId11"/>
+    <p:sldLayoutId id="2147483660" r:id="rId12"/>
   </p:sldLayoutIdLst>
-  <p:transition spd="med" advClick="1"/>
+  <p:transition xmlns:p14="http://schemas.microsoft.com/office/powerpoint/2010/main" spd="med"/>
   <p:txStyles>
     <p:titleStyle>
       <a:lvl1pPr algn="ctr" defTabSz="584200">
@@ -2349,7 +2250,7 @@
         <a:buSzPct val="40000"/>
         <a:buFont typeface="Georgia"/>
         <a:buBlip>
-          <a:blip r:embed="rId3"/>
+          <a:blip r:embed="rId15"/>
         </a:buBlip>
         <a:defRPr sz="3600">
           <a:solidFill>
@@ -2371,7 +2272,7 @@
         <a:buSzPct val="40000"/>
         <a:buFont typeface="Georgia"/>
         <a:buBlip>
-          <a:blip r:embed="rId3"/>
+          <a:blip r:embed="rId15"/>
         </a:buBlip>
         <a:defRPr sz="3600">
           <a:solidFill>
@@ -2393,7 +2294,7 @@
         <a:buSzPct val="40000"/>
         <a:buFont typeface="Georgia"/>
         <a:buBlip>
-          <a:blip r:embed="rId3"/>
+          <a:blip r:embed="rId15"/>
         </a:buBlip>
         <a:defRPr sz="3600">
           <a:solidFill>
@@ -2415,7 +2316,7 @@
         <a:buSzPct val="40000"/>
         <a:buFont typeface="Georgia"/>
         <a:buBlip>
-          <a:blip r:embed="rId3"/>
+          <a:blip r:embed="rId15"/>
         </a:buBlip>
         <a:defRPr sz="3600">
           <a:solidFill>
@@ -2437,7 +2338,7 @@
         <a:buSzPct val="40000"/>
         <a:buFont typeface="Georgia"/>
         <a:buBlip>
-          <a:blip r:embed="rId3"/>
+          <a:blip r:embed="rId15"/>
         </a:buBlip>
         <a:defRPr sz="3600">
           <a:solidFill>
@@ -2459,7 +2360,7 @@
         <a:buSzPct val="40000"/>
         <a:buFont typeface="Georgia"/>
         <a:buBlip>
-          <a:blip r:embed="rId3"/>
+          <a:blip r:embed="rId15"/>
         </a:buBlip>
         <a:defRPr sz="3600">
           <a:solidFill>
@@ -2481,7 +2382,7 @@
         <a:buSzPct val="40000"/>
         <a:buFont typeface="Georgia"/>
         <a:buBlip>
-          <a:blip r:embed="rId3"/>
+          <a:blip r:embed="rId15"/>
         </a:buBlip>
         <a:defRPr sz="3600">
           <a:solidFill>
@@ -2503,7 +2404,7 @@
         <a:buSzPct val="40000"/>
         <a:buFont typeface="Georgia"/>
         <a:buBlip>
-          <a:blip r:embed="rId3"/>
+          <a:blip r:embed="rId15"/>
         </a:buBlip>
         <a:defRPr sz="3600">
           <a:solidFill>
@@ -2525,7 +2426,7 @@
         <a:buSzPct val="40000"/>
         <a:buFont typeface="Georgia"/>
         <a:buBlip>
-          <a:blip r:embed="rId3"/>
+          <a:blip r:embed="rId15"/>
         </a:buBlip>
         <a:defRPr sz="3600">
           <a:solidFill>
@@ -2644,7 +2545,7 @@
 </file>
 
 <file path=ppt/slides/slide1.xml><?xml version="1.0" encoding="utf-8"?>
-<p:sld xmlns:a="http://schemas.openxmlformats.org/drawingml/2006/main" xmlns:r="http://schemas.openxmlformats.org/officeDocument/2006/relationships" xmlns:p="http://schemas.openxmlformats.org/presentationml/2006/main" showMasterSp="1" showMasterPhAnim="1">
+<p:sld xmlns:a="http://schemas.openxmlformats.org/drawingml/2006/main" xmlns:r="http://schemas.openxmlformats.org/officeDocument/2006/relationships" xmlns:p="http://schemas.openxmlformats.org/presentationml/2006/main">
   <p:cSld>
     <p:spTree>
       <p:nvGrpSpPr>
@@ -2663,7 +2564,9 @@
       <p:sp>
         <p:nvSpPr>
           <p:cNvPr id="32" name="Shape 32"/>
-          <p:cNvSpPr/>
+          <p:cNvSpPr>
+            <a:spLocks noGrp="1"/>
+          </p:cNvSpPr>
           <p:nvPr>
             <p:ph type="title"/>
           </p:nvPr>
@@ -2707,7 +2610,9 @@
       <p:sp>
         <p:nvSpPr>
           <p:cNvPr id="33" name="Shape 33"/>
-          <p:cNvSpPr/>
+          <p:cNvSpPr>
+            <a:spLocks noGrp="1"/>
+          </p:cNvSpPr>
           <p:nvPr>
             <p:ph type="body" idx="1"/>
           </p:nvPr>
@@ -2740,15 +2645,6 @@
               </a:rPr>
               <a:t>Tom Curtin</a:t>
             </a:r>
-            <a:endParaRPr sz="2600">
-              <a:solidFill>
-                <a:srgbClr val="625B48"/>
-              </a:solidFill>
-              <a:latin typeface="Big Caslon"/>
-              <a:ea typeface="Big Caslon"/>
-              <a:cs typeface="Big Caslon"/>
-              <a:sym typeface="Big Caslon"/>
-            </a:endParaRPr>
           </a:p>
           <a:p>
             <a:pPr lvl="0">
@@ -2778,12 +2674,2057 @@
   <p:clrMapOvr>
     <a:masterClrMapping/>
   </p:clrMapOvr>
-  <p:transition spd="med" advClick="1"/>
+  <p:transition xmlns:p14="http://schemas.microsoft.com/office/powerpoint/2010/main" spd="med"/>
 </p:sld>
 </file>
 
 <file path=ppt/slides/slide10.xml><?xml version="1.0" encoding="utf-8"?>
-<p:sld xmlns:a="http://schemas.openxmlformats.org/drawingml/2006/main" xmlns:r="http://schemas.openxmlformats.org/officeDocument/2006/relationships" xmlns:p="http://schemas.openxmlformats.org/presentationml/2006/main" showMasterSp="1" showMasterPhAnim="1">
+<p:sld xmlns:a="http://schemas.openxmlformats.org/drawingml/2006/main" xmlns:r="http://schemas.openxmlformats.org/officeDocument/2006/relationships" xmlns:p="http://schemas.openxmlformats.org/presentationml/2006/main">
+  <p:cSld>
+    <p:spTree>
+      <p:nvGrpSpPr>
+        <p:cNvPr id="1" name=""/>
+        <p:cNvGrpSpPr/>
+        <p:nvPr/>
+      </p:nvGrpSpPr>
+      <p:grpSpPr>
+        <a:xfrm>
+          <a:off x="0" y="0"/>
+          <a:ext cx="0" cy="0"/>
+          <a:chOff x="0" y="0"/>
+          <a:chExt cx="0" cy="0"/>
+        </a:xfrm>
+      </p:grpSpPr>
+      <p:sp>
+        <p:nvSpPr>
+          <p:cNvPr id="65" name="Shape 65"/>
+          <p:cNvSpPr>
+            <a:spLocks noGrp="1"/>
+          </p:cNvSpPr>
+          <p:nvPr>
+            <p:ph type="title"/>
+          </p:nvPr>
+        </p:nvSpPr>
+        <p:spPr>
+          <a:prstGeom prst="rect">
+            <a:avLst/>
+          </a:prstGeom>
+        </p:spPr>
+        <p:txBody>
+          <a:bodyPr/>
+          <a:lstStyle>
+            <a:lvl1pPr defTabSz="537463">
+              <a:defRPr sz="6992"/>
+            </a:lvl1pPr>
+          </a:lstStyle>
+          <a:p>
+            <a:pPr lvl="0">
+              <a:defRPr sz="1800">
+                <a:solidFill>
+                  <a:srgbClr val="000000"/>
+                </a:solidFill>
+              </a:defRPr>
+            </a:pPr>
+            <a:r>
+              <a:rPr lang="en-US" sz="6992" dirty="0" smtClean="0">
+                <a:solidFill>
+                  <a:srgbClr val="85604A"/>
+                </a:solidFill>
+              </a:rPr>
+              <a:t>To Finish Year One </a:t>
+            </a:r>
+            <a:endParaRPr sz="6992" dirty="0">
+              <a:solidFill>
+                <a:srgbClr val="85604A"/>
+              </a:solidFill>
+            </a:endParaRPr>
+          </a:p>
+        </p:txBody>
+      </p:sp>
+      <p:sp>
+        <p:nvSpPr>
+          <p:cNvPr id="2" name="TextBox 1"/>
+          <p:cNvSpPr txBox="1"/>
+          <p:nvPr/>
+        </p:nvSpPr>
+        <p:spPr>
+          <a:xfrm>
+            <a:off x="1104900" y="3193615"/>
+            <a:ext cx="10795000" cy="1764586"/>
+          </a:xfrm>
+          <a:prstGeom prst="rect">
+            <a:avLst/>
+          </a:prstGeom>
+          <a:noFill/>
+          <a:ln w="12700" cap="flat">
+            <a:noFill/>
+            <a:miter lim="400000"/>
+          </a:ln>
+          <a:effectLst/>
+        </p:spPr>
+        <p:style>
+          <a:lnRef idx="0">
+            <a:scrgbClr r="0" g="0" b="0"/>
+          </a:lnRef>
+          <a:fillRef idx="0">
+            <a:scrgbClr r="0" g="0" b="0"/>
+          </a:fillRef>
+          <a:effectRef idx="0">
+            <a:scrgbClr r="0" g="0" b="0"/>
+          </a:effectRef>
+          <a:fontRef idx="none"/>
+        </p:style>
+        <p:txBody>
+          <a:bodyPr rot="0" spcFirstLastPara="1" vertOverflow="overflow" horzOverflow="overflow" vert="horz" wrap="square" lIns="50800" tIns="50800" rIns="50800" bIns="50800" numCol="1" spcCol="38100" rtlCol="0" anchor="t">
+            <a:spAutoFit/>
+          </a:bodyPr>
+          <a:lstStyle/>
+          <a:p>
+            <a:pPr marL="285750" lvl="0" indent="-285750">
+              <a:buFont typeface="Arial"/>
+              <a:buChar char="•"/>
+              <a:defRPr sz="1800">
+                <a:solidFill>
+                  <a:srgbClr val="000000"/>
+                </a:solidFill>
+              </a:defRPr>
+            </a:pPr>
+            <a:r>
+              <a:rPr lang="en-US" sz="3600" dirty="0">
+                <a:solidFill>
+                  <a:schemeClr val="tx1">
+                    <a:lumMod val="75000"/>
+                  </a:schemeClr>
+                </a:solidFill>
+              </a:rPr>
+              <a:t>M</a:t>
+            </a:r>
+            <a:r>
+              <a:rPr lang="en-US" sz="3600" dirty="0" smtClean="0">
+                <a:solidFill>
+                  <a:schemeClr val="tx1">
+                    <a:lumMod val="75000"/>
+                  </a:schemeClr>
+                </a:solidFill>
+              </a:rPr>
+              <a:t>ake </a:t>
+            </a:r>
+            <a:r>
+              <a:rPr lang="en-US" sz="3600" dirty="0">
+                <a:solidFill>
+                  <a:schemeClr val="tx1">
+                    <a:lumMod val="75000"/>
+                  </a:schemeClr>
+                </a:solidFill>
+              </a:rPr>
+              <a:t>search engine </a:t>
+            </a:r>
+            <a:r>
+              <a:rPr lang="en-US" sz="3600" dirty="0" smtClean="0">
+                <a:solidFill>
+                  <a:schemeClr val="tx1">
+                    <a:lumMod val="75000"/>
+                  </a:schemeClr>
+                </a:solidFill>
+              </a:rPr>
+              <a:t>able to search database faster and with more accuracy </a:t>
+            </a:r>
+          </a:p>
+          <a:p>
+            <a:pPr marL="285750" lvl="0" indent="-285750">
+              <a:buFont typeface="Arial"/>
+              <a:buChar char="•"/>
+              <a:defRPr sz="1800">
+                <a:solidFill>
+                  <a:srgbClr val="000000"/>
+                </a:solidFill>
+              </a:defRPr>
+            </a:pPr>
+            <a:r>
+              <a:rPr lang="en-US" sz="3600" dirty="0" smtClean="0">
+                <a:solidFill>
+                  <a:schemeClr val="tx1">
+                    <a:lumMod val="75000"/>
+                  </a:schemeClr>
+                </a:solidFill>
+              </a:rPr>
+              <a:t>Create a larger array of databases</a:t>
+            </a:r>
+            <a:endParaRPr lang="en-US" sz="3600" dirty="0">
+              <a:solidFill>
+                <a:schemeClr val="tx1">
+                  <a:lumMod val="75000"/>
+                </a:schemeClr>
+              </a:solidFill>
+            </a:endParaRPr>
+          </a:p>
+        </p:txBody>
+      </p:sp>
+    </p:spTree>
+  </p:cSld>
+  <p:clrMapOvr>
+    <a:masterClrMapping/>
+  </p:clrMapOvr>
+  <p:transition xmlns:p14="http://schemas.microsoft.com/office/powerpoint/2010/main" spd="med"/>
+</p:sld>
+</file>
+
+<file path=ppt/slides/slide11.xml><?xml version="1.0" encoding="utf-8"?>
+<p:sld xmlns:a="http://schemas.openxmlformats.org/drawingml/2006/main" xmlns:r="http://schemas.openxmlformats.org/officeDocument/2006/relationships" xmlns:p="http://schemas.openxmlformats.org/presentationml/2006/main">
+  <p:cSld>
+    <p:spTree>
+      <p:nvGrpSpPr>
+        <p:cNvPr id="1" name=""/>
+        <p:cNvGrpSpPr/>
+        <p:nvPr/>
+      </p:nvGrpSpPr>
+      <p:grpSpPr>
+        <a:xfrm>
+          <a:off x="0" y="0"/>
+          <a:ext cx="0" cy="0"/>
+          <a:chOff x="0" y="0"/>
+          <a:chExt cx="0" cy="0"/>
+        </a:xfrm>
+      </p:grpSpPr>
+      <p:sp>
+        <p:nvSpPr>
+          <p:cNvPr id="68" name="Shape 68"/>
+          <p:cNvSpPr>
+            <a:spLocks noGrp="1"/>
+          </p:cNvSpPr>
+          <p:nvPr>
+            <p:ph type="title"/>
+          </p:nvPr>
+        </p:nvSpPr>
+        <p:spPr>
+          <a:prstGeom prst="rect">
+            <a:avLst/>
+          </a:prstGeom>
+        </p:spPr>
+        <p:txBody>
+          <a:bodyPr/>
+          <a:lstStyle>
+            <a:lvl1pPr defTabSz="537463">
+              <a:defRPr sz="6992"/>
+            </a:lvl1pPr>
+          </a:lstStyle>
+          <a:p>
+            <a:pPr lvl="0">
+              <a:defRPr sz="1800">
+                <a:solidFill>
+                  <a:srgbClr val="000000"/>
+                </a:solidFill>
+              </a:defRPr>
+            </a:pPr>
+            <a:r>
+              <a:rPr lang="en-US" sz="6992" dirty="0" smtClean="0">
+                <a:solidFill>
+                  <a:srgbClr val="85604A"/>
+                </a:solidFill>
+              </a:rPr>
+              <a:t>Expected Result</a:t>
+            </a:r>
+            <a:endParaRPr sz="6992" dirty="0">
+              <a:solidFill>
+                <a:srgbClr val="85604A"/>
+              </a:solidFill>
+            </a:endParaRPr>
+          </a:p>
+        </p:txBody>
+      </p:sp>
+      <p:sp>
+        <p:nvSpPr>
+          <p:cNvPr id="5" name="TextBox 4"/>
+          <p:cNvSpPr txBox="1"/>
+          <p:nvPr/>
+        </p:nvSpPr>
+        <p:spPr>
+          <a:xfrm>
+            <a:off x="1104901" y="3081559"/>
+            <a:ext cx="10795000" cy="1764586"/>
+          </a:xfrm>
+          <a:prstGeom prst="rect">
+            <a:avLst/>
+          </a:prstGeom>
+          <a:noFill/>
+          <a:ln w="12700" cap="flat">
+            <a:noFill/>
+            <a:miter lim="400000"/>
+          </a:ln>
+          <a:effectLst/>
+        </p:spPr>
+        <p:style>
+          <a:lnRef idx="0">
+            <a:scrgbClr r="0" g="0" b="0"/>
+          </a:lnRef>
+          <a:fillRef idx="0">
+            <a:scrgbClr r="0" g="0" b="0"/>
+          </a:fillRef>
+          <a:effectRef idx="0">
+            <a:scrgbClr r="0" g="0" b="0"/>
+          </a:effectRef>
+          <a:fontRef idx="none"/>
+        </p:style>
+        <p:txBody>
+          <a:bodyPr rot="0" spcFirstLastPara="1" vertOverflow="overflow" horzOverflow="overflow" vert="horz" wrap="square" lIns="50800" tIns="50800" rIns="50800" bIns="50800" numCol="1" spcCol="38100" rtlCol="0" anchor="t">
+            <a:spAutoFit/>
+          </a:bodyPr>
+          <a:lstStyle/>
+          <a:p>
+            <a:pPr marL="571500" marR="0" indent="-571500" algn="ctr" defTabSz="584200" rtl="0" fontAlgn="auto" latinLnBrk="1" hangingPunct="0">
+              <a:lnSpc>
+                <a:spcPct val="100000"/>
+              </a:lnSpc>
+              <a:spcBef>
+                <a:spcPts val="0"/>
+              </a:spcBef>
+              <a:spcAft>
+                <a:spcPts val="0"/>
+              </a:spcAft>
+              <a:buClrTx/>
+              <a:buSzTx/>
+              <a:buFont typeface="Arial"/>
+              <a:buChar char="•"/>
+              <a:tabLst/>
+            </a:pPr>
+            <a:r>
+              <a:rPr lang="en-US" sz="3600" dirty="0" smtClean="0">
+                <a:solidFill>
+                  <a:schemeClr val="tx1">
+                    <a:lumMod val="75000"/>
+                  </a:schemeClr>
+                </a:solidFill>
+              </a:rPr>
+              <a:t>Have students show improvement in the subject and a deeper understanding of the information  given to them</a:t>
+            </a:r>
+            <a:endParaRPr kumimoji="0" lang="en-US" sz="3600" b="0" i="0" u="none" strike="noStrike" cap="none" spc="0" normalizeH="0" baseline="0" dirty="0">
+              <a:ln>
+                <a:noFill/>
+              </a:ln>
+              <a:solidFill>
+                <a:schemeClr val="tx1">
+                  <a:lumMod val="75000"/>
+                </a:schemeClr>
+              </a:solidFill>
+              <a:effectLst/>
+              <a:uFillTx/>
+              <a:latin typeface="+mn-lt"/>
+              <a:ea typeface="+mn-ea"/>
+              <a:cs typeface="+mn-cs"/>
+              <a:sym typeface="Didot"/>
+            </a:endParaRPr>
+          </a:p>
+        </p:txBody>
+      </p:sp>
+    </p:spTree>
+  </p:cSld>
+  <p:clrMapOvr>
+    <a:masterClrMapping/>
+  </p:clrMapOvr>
+  <p:transition xmlns:p14="http://schemas.microsoft.com/office/powerpoint/2010/main" spd="med"/>
+</p:sld>
+</file>
+
+<file path=ppt/slides/slide2.xml><?xml version="1.0" encoding="utf-8"?>
+<p:sld xmlns:a="http://schemas.openxmlformats.org/drawingml/2006/main" xmlns:r="http://schemas.openxmlformats.org/officeDocument/2006/relationships" xmlns:p="http://schemas.openxmlformats.org/presentationml/2006/main">
+  <p:cSld>
+    <p:spTree>
+      <p:nvGrpSpPr>
+        <p:cNvPr id="1" name=""/>
+        <p:cNvGrpSpPr/>
+        <p:nvPr/>
+      </p:nvGrpSpPr>
+      <p:grpSpPr>
+        <a:xfrm>
+          <a:off x="0" y="0"/>
+          <a:ext cx="0" cy="0"/>
+          <a:chOff x="0" y="0"/>
+          <a:chExt cx="0" cy="0"/>
+        </a:xfrm>
+      </p:grpSpPr>
+      <p:sp>
+        <p:nvSpPr>
+          <p:cNvPr id="35" name="Shape 35"/>
+          <p:cNvSpPr>
+            <a:spLocks noGrp="1"/>
+          </p:cNvSpPr>
+          <p:nvPr>
+            <p:ph type="title"/>
+          </p:nvPr>
+        </p:nvSpPr>
+        <p:spPr>
+          <a:prstGeom prst="rect">
+            <a:avLst/>
+          </a:prstGeom>
+        </p:spPr>
+        <p:txBody>
+          <a:bodyPr/>
+          <a:lstStyle/>
+          <a:p>
+            <a:pPr lvl="0">
+              <a:defRPr sz="1800">
+                <a:solidFill>
+                  <a:srgbClr val="000000"/>
+                </a:solidFill>
+              </a:defRPr>
+            </a:pPr>
+            <a:r>
+              <a:rPr sz="7600" dirty="0">
+                <a:solidFill>
+                  <a:srgbClr val="85604A"/>
+                </a:solidFill>
+              </a:rPr>
+              <a:t>Problem </a:t>
+            </a:r>
+            <a:r>
+              <a:rPr sz="7600" dirty="0" smtClean="0">
+                <a:solidFill>
+                  <a:srgbClr val="85604A"/>
+                </a:solidFill>
+              </a:rPr>
+              <a:t>Definition </a:t>
+            </a:r>
+            <a:endParaRPr sz="7600" dirty="0">
+              <a:solidFill>
+                <a:srgbClr val="85604A"/>
+              </a:solidFill>
+            </a:endParaRPr>
+          </a:p>
+        </p:txBody>
+      </p:sp>
+      <p:sp>
+        <p:nvSpPr>
+          <p:cNvPr id="36" name="Shape 36"/>
+          <p:cNvSpPr/>
+          <p:nvPr/>
+        </p:nvSpPr>
+        <p:spPr>
+          <a:xfrm>
+            <a:off x="366862" y="2657761"/>
+            <a:ext cx="12291845" cy="6258123"/>
+          </a:xfrm>
+          <a:prstGeom prst="rect">
+            <a:avLst/>
+          </a:prstGeom>
+          <a:ln w="12700">
+            <a:miter lim="400000"/>
+          </a:ln>
+          <a:extLst>
+            <a:ext uri="{C572A759-6A51-4108-AA02-DFA0A04FC94B}">
+              <ma14:wrappingTextBoxFlag xmlns:ma14="http://schemas.microsoft.com/office/mac/drawingml/2011/main" val="1"/>
+            </a:ext>
+          </a:extLst>
+        </p:spPr>
+        <p:txBody>
+          <a:bodyPr lIns="50800" tIns="50800" rIns="50800" bIns="50800">
+            <a:spAutoFit/>
+          </a:bodyPr>
+          <a:lstStyle/>
+          <a:p>
+            <a:pPr marL="423333" lvl="0" indent="-423333">
+              <a:buClr>
+                <a:srgbClr val="9A7865"/>
+              </a:buClr>
+              <a:buSzPct val="80000"/>
+              <a:buFont typeface="Georgia"/>
+              <a:buChar char="•"/>
+              <a:defRPr sz="1800">
+                <a:solidFill>
+                  <a:srgbClr val="000000"/>
+                </a:solidFill>
+              </a:defRPr>
+            </a:pPr>
+            <a:r>
+              <a:rPr lang="en-US" sz="4000" dirty="0" smtClean="0">
+                <a:solidFill>
+                  <a:srgbClr val="625B48"/>
+                </a:solidFill>
+              </a:rPr>
+              <a:t>Math is a complex subject in which many students struggle understanding </a:t>
+            </a:r>
+          </a:p>
+          <a:p>
+            <a:pPr marL="423333" lvl="0" indent="-423333">
+              <a:buClr>
+                <a:srgbClr val="9A7865"/>
+              </a:buClr>
+              <a:buSzPct val="80000"/>
+              <a:buFont typeface="Georgia"/>
+              <a:buChar char="•"/>
+              <a:defRPr sz="1800">
+                <a:solidFill>
+                  <a:srgbClr val="000000"/>
+                </a:solidFill>
+              </a:defRPr>
+            </a:pPr>
+            <a:r>
+              <a:rPr lang="en-US" sz="4000" dirty="0" smtClean="0">
+                <a:solidFill>
+                  <a:srgbClr val="625B48"/>
+                </a:solidFill>
+              </a:rPr>
+              <a:t> </a:t>
+            </a:r>
+            <a:r>
+              <a:rPr sz="4000" dirty="0" smtClean="0">
+                <a:solidFill>
+                  <a:srgbClr val="625B48"/>
+                </a:solidFill>
+              </a:rPr>
+              <a:t>There</a:t>
+            </a:r>
+            <a:r>
+              <a:rPr lang="en-US" sz="4000" dirty="0" smtClean="0">
+                <a:solidFill>
+                  <a:srgbClr val="625B48"/>
+                </a:solidFill>
+              </a:rPr>
+              <a:t> are</a:t>
+            </a:r>
+            <a:r>
+              <a:rPr sz="4000" dirty="0" smtClean="0">
+                <a:solidFill>
+                  <a:srgbClr val="625B48"/>
+                </a:solidFill>
+              </a:rPr>
+              <a:t> </a:t>
+            </a:r>
+            <a:r>
+              <a:rPr sz="4000" dirty="0">
+                <a:solidFill>
+                  <a:srgbClr val="625B48"/>
+                </a:solidFill>
+              </a:rPr>
+              <a:t>not enough </a:t>
+            </a:r>
+            <a:r>
+              <a:rPr sz="4000" dirty="0" smtClean="0">
+                <a:solidFill>
+                  <a:srgbClr val="625B48"/>
+                </a:solidFill>
+              </a:rPr>
+              <a:t>teacher</a:t>
+            </a:r>
+            <a:r>
+              <a:rPr lang="en-US" sz="4000" dirty="0" smtClean="0">
+                <a:solidFill>
+                  <a:srgbClr val="625B48"/>
+                </a:solidFill>
+              </a:rPr>
+              <a:t>s to be able to give students individual attention </a:t>
+            </a:r>
+            <a:endParaRPr dirty="0">
+              <a:solidFill>
+                <a:srgbClr val="625B48"/>
+              </a:solidFill>
+            </a:endParaRPr>
+          </a:p>
+          <a:p>
+            <a:pPr marL="423333" lvl="0" indent="-423333">
+              <a:buClr>
+                <a:srgbClr val="9A7865"/>
+              </a:buClr>
+              <a:buSzPct val="80000"/>
+              <a:buFont typeface="Georgia"/>
+              <a:buChar char="•"/>
+              <a:defRPr sz="1800">
+                <a:solidFill>
+                  <a:srgbClr val="000000"/>
+                </a:solidFill>
+              </a:defRPr>
+            </a:pPr>
+            <a:r>
+              <a:rPr lang="en-US" sz="4000" dirty="0" smtClean="0">
+                <a:solidFill>
+                  <a:srgbClr val="625B48"/>
+                </a:solidFill>
+              </a:rPr>
+              <a:t>The Digital Aristotle would be a free method of individualized tutoring as opposed to the expensive cost of human tutoring</a:t>
+            </a:r>
+          </a:p>
+          <a:p>
+            <a:pPr marL="423333" lvl="0" indent="-423333">
+              <a:buClr>
+                <a:srgbClr val="9A7865"/>
+              </a:buClr>
+              <a:buSzPct val="80000"/>
+              <a:buFont typeface="Georgia"/>
+              <a:buChar char="•"/>
+              <a:defRPr sz="1800">
+                <a:solidFill>
+                  <a:srgbClr val="000000"/>
+                </a:solidFill>
+              </a:defRPr>
+            </a:pPr>
+            <a:r>
+              <a:rPr lang="en-US" sz="4000" dirty="0" smtClean="0">
+                <a:solidFill>
+                  <a:srgbClr val="625B48"/>
+                </a:solidFill>
+              </a:rPr>
+              <a:t>Subject material taught in a classroom is either taught too fast or too slow for students </a:t>
+            </a:r>
+          </a:p>
+          <a:p>
+            <a:pPr marL="423333" lvl="0" indent="-423333">
+              <a:buClr>
+                <a:srgbClr val="9A7865"/>
+              </a:buClr>
+              <a:buSzPct val="80000"/>
+              <a:buFont typeface="Georgia"/>
+              <a:buChar char="•"/>
+              <a:defRPr sz="1800">
+                <a:solidFill>
+                  <a:srgbClr val="000000"/>
+                </a:solidFill>
+              </a:defRPr>
+            </a:pPr>
+            <a:endParaRPr sz="4000" dirty="0">
+              <a:solidFill>
+                <a:srgbClr val="625B48"/>
+              </a:solidFill>
+            </a:endParaRPr>
+          </a:p>
+        </p:txBody>
+      </p:sp>
+    </p:spTree>
+  </p:cSld>
+  <p:clrMapOvr>
+    <a:masterClrMapping/>
+  </p:clrMapOvr>
+  <p:transition xmlns:p14="http://schemas.microsoft.com/office/powerpoint/2010/main" spd="med"/>
+</p:sld>
+</file>
+
+<file path=ppt/slides/slide3.xml><?xml version="1.0" encoding="utf-8"?>
+<p:sld xmlns:a="http://schemas.openxmlformats.org/drawingml/2006/main" xmlns:r="http://schemas.openxmlformats.org/officeDocument/2006/relationships" xmlns:p="http://schemas.openxmlformats.org/presentationml/2006/main">
+  <p:cSld>
+    <p:spTree>
+      <p:nvGrpSpPr>
+        <p:cNvPr id="1" name=""/>
+        <p:cNvGrpSpPr/>
+        <p:nvPr/>
+      </p:nvGrpSpPr>
+      <p:grpSpPr>
+        <a:xfrm>
+          <a:off x="0" y="0"/>
+          <a:ext cx="0" cy="0"/>
+          <a:chOff x="0" y="0"/>
+          <a:chExt cx="0" cy="0"/>
+        </a:xfrm>
+      </p:grpSpPr>
+      <p:sp>
+        <p:nvSpPr>
+          <p:cNvPr id="41" name="Shape 41"/>
+          <p:cNvSpPr>
+            <a:spLocks noGrp="1"/>
+          </p:cNvSpPr>
+          <p:nvPr>
+            <p:ph type="title"/>
+          </p:nvPr>
+        </p:nvSpPr>
+        <p:spPr>
+          <a:prstGeom prst="rect">
+            <a:avLst/>
+          </a:prstGeom>
+        </p:spPr>
+        <p:txBody>
+          <a:bodyPr/>
+          <a:lstStyle/>
+          <a:p>
+            <a:pPr lvl="0">
+              <a:defRPr sz="1800">
+                <a:solidFill>
+                  <a:srgbClr val="000000"/>
+                </a:solidFill>
+              </a:defRPr>
+            </a:pPr>
+            <a:r>
+              <a:rPr lang="en-US" sz="7600" dirty="0" smtClean="0">
+                <a:solidFill>
+                  <a:srgbClr val="85604A"/>
+                </a:solidFill>
+              </a:rPr>
+              <a:t>Importance</a:t>
+            </a:r>
+            <a:endParaRPr sz="7600" dirty="0">
+              <a:solidFill>
+                <a:srgbClr val="85604A"/>
+              </a:solidFill>
+            </a:endParaRPr>
+          </a:p>
+        </p:txBody>
+      </p:sp>
+      <p:sp>
+        <p:nvSpPr>
+          <p:cNvPr id="3" name="TextBox 2"/>
+          <p:cNvSpPr txBox="1"/>
+          <p:nvPr/>
+        </p:nvSpPr>
+        <p:spPr>
+          <a:xfrm>
+            <a:off x="344738" y="3735223"/>
+            <a:ext cx="12229139" cy="2872581"/>
+          </a:xfrm>
+          <a:prstGeom prst="rect">
+            <a:avLst/>
+          </a:prstGeom>
+          <a:noFill/>
+          <a:ln w="12700" cap="flat">
+            <a:noFill/>
+            <a:miter lim="400000"/>
+          </a:ln>
+          <a:effectLst/>
+        </p:spPr>
+        <p:style>
+          <a:lnRef idx="0">
+            <a:scrgbClr r="0" g="0" b="0"/>
+          </a:lnRef>
+          <a:fillRef idx="0">
+            <a:scrgbClr r="0" g="0" b="0"/>
+          </a:fillRef>
+          <a:effectRef idx="0">
+            <a:scrgbClr r="0" g="0" b="0"/>
+          </a:effectRef>
+          <a:fontRef idx="none"/>
+        </p:style>
+        <p:txBody>
+          <a:bodyPr rot="0" spcFirstLastPara="1" vertOverflow="overflow" horzOverflow="overflow" vert="horz" wrap="square" lIns="50800" tIns="50800" rIns="50800" bIns="50800" numCol="1" spcCol="38100" rtlCol="0" anchor="t">
+            <a:spAutoFit/>
+          </a:bodyPr>
+          <a:lstStyle/>
+          <a:p>
+            <a:pPr marL="423333" lvl="0" indent="-423333">
+              <a:buClr>
+                <a:srgbClr val="9A7865"/>
+              </a:buClr>
+              <a:buSzPct val="80000"/>
+              <a:buFont typeface="Georgia"/>
+              <a:buChar char="•"/>
+              <a:defRPr sz="1800">
+                <a:solidFill>
+                  <a:srgbClr val="000000"/>
+                </a:solidFill>
+              </a:defRPr>
+            </a:pPr>
+            <a:r>
+              <a:rPr lang="en-US" sz="3600" dirty="0">
+                <a:solidFill>
+                  <a:schemeClr val="tx1">
+                    <a:lumMod val="75000"/>
+                  </a:schemeClr>
+                </a:solidFill>
+              </a:rPr>
+              <a:t>A </a:t>
+            </a:r>
+            <a:r>
+              <a:rPr lang="en-US" sz="3600" dirty="0" smtClean="0">
+                <a:solidFill>
+                  <a:schemeClr val="tx1">
+                    <a:lumMod val="75000"/>
+                  </a:schemeClr>
+                </a:solidFill>
+              </a:rPr>
+              <a:t>greater sense </a:t>
+            </a:r>
+            <a:r>
+              <a:rPr lang="en-US" sz="3600" dirty="0">
+                <a:solidFill>
+                  <a:schemeClr val="tx1">
+                    <a:lumMod val="75000"/>
+                  </a:schemeClr>
+                </a:solidFill>
+              </a:rPr>
+              <a:t>of education creates </a:t>
+            </a:r>
+            <a:r>
+              <a:rPr lang="en-US" sz="3600" dirty="0" smtClean="0">
+                <a:solidFill>
+                  <a:schemeClr val="tx1">
+                    <a:lumMod val="75000"/>
+                  </a:schemeClr>
+                </a:solidFill>
+              </a:rPr>
+              <a:t>more opportunity for success for students in the working world </a:t>
+            </a:r>
+          </a:p>
+          <a:p>
+            <a:pPr lvl="0">
+              <a:buClr>
+                <a:srgbClr val="9A7865"/>
+              </a:buClr>
+              <a:buSzPct val="80000"/>
+              <a:defRPr sz="1800">
+                <a:solidFill>
+                  <a:srgbClr val="000000"/>
+                </a:solidFill>
+              </a:defRPr>
+            </a:pPr>
+            <a:endParaRPr lang="en-US" sz="3600" dirty="0" smtClean="0">
+              <a:solidFill>
+                <a:schemeClr val="tx1">
+                  <a:lumMod val="75000"/>
+                </a:schemeClr>
+              </a:solidFill>
+            </a:endParaRPr>
+          </a:p>
+          <a:p>
+            <a:pPr marL="423333" lvl="0" indent="-423333">
+              <a:buClr>
+                <a:srgbClr val="9A7865"/>
+              </a:buClr>
+              <a:buSzPct val="80000"/>
+              <a:buFont typeface="Georgia"/>
+              <a:buChar char="•"/>
+              <a:defRPr sz="1800">
+                <a:solidFill>
+                  <a:srgbClr val="000000"/>
+                </a:solidFill>
+              </a:defRPr>
+            </a:pPr>
+            <a:r>
+              <a:rPr lang="en-US" sz="3600" dirty="0" smtClean="0">
+                <a:solidFill>
+                  <a:schemeClr val="tx1">
+                    <a:lumMod val="75000"/>
+                  </a:schemeClr>
+                </a:solidFill>
+              </a:rPr>
+              <a:t>A greater influx of educated people creates a boosted economy and more technological competition </a:t>
+            </a:r>
+            <a:endParaRPr lang="en-US" sz="3600" dirty="0">
+              <a:solidFill>
+                <a:schemeClr val="tx1">
+                  <a:lumMod val="75000"/>
+                </a:schemeClr>
+              </a:solidFill>
+            </a:endParaRPr>
+          </a:p>
+        </p:txBody>
+      </p:sp>
+    </p:spTree>
+  </p:cSld>
+  <p:clrMapOvr>
+    <a:masterClrMapping/>
+  </p:clrMapOvr>
+  <p:transition xmlns:p14="http://schemas.microsoft.com/office/powerpoint/2010/main" spd="med"/>
+</p:sld>
+</file>
+
+<file path=ppt/slides/slide4.xml><?xml version="1.0" encoding="utf-8"?>
+<p:sld xmlns:a="http://schemas.openxmlformats.org/drawingml/2006/main" xmlns:r="http://schemas.openxmlformats.org/officeDocument/2006/relationships" xmlns:p="http://schemas.openxmlformats.org/presentationml/2006/main">
+  <p:cSld>
+    <p:spTree>
+      <p:nvGrpSpPr>
+        <p:cNvPr id="1" name=""/>
+        <p:cNvGrpSpPr/>
+        <p:nvPr/>
+      </p:nvGrpSpPr>
+      <p:grpSpPr>
+        <a:xfrm>
+          <a:off x="0" y="0"/>
+          <a:ext cx="0" cy="0"/>
+          <a:chOff x="0" y="0"/>
+          <a:chExt cx="0" cy="0"/>
+        </a:xfrm>
+      </p:grpSpPr>
+      <p:sp>
+        <p:nvSpPr>
+          <p:cNvPr id="44" name="Shape 44"/>
+          <p:cNvSpPr>
+            <a:spLocks noGrp="1"/>
+          </p:cNvSpPr>
+          <p:nvPr>
+            <p:ph type="title"/>
+          </p:nvPr>
+        </p:nvSpPr>
+        <p:spPr>
+          <a:prstGeom prst="rect">
+            <a:avLst/>
+          </a:prstGeom>
+        </p:spPr>
+        <p:txBody>
+          <a:bodyPr/>
+          <a:lstStyle/>
+          <a:p>
+            <a:pPr lvl="0">
+              <a:defRPr sz="1800">
+                <a:solidFill>
+                  <a:srgbClr val="000000"/>
+                </a:solidFill>
+              </a:defRPr>
+            </a:pPr>
+            <a:r>
+              <a:rPr lang="en-US" sz="7600" dirty="0" smtClean="0">
+                <a:solidFill>
+                  <a:srgbClr val="85604A"/>
+                </a:solidFill>
+              </a:rPr>
+              <a:t>Digital Aristotle for Us</a:t>
+            </a:r>
+            <a:endParaRPr sz="7600" dirty="0">
+              <a:solidFill>
+                <a:srgbClr val="85604A"/>
+              </a:solidFill>
+            </a:endParaRPr>
+          </a:p>
+        </p:txBody>
+      </p:sp>
+      <p:sp>
+        <p:nvSpPr>
+          <p:cNvPr id="2" name="TextBox 1"/>
+          <p:cNvSpPr txBox="1"/>
+          <p:nvPr/>
+        </p:nvSpPr>
+        <p:spPr>
+          <a:xfrm>
+            <a:off x="485550" y="3567138"/>
+            <a:ext cx="11951997" cy="3980577"/>
+          </a:xfrm>
+          <a:prstGeom prst="rect">
+            <a:avLst/>
+          </a:prstGeom>
+          <a:noFill/>
+          <a:ln w="12700" cap="flat">
+            <a:noFill/>
+            <a:miter lim="400000"/>
+          </a:ln>
+          <a:effectLst/>
+        </p:spPr>
+        <p:style>
+          <a:lnRef idx="0">
+            <a:scrgbClr r="0" g="0" b="0"/>
+          </a:lnRef>
+          <a:fillRef idx="0">
+            <a:scrgbClr r="0" g="0" b="0"/>
+          </a:fillRef>
+          <a:effectRef idx="0">
+            <a:scrgbClr r="0" g="0" b="0"/>
+          </a:effectRef>
+          <a:fontRef idx="none"/>
+        </p:style>
+        <p:txBody>
+          <a:bodyPr rot="0" spcFirstLastPara="1" vertOverflow="overflow" horzOverflow="overflow" vert="horz" wrap="square" lIns="50800" tIns="50800" rIns="50800" bIns="50800" numCol="1" spcCol="38100" rtlCol="0" anchor="t">
+            <a:spAutoFit/>
+          </a:bodyPr>
+          <a:lstStyle/>
+          <a:p>
+            <a:pPr marL="571500" lvl="0" indent="-571500">
+              <a:buFont typeface="Arial"/>
+              <a:buChar char="•"/>
+              <a:defRPr sz="1800">
+                <a:solidFill>
+                  <a:srgbClr val="000000"/>
+                </a:solidFill>
+              </a:defRPr>
+            </a:pPr>
+            <a:r>
+              <a:rPr lang="en-US" sz="3600" dirty="0">
+                <a:solidFill>
+                  <a:schemeClr val="tx1">
+                    <a:lumMod val="75000"/>
+                  </a:schemeClr>
+                </a:solidFill>
+              </a:rPr>
+              <a:t>Math, especially algebra and geometry, are </a:t>
+            </a:r>
+            <a:r>
+              <a:rPr lang="en-US" sz="3600" dirty="0" smtClean="0">
+                <a:solidFill>
+                  <a:schemeClr val="tx1">
+                    <a:lumMod val="75000"/>
+                  </a:schemeClr>
+                </a:solidFill>
+              </a:rPr>
+              <a:t>difficult fields to comprehend when the only method of teaching used is the traditional classroom method</a:t>
+            </a:r>
+          </a:p>
+          <a:p>
+            <a:pPr lvl="0">
+              <a:defRPr sz="1800">
+                <a:solidFill>
+                  <a:srgbClr val="000000"/>
+                </a:solidFill>
+              </a:defRPr>
+            </a:pPr>
+            <a:endParaRPr lang="en-US" sz="3600" dirty="0" smtClean="0">
+              <a:solidFill>
+                <a:schemeClr val="tx1">
+                  <a:lumMod val="75000"/>
+                </a:schemeClr>
+              </a:solidFill>
+            </a:endParaRPr>
+          </a:p>
+          <a:p>
+            <a:pPr marL="571500" lvl="0" indent="-571500">
+              <a:buFont typeface="Arial"/>
+              <a:buChar char="•"/>
+              <a:defRPr sz="1800">
+                <a:solidFill>
+                  <a:srgbClr val="000000"/>
+                </a:solidFill>
+              </a:defRPr>
+            </a:pPr>
+            <a:r>
+              <a:rPr lang="en-US" sz="3600" dirty="0" smtClean="0">
+                <a:solidFill>
+                  <a:schemeClr val="tx1">
+                    <a:lumMod val="75000"/>
+                  </a:schemeClr>
+                </a:solidFill>
+              </a:rPr>
+              <a:t>The traditional teaching method does not give students individualization required to fully understand these fields.</a:t>
+            </a:r>
+            <a:endParaRPr lang="en-US" sz="3600" dirty="0">
+              <a:solidFill>
+                <a:schemeClr val="tx1">
+                  <a:lumMod val="75000"/>
+                </a:schemeClr>
+              </a:solidFill>
+            </a:endParaRPr>
+          </a:p>
+        </p:txBody>
+      </p:sp>
+    </p:spTree>
+  </p:cSld>
+  <p:clrMapOvr>
+    <a:masterClrMapping/>
+  </p:clrMapOvr>
+  <p:transition xmlns:p14="http://schemas.microsoft.com/office/powerpoint/2010/main" spd="med"/>
+</p:sld>
+</file>
+
+<file path=ppt/slides/slide5.xml><?xml version="1.0" encoding="utf-8"?>
+<p:sld xmlns:a="http://schemas.openxmlformats.org/drawingml/2006/main" xmlns:r="http://schemas.openxmlformats.org/officeDocument/2006/relationships" xmlns:p="http://schemas.openxmlformats.org/presentationml/2006/main">
+  <p:cSld>
+    <p:spTree>
+      <p:nvGrpSpPr>
+        <p:cNvPr id="1" name=""/>
+        <p:cNvGrpSpPr/>
+        <p:nvPr/>
+      </p:nvGrpSpPr>
+      <p:grpSpPr>
+        <a:xfrm>
+          <a:off x="0" y="0"/>
+          <a:ext cx="0" cy="0"/>
+          <a:chOff x="0" y="0"/>
+          <a:chExt cx="0" cy="0"/>
+        </a:xfrm>
+      </p:grpSpPr>
+      <p:sp>
+        <p:nvSpPr>
+          <p:cNvPr id="47" name="Shape 47"/>
+          <p:cNvSpPr>
+            <a:spLocks noGrp="1"/>
+          </p:cNvSpPr>
+          <p:nvPr>
+            <p:ph type="title"/>
+          </p:nvPr>
+        </p:nvSpPr>
+        <p:spPr>
+          <a:prstGeom prst="rect">
+            <a:avLst/>
+          </a:prstGeom>
+        </p:spPr>
+        <p:txBody>
+          <a:bodyPr/>
+          <a:lstStyle/>
+          <a:p>
+            <a:pPr lvl="0">
+              <a:defRPr sz="1800">
+                <a:solidFill>
+                  <a:srgbClr val="000000"/>
+                </a:solidFill>
+              </a:defRPr>
+            </a:pPr>
+            <a:r>
+              <a:rPr lang="en-US" sz="7600" dirty="0" smtClean="0">
+                <a:solidFill>
+                  <a:srgbClr val="85604A"/>
+                </a:solidFill>
+              </a:rPr>
+              <a:t>The Four Year Plan</a:t>
+            </a:r>
+            <a:endParaRPr sz="7600" dirty="0">
+              <a:solidFill>
+                <a:srgbClr val="85604A"/>
+              </a:solidFill>
+            </a:endParaRPr>
+          </a:p>
+        </p:txBody>
+      </p:sp>
+      <p:sp>
+        <p:nvSpPr>
+          <p:cNvPr id="2" name="TextBox 1"/>
+          <p:cNvSpPr txBox="1"/>
+          <p:nvPr/>
+        </p:nvSpPr>
+        <p:spPr>
+          <a:xfrm>
+            <a:off x="489891" y="2933700"/>
+            <a:ext cx="11938833" cy="6196569"/>
+          </a:xfrm>
+          <a:prstGeom prst="rect">
+            <a:avLst/>
+          </a:prstGeom>
+          <a:noFill/>
+          <a:ln w="12700" cap="flat">
+            <a:noFill/>
+            <a:miter lim="400000"/>
+          </a:ln>
+          <a:effectLst/>
+        </p:spPr>
+        <p:style>
+          <a:lnRef idx="0">
+            <a:scrgbClr r="0" g="0" b="0"/>
+          </a:lnRef>
+          <a:fillRef idx="0">
+            <a:scrgbClr r="0" g="0" b="0"/>
+          </a:fillRef>
+          <a:effectRef idx="0">
+            <a:scrgbClr r="0" g="0" b="0"/>
+          </a:effectRef>
+          <a:fontRef idx="none"/>
+        </p:style>
+        <p:txBody>
+          <a:bodyPr rot="0" spcFirstLastPara="1" vertOverflow="overflow" horzOverflow="overflow" vert="horz" wrap="square" lIns="50800" tIns="50800" rIns="50800" bIns="50800" numCol="1" spcCol="38100" rtlCol="0" anchor="t">
+            <a:spAutoFit/>
+          </a:bodyPr>
+          <a:lstStyle/>
+          <a:p>
+            <a:pPr marL="423333" lvl="0" indent="-423333" algn="l">
+              <a:buClr>
+                <a:srgbClr val="9A7865"/>
+              </a:buClr>
+              <a:buSzPct val="80000"/>
+              <a:buFont typeface="Georgia"/>
+              <a:buChar char="•"/>
+              <a:defRPr sz="1800">
+                <a:solidFill>
+                  <a:srgbClr val="000000"/>
+                </a:solidFill>
+              </a:defRPr>
+            </a:pPr>
+            <a:r>
+              <a:rPr lang="en-US" sz="3600" dirty="0" smtClean="0">
+                <a:solidFill>
+                  <a:schemeClr val="tx1">
+                    <a:lumMod val="75000"/>
+                  </a:schemeClr>
+                </a:solidFill>
+              </a:rPr>
+              <a:t>First Year:</a:t>
+            </a:r>
+            <a:endParaRPr lang="en-US" sz="3600" dirty="0">
+              <a:solidFill>
+                <a:schemeClr val="tx1">
+                  <a:lumMod val="75000"/>
+                </a:schemeClr>
+              </a:solidFill>
+            </a:endParaRPr>
+          </a:p>
+          <a:p>
+            <a:pPr marL="423333" lvl="0" indent="-423333">
+              <a:buClr>
+                <a:srgbClr val="9A7865"/>
+              </a:buClr>
+              <a:buSzPct val="80000"/>
+              <a:buFont typeface="Georgia"/>
+              <a:buChar char="•"/>
+              <a:defRPr sz="1800">
+                <a:solidFill>
+                  <a:srgbClr val="000000"/>
+                </a:solidFill>
+              </a:defRPr>
+            </a:pPr>
+            <a:r>
+              <a:rPr lang="en-US" sz="3600" dirty="0" smtClean="0">
+                <a:solidFill>
+                  <a:schemeClr val="tx1">
+                    <a:lumMod val="75000"/>
+                  </a:schemeClr>
+                </a:solidFill>
+              </a:rPr>
+              <a:t>Create </a:t>
+            </a:r>
+            <a:r>
+              <a:rPr lang="en-US" sz="3600" dirty="0">
+                <a:solidFill>
+                  <a:schemeClr val="tx1">
+                    <a:lumMod val="75000"/>
+                  </a:schemeClr>
+                </a:solidFill>
+              </a:rPr>
+              <a:t>search engine capable of looking though knowledge </a:t>
+            </a:r>
+            <a:r>
+              <a:rPr lang="en-US" sz="3600" dirty="0" smtClean="0">
+                <a:solidFill>
+                  <a:schemeClr val="tx1">
+                    <a:lumMod val="75000"/>
+                  </a:schemeClr>
+                </a:solidFill>
+              </a:rPr>
+              <a:t>database with a plethora of information</a:t>
+            </a:r>
+          </a:p>
+          <a:p>
+            <a:pPr marL="423333" lvl="0" indent="-423333" algn="l">
+              <a:buClr>
+                <a:srgbClr val="9A7865"/>
+              </a:buClr>
+              <a:buSzPct val="80000"/>
+              <a:buFont typeface="Georgia"/>
+              <a:buChar char="•"/>
+              <a:defRPr sz="1800">
+                <a:solidFill>
+                  <a:srgbClr val="000000"/>
+                </a:solidFill>
+              </a:defRPr>
+            </a:pPr>
+            <a:r>
+              <a:rPr lang="en-US" sz="3600" dirty="0" smtClean="0">
+                <a:solidFill>
+                  <a:schemeClr val="tx1">
+                    <a:lumMod val="75000"/>
+                  </a:schemeClr>
+                </a:solidFill>
+              </a:rPr>
+              <a:t>Second Year:</a:t>
+            </a:r>
+            <a:endParaRPr lang="en-US" sz="3600" dirty="0">
+              <a:solidFill>
+                <a:schemeClr val="tx1">
+                  <a:lumMod val="75000"/>
+                </a:schemeClr>
+              </a:solidFill>
+            </a:endParaRPr>
+          </a:p>
+          <a:p>
+            <a:pPr marL="423333" lvl="0" indent="-423333">
+              <a:buClr>
+                <a:srgbClr val="9A7865"/>
+              </a:buClr>
+              <a:buSzPct val="80000"/>
+              <a:buFont typeface="Georgia"/>
+              <a:buChar char="•"/>
+              <a:defRPr sz="1800">
+                <a:solidFill>
+                  <a:srgbClr val="000000"/>
+                </a:solidFill>
+              </a:defRPr>
+            </a:pPr>
+            <a:r>
+              <a:rPr lang="en-US" sz="3600" dirty="0" smtClean="0">
+                <a:solidFill>
+                  <a:schemeClr val="tx1">
+                    <a:lumMod val="75000"/>
+                  </a:schemeClr>
+                </a:solidFill>
+              </a:rPr>
+              <a:t>Add Interactive elements such as tests, homework, and practice problems </a:t>
+            </a:r>
+          </a:p>
+          <a:p>
+            <a:pPr marL="423333" lvl="0" indent="-423333" algn="l">
+              <a:buClr>
+                <a:srgbClr val="9A7865"/>
+              </a:buClr>
+              <a:buSzPct val="80000"/>
+              <a:buFont typeface="Georgia"/>
+              <a:buChar char="•"/>
+              <a:defRPr sz="1800">
+                <a:solidFill>
+                  <a:srgbClr val="000000"/>
+                </a:solidFill>
+              </a:defRPr>
+            </a:pPr>
+            <a:r>
+              <a:rPr lang="en-US" sz="3600" dirty="0" smtClean="0">
+                <a:solidFill>
+                  <a:schemeClr val="tx1">
+                    <a:lumMod val="75000"/>
+                  </a:schemeClr>
+                </a:solidFill>
+              </a:rPr>
+              <a:t>Third Year:</a:t>
+            </a:r>
+          </a:p>
+          <a:p>
+            <a:pPr marL="423333" lvl="0" indent="-423333">
+              <a:buClr>
+                <a:srgbClr val="9A7865"/>
+              </a:buClr>
+              <a:buSzPct val="80000"/>
+              <a:buFont typeface="Georgia"/>
+              <a:buChar char="•"/>
+              <a:defRPr sz="1800">
+                <a:solidFill>
+                  <a:srgbClr val="000000"/>
+                </a:solidFill>
+              </a:defRPr>
+            </a:pPr>
+            <a:r>
+              <a:rPr lang="en-US" sz="3600" dirty="0" smtClean="0">
+                <a:solidFill>
+                  <a:schemeClr val="tx1">
+                    <a:lumMod val="75000"/>
+                  </a:schemeClr>
+                </a:solidFill>
+              </a:rPr>
+              <a:t>Add individualization through test, homework, practice, etc. </a:t>
+            </a:r>
+          </a:p>
+          <a:p>
+            <a:pPr marL="423333" lvl="0" indent="-423333" algn="l">
+              <a:buClr>
+                <a:srgbClr val="9A7865"/>
+              </a:buClr>
+              <a:buSzPct val="80000"/>
+              <a:buFont typeface="Georgia"/>
+              <a:buChar char="•"/>
+              <a:defRPr sz="1800">
+                <a:solidFill>
+                  <a:srgbClr val="000000"/>
+                </a:solidFill>
+              </a:defRPr>
+            </a:pPr>
+            <a:r>
+              <a:rPr lang="en-US" sz="3600" dirty="0" smtClean="0">
+                <a:solidFill>
+                  <a:schemeClr val="tx1">
+                    <a:lumMod val="75000"/>
+                  </a:schemeClr>
+                </a:solidFill>
+              </a:rPr>
+              <a:t>Fourth Year:</a:t>
+            </a:r>
+            <a:endParaRPr lang="en-US" sz="3600" dirty="0">
+              <a:solidFill>
+                <a:schemeClr val="tx1">
+                  <a:lumMod val="75000"/>
+                </a:schemeClr>
+              </a:solidFill>
+            </a:endParaRPr>
+          </a:p>
+          <a:p>
+            <a:pPr marL="423333" lvl="0" indent="-423333">
+              <a:buClr>
+                <a:srgbClr val="9A7865"/>
+              </a:buClr>
+              <a:buSzPct val="80000"/>
+              <a:buFont typeface="Georgia"/>
+              <a:buChar char="•"/>
+              <a:defRPr sz="1800">
+                <a:solidFill>
+                  <a:srgbClr val="000000"/>
+                </a:solidFill>
+              </a:defRPr>
+            </a:pPr>
+            <a:r>
+              <a:rPr lang="en-US" sz="3600" dirty="0" smtClean="0">
+                <a:solidFill>
+                  <a:schemeClr val="tx1">
+                    <a:lumMod val="75000"/>
+                  </a:schemeClr>
+                </a:solidFill>
+              </a:rPr>
+              <a:t>Create a way for students to receive lectures </a:t>
+            </a:r>
+            <a:endParaRPr lang="en-US" sz="3600" dirty="0">
+              <a:solidFill>
+                <a:schemeClr val="tx1">
+                  <a:lumMod val="75000"/>
+                </a:schemeClr>
+              </a:solidFill>
+            </a:endParaRPr>
+          </a:p>
+        </p:txBody>
+      </p:sp>
+    </p:spTree>
+  </p:cSld>
+  <p:clrMapOvr>
+    <a:masterClrMapping/>
+  </p:clrMapOvr>
+  <p:transition xmlns:p14="http://schemas.microsoft.com/office/powerpoint/2010/main" spd="med"/>
+</p:sld>
+</file>
+
+<file path=ppt/slides/slide6.xml><?xml version="1.0" encoding="utf-8"?>
+<p:sld xmlns:a="http://schemas.openxmlformats.org/drawingml/2006/main" xmlns:r="http://schemas.openxmlformats.org/officeDocument/2006/relationships" xmlns:p="http://schemas.openxmlformats.org/presentationml/2006/main">
+  <p:cSld>
+    <p:spTree>
+      <p:nvGrpSpPr>
+        <p:cNvPr id="1" name=""/>
+        <p:cNvGrpSpPr/>
+        <p:nvPr/>
+      </p:nvGrpSpPr>
+      <p:grpSpPr>
+        <a:xfrm>
+          <a:off x="0" y="0"/>
+          <a:ext cx="0" cy="0"/>
+          <a:chOff x="0" y="0"/>
+          <a:chExt cx="0" cy="0"/>
+        </a:xfrm>
+      </p:grpSpPr>
+      <p:sp>
+        <p:nvSpPr>
+          <p:cNvPr id="53" name="Shape 53"/>
+          <p:cNvSpPr>
+            <a:spLocks noGrp="1"/>
+          </p:cNvSpPr>
+          <p:nvPr>
+            <p:ph type="title"/>
+          </p:nvPr>
+        </p:nvSpPr>
+        <p:spPr>
+          <a:prstGeom prst="rect">
+            <a:avLst/>
+          </a:prstGeom>
+        </p:spPr>
+        <p:txBody>
+          <a:bodyPr/>
+          <a:lstStyle/>
+          <a:p>
+            <a:pPr lvl="0">
+              <a:defRPr sz="1800">
+                <a:solidFill>
+                  <a:srgbClr val="000000"/>
+                </a:solidFill>
+              </a:defRPr>
+            </a:pPr>
+            <a:r>
+              <a:rPr lang="en-US" sz="7600" dirty="0" smtClean="0">
+                <a:solidFill>
+                  <a:srgbClr val="85604A"/>
+                </a:solidFill>
+              </a:rPr>
+              <a:t>First Year</a:t>
+            </a:r>
+            <a:endParaRPr sz="7600" dirty="0">
+              <a:solidFill>
+                <a:srgbClr val="85604A"/>
+              </a:solidFill>
+            </a:endParaRPr>
+          </a:p>
+        </p:txBody>
+      </p:sp>
+      <p:sp>
+        <p:nvSpPr>
+          <p:cNvPr id="2" name="TextBox 1"/>
+          <p:cNvSpPr txBox="1"/>
+          <p:nvPr/>
+        </p:nvSpPr>
+        <p:spPr>
+          <a:xfrm>
+            <a:off x="814594" y="2933700"/>
+            <a:ext cx="11412654" cy="3426579"/>
+          </a:xfrm>
+          <a:prstGeom prst="rect">
+            <a:avLst/>
+          </a:prstGeom>
+          <a:noFill/>
+          <a:ln w="12700" cap="flat">
+            <a:noFill/>
+            <a:miter lim="400000"/>
+          </a:ln>
+          <a:effectLst/>
+        </p:spPr>
+        <p:style>
+          <a:lnRef idx="0">
+            <a:scrgbClr r="0" g="0" b="0"/>
+          </a:lnRef>
+          <a:fillRef idx="0">
+            <a:scrgbClr r="0" g="0" b="0"/>
+          </a:fillRef>
+          <a:effectRef idx="0">
+            <a:scrgbClr r="0" g="0" b="0"/>
+          </a:effectRef>
+          <a:fontRef idx="none"/>
+        </p:style>
+        <p:txBody>
+          <a:bodyPr rot="0" spcFirstLastPara="1" vertOverflow="overflow" horzOverflow="overflow" vert="horz" wrap="square" lIns="50800" tIns="50800" rIns="50800" bIns="50800" numCol="1" spcCol="38100" rtlCol="0" anchor="t">
+            <a:spAutoFit/>
+          </a:bodyPr>
+          <a:lstStyle/>
+          <a:p>
+            <a:pPr marL="423333" lvl="0" indent="-423333">
+              <a:buClr>
+                <a:srgbClr val="9A7865"/>
+              </a:buClr>
+              <a:buSzPct val="80000"/>
+              <a:buFont typeface="Georgia"/>
+              <a:buChar char="•"/>
+              <a:defRPr sz="1800">
+                <a:solidFill>
+                  <a:srgbClr val="000000"/>
+                </a:solidFill>
+              </a:defRPr>
+            </a:pPr>
+            <a:r>
+              <a:rPr lang="en-US" sz="3600" dirty="0" smtClean="0">
+                <a:solidFill>
+                  <a:schemeClr val="tx1">
+                    <a:lumMod val="75000"/>
+                  </a:schemeClr>
+                </a:solidFill>
+              </a:rPr>
+              <a:t>Have </a:t>
+            </a:r>
+            <a:r>
+              <a:rPr lang="en-US" sz="3600" dirty="0">
+                <a:solidFill>
+                  <a:schemeClr val="tx1">
+                    <a:lumMod val="75000"/>
+                  </a:schemeClr>
+                </a:solidFill>
+              </a:rPr>
+              <a:t>python </a:t>
+            </a:r>
+            <a:r>
+              <a:rPr lang="en-US" sz="3600" dirty="0" smtClean="0">
+                <a:solidFill>
+                  <a:schemeClr val="tx1">
+                    <a:lumMod val="75000"/>
+                  </a:schemeClr>
+                </a:solidFill>
+              </a:rPr>
+              <a:t>“read” through a math book </a:t>
+            </a:r>
+            <a:endParaRPr lang="en-US" sz="3600" dirty="0">
+              <a:solidFill>
+                <a:schemeClr val="tx1">
+                  <a:lumMod val="75000"/>
+                </a:schemeClr>
+              </a:solidFill>
+            </a:endParaRPr>
+          </a:p>
+          <a:p>
+            <a:pPr marL="423333" lvl="0" indent="-423333">
+              <a:buClr>
+                <a:srgbClr val="9A7865"/>
+              </a:buClr>
+              <a:buSzPct val="80000"/>
+              <a:buFont typeface="Georgia"/>
+              <a:buChar char="•"/>
+              <a:defRPr sz="1800">
+                <a:solidFill>
+                  <a:srgbClr val="000000"/>
+                </a:solidFill>
+              </a:defRPr>
+            </a:pPr>
+            <a:r>
+              <a:rPr lang="en-US" sz="3600" dirty="0">
+                <a:solidFill>
+                  <a:schemeClr val="tx1">
+                    <a:lumMod val="75000"/>
+                  </a:schemeClr>
+                </a:solidFill>
+              </a:rPr>
+              <a:t>Categorize </a:t>
+            </a:r>
+            <a:r>
+              <a:rPr lang="en-US" sz="3600" dirty="0" smtClean="0">
+                <a:solidFill>
+                  <a:schemeClr val="tx1">
+                    <a:lumMod val="75000"/>
+                  </a:schemeClr>
+                </a:solidFill>
+              </a:rPr>
+              <a:t>information from the math book into a usable JSON database</a:t>
+            </a:r>
+            <a:endParaRPr lang="en-US" sz="3600" dirty="0">
+              <a:solidFill>
+                <a:schemeClr val="tx1">
+                  <a:lumMod val="75000"/>
+                </a:schemeClr>
+              </a:solidFill>
+            </a:endParaRPr>
+          </a:p>
+          <a:p>
+            <a:pPr marL="423333" lvl="0" indent="-423333">
+              <a:buClr>
+                <a:srgbClr val="9A7865"/>
+              </a:buClr>
+              <a:buSzPct val="80000"/>
+              <a:buFont typeface="Georgia"/>
+              <a:buChar char="•"/>
+              <a:defRPr sz="1800">
+                <a:solidFill>
+                  <a:srgbClr val="000000"/>
+                </a:solidFill>
+              </a:defRPr>
+            </a:pPr>
+            <a:r>
+              <a:rPr lang="en-US" sz="3600" dirty="0" smtClean="0">
+                <a:solidFill>
+                  <a:schemeClr val="tx1">
+                    <a:lumMod val="75000"/>
+                  </a:schemeClr>
+                </a:solidFill>
+              </a:rPr>
+              <a:t>Use python to search through the database</a:t>
+            </a:r>
+            <a:endParaRPr lang="en-US" sz="3600" dirty="0">
+              <a:solidFill>
+                <a:schemeClr val="tx1">
+                  <a:lumMod val="75000"/>
+                </a:schemeClr>
+              </a:solidFill>
+            </a:endParaRPr>
+          </a:p>
+          <a:p>
+            <a:pPr marL="423333" lvl="0" indent="-423333">
+              <a:buClr>
+                <a:srgbClr val="9A7865"/>
+              </a:buClr>
+              <a:buSzPct val="80000"/>
+              <a:buFont typeface="Georgia"/>
+              <a:buChar char="•"/>
+              <a:defRPr sz="1800">
+                <a:solidFill>
+                  <a:srgbClr val="000000"/>
+                </a:solidFill>
+              </a:defRPr>
+            </a:pPr>
+            <a:r>
+              <a:rPr lang="en-US" sz="3600" dirty="0">
+                <a:solidFill>
+                  <a:schemeClr val="tx1">
+                    <a:lumMod val="75000"/>
+                  </a:schemeClr>
+                </a:solidFill>
+              </a:rPr>
+              <a:t>D</a:t>
+            </a:r>
+            <a:r>
+              <a:rPr lang="en-US" sz="3600" dirty="0" smtClean="0">
+                <a:solidFill>
+                  <a:schemeClr val="tx1">
+                    <a:lumMod val="75000"/>
+                  </a:schemeClr>
+                </a:solidFill>
+              </a:rPr>
+              <a:t>isplay the search results on a webpage</a:t>
+            </a:r>
+            <a:endParaRPr lang="en-US" sz="3600" dirty="0">
+              <a:solidFill>
+                <a:schemeClr val="tx1">
+                  <a:lumMod val="75000"/>
+                </a:schemeClr>
+              </a:solidFill>
+            </a:endParaRPr>
+          </a:p>
+          <a:p>
+            <a:pPr marL="423333" lvl="0" indent="-423333">
+              <a:buClr>
+                <a:srgbClr val="9A7865"/>
+              </a:buClr>
+              <a:buSzPct val="80000"/>
+              <a:buFont typeface="Georgia"/>
+              <a:buChar char="•"/>
+              <a:defRPr sz="1800">
+                <a:solidFill>
+                  <a:srgbClr val="000000"/>
+                </a:solidFill>
+              </a:defRPr>
+            </a:pPr>
+            <a:r>
+              <a:rPr lang="en-US" sz="3600" dirty="0">
+                <a:solidFill>
+                  <a:schemeClr val="tx1">
+                    <a:lumMod val="75000"/>
+                  </a:schemeClr>
+                </a:solidFill>
+              </a:rPr>
+              <a:t>Add more </a:t>
+            </a:r>
+            <a:r>
+              <a:rPr lang="en-US" sz="3600" dirty="0" smtClean="0">
+                <a:solidFill>
+                  <a:schemeClr val="tx1">
+                    <a:lumMod val="75000"/>
+                  </a:schemeClr>
+                </a:solidFill>
+              </a:rPr>
+              <a:t>data for python to search through and use</a:t>
+            </a:r>
+            <a:endParaRPr lang="en-US" sz="3600" dirty="0">
+              <a:solidFill>
+                <a:schemeClr val="tx1">
+                  <a:lumMod val="75000"/>
+                </a:schemeClr>
+              </a:solidFill>
+            </a:endParaRPr>
+          </a:p>
+        </p:txBody>
+      </p:sp>
+    </p:spTree>
+  </p:cSld>
+  <p:clrMapOvr>
+    <a:masterClrMapping/>
+  </p:clrMapOvr>
+  <p:transition xmlns:p14="http://schemas.microsoft.com/office/powerpoint/2010/main" spd="med"/>
+</p:sld>
+</file>
+
+<file path=ppt/slides/slide7.xml><?xml version="1.0" encoding="utf-8"?>
+<p:sld xmlns:a="http://schemas.openxmlformats.org/drawingml/2006/main" xmlns:r="http://schemas.openxmlformats.org/officeDocument/2006/relationships" xmlns:p="http://schemas.openxmlformats.org/presentationml/2006/main">
+  <p:cSld>
+    <p:spTree>
+      <p:nvGrpSpPr>
+        <p:cNvPr id="1" name=""/>
+        <p:cNvGrpSpPr/>
+        <p:nvPr/>
+      </p:nvGrpSpPr>
+      <p:grpSpPr>
+        <a:xfrm>
+          <a:off x="0" y="0"/>
+          <a:ext cx="0" cy="0"/>
+          <a:chOff x="0" y="0"/>
+          <a:chExt cx="0" cy="0"/>
+        </a:xfrm>
+      </p:grpSpPr>
+      <p:sp>
+        <p:nvSpPr>
+          <p:cNvPr id="56" name="Shape 56"/>
+          <p:cNvSpPr>
+            <a:spLocks noGrp="1"/>
+          </p:cNvSpPr>
+          <p:nvPr>
+            <p:ph type="title"/>
+          </p:nvPr>
+        </p:nvSpPr>
+        <p:spPr>
+          <a:prstGeom prst="rect">
+            <a:avLst/>
+          </a:prstGeom>
+        </p:spPr>
+        <p:txBody>
+          <a:bodyPr/>
+          <a:lstStyle>
+            <a:lvl1pPr defTabSz="537463">
+              <a:defRPr sz="6992"/>
+            </a:lvl1pPr>
+          </a:lstStyle>
+          <a:p>
+            <a:pPr lvl="0">
+              <a:defRPr sz="1800">
+                <a:solidFill>
+                  <a:srgbClr val="000000"/>
+                </a:solidFill>
+              </a:defRPr>
+            </a:pPr>
+            <a:r>
+              <a:rPr lang="en-US" sz="6992" dirty="0" smtClean="0">
+                <a:solidFill>
+                  <a:srgbClr val="85604A"/>
+                </a:solidFill>
+              </a:rPr>
+              <a:t>Second Year</a:t>
+            </a:r>
+            <a:endParaRPr sz="6992" dirty="0">
+              <a:solidFill>
+                <a:srgbClr val="85604A"/>
+              </a:solidFill>
+            </a:endParaRPr>
+          </a:p>
+        </p:txBody>
+      </p:sp>
+      <p:sp>
+        <p:nvSpPr>
+          <p:cNvPr id="3" name="TextBox 2"/>
+          <p:cNvSpPr txBox="1"/>
+          <p:nvPr/>
+        </p:nvSpPr>
+        <p:spPr>
+          <a:xfrm>
+            <a:off x="1398947" y="3374415"/>
+            <a:ext cx="10206906" cy="2872581"/>
+          </a:xfrm>
+          <a:prstGeom prst="rect">
+            <a:avLst/>
+          </a:prstGeom>
+          <a:noFill/>
+          <a:ln w="12700" cap="flat">
+            <a:noFill/>
+            <a:miter lim="400000"/>
+          </a:ln>
+          <a:effectLst/>
+        </p:spPr>
+        <p:style>
+          <a:lnRef idx="0">
+            <a:scrgbClr r="0" g="0" b="0"/>
+          </a:lnRef>
+          <a:fillRef idx="0">
+            <a:scrgbClr r="0" g="0" b="0"/>
+          </a:fillRef>
+          <a:effectRef idx="0">
+            <a:scrgbClr r="0" g="0" b="0"/>
+          </a:effectRef>
+          <a:fontRef idx="none"/>
+        </p:style>
+        <p:txBody>
+          <a:bodyPr rot="0" spcFirstLastPara="1" vertOverflow="overflow" horzOverflow="overflow" vert="horz" wrap="square" lIns="50800" tIns="50800" rIns="50800" bIns="50800" numCol="1" spcCol="38100" rtlCol="0" anchor="t">
+            <a:spAutoFit/>
+          </a:bodyPr>
+          <a:lstStyle/>
+          <a:p>
+            <a:pPr marL="423333" lvl="0" indent="-423333">
+              <a:buClr>
+                <a:srgbClr val="9A7865"/>
+              </a:buClr>
+              <a:buSzPct val="80000"/>
+              <a:buFont typeface="Georgia"/>
+              <a:buChar char="•"/>
+              <a:defRPr sz="1800">
+                <a:solidFill>
+                  <a:srgbClr val="000000"/>
+                </a:solidFill>
+              </a:defRPr>
+            </a:pPr>
+            <a:r>
+              <a:rPr lang="en-US" sz="3600" dirty="0" smtClean="0">
+                <a:solidFill>
+                  <a:schemeClr val="tx1">
+                    <a:lumMod val="75000"/>
+                  </a:schemeClr>
+                </a:solidFill>
+              </a:rPr>
+              <a:t>Create assignments, quizzes and tests to provide practice for students</a:t>
+            </a:r>
+          </a:p>
+          <a:p>
+            <a:pPr marL="423333" lvl="0" indent="-423333">
+              <a:buClr>
+                <a:srgbClr val="9A7865"/>
+              </a:buClr>
+              <a:buSzPct val="80000"/>
+              <a:buFont typeface="Georgia"/>
+              <a:buChar char="•"/>
+              <a:defRPr sz="1800">
+                <a:solidFill>
+                  <a:srgbClr val="000000"/>
+                </a:solidFill>
+              </a:defRPr>
+            </a:pPr>
+            <a:r>
+              <a:rPr lang="en-US" sz="3600" dirty="0" smtClean="0">
+                <a:solidFill>
+                  <a:schemeClr val="tx1">
+                    <a:lumMod val="75000"/>
+                  </a:schemeClr>
+                </a:solidFill>
+              </a:rPr>
+              <a:t>Have the problems be procedurally generated by python </a:t>
+            </a:r>
+            <a:endParaRPr lang="en-US" sz="3600" dirty="0">
+              <a:solidFill>
+                <a:schemeClr val="tx1">
+                  <a:lumMod val="75000"/>
+                </a:schemeClr>
+              </a:solidFill>
+            </a:endParaRPr>
+          </a:p>
+          <a:p>
+            <a:pPr marL="423333" lvl="0" indent="-423333">
+              <a:buClr>
+                <a:srgbClr val="9A7865"/>
+              </a:buClr>
+              <a:buSzPct val="80000"/>
+              <a:buFont typeface="Georgia"/>
+              <a:buChar char="•"/>
+              <a:defRPr sz="1800">
+                <a:solidFill>
+                  <a:srgbClr val="000000"/>
+                </a:solidFill>
+              </a:defRPr>
+            </a:pPr>
+            <a:r>
+              <a:rPr lang="en-US" sz="3600" dirty="0">
+                <a:solidFill>
+                  <a:schemeClr val="tx1">
+                    <a:lumMod val="75000"/>
+                  </a:schemeClr>
+                </a:solidFill>
+              </a:rPr>
+              <a:t>Display through web-server</a:t>
+            </a:r>
+            <a:endParaRPr lang="en-US" sz="3600" dirty="0">
+              <a:solidFill>
+                <a:schemeClr val="tx1">
+                  <a:lumMod val="75000"/>
+                </a:schemeClr>
+              </a:solidFill>
+            </a:endParaRPr>
+          </a:p>
+        </p:txBody>
+      </p:sp>
+    </p:spTree>
+  </p:cSld>
+  <p:clrMapOvr>
+    <a:masterClrMapping/>
+  </p:clrMapOvr>
+  <p:transition xmlns:p14="http://schemas.microsoft.com/office/powerpoint/2010/main" spd="med"/>
+</p:sld>
+</file>
+
+<file path=ppt/slides/slide8.xml><?xml version="1.0" encoding="utf-8"?>
+<p:sld xmlns:a="http://schemas.openxmlformats.org/drawingml/2006/main" xmlns:r="http://schemas.openxmlformats.org/officeDocument/2006/relationships" xmlns:p="http://schemas.openxmlformats.org/presentationml/2006/main">
+  <p:cSld>
+    <p:spTree>
+      <p:nvGrpSpPr>
+        <p:cNvPr id="1" name=""/>
+        <p:cNvGrpSpPr/>
+        <p:nvPr/>
+      </p:nvGrpSpPr>
+      <p:grpSpPr>
+        <a:xfrm>
+          <a:off x="0" y="0"/>
+          <a:ext cx="0" cy="0"/>
+          <a:chOff x="0" y="0"/>
+          <a:chExt cx="0" cy="0"/>
+        </a:xfrm>
+      </p:grpSpPr>
+      <p:sp>
+        <p:nvSpPr>
+          <p:cNvPr id="62" name="Shape 62"/>
+          <p:cNvSpPr>
+            <a:spLocks noGrp="1"/>
+          </p:cNvSpPr>
+          <p:nvPr>
+            <p:ph type="title"/>
+          </p:nvPr>
+        </p:nvSpPr>
+        <p:spPr>
+          <a:prstGeom prst="rect">
+            <a:avLst/>
+          </a:prstGeom>
+        </p:spPr>
+        <p:txBody>
+          <a:bodyPr/>
+          <a:lstStyle>
+            <a:lvl1pPr defTabSz="537463">
+              <a:defRPr sz="6992"/>
+            </a:lvl1pPr>
+          </a:lstStyle>
+          <a:p>
+            <a:pPr lvl="0">
+              <a:defRPr sz="1800">
+                <a:solidFill>
+                  <a:srgbClr val="000000"/>
+                </a:solidFill>
+              </a:defRPr>
+            </a:pPr>
+            <a:r>
+              <a:rPr lang="en-US" sz="6992" dirty="0" smtClean="0">
+                <a:solidFill>
+                  <a:srgbClr val="85604A"/>
+                </a:solidFill>
+              </a:rPr>
+              <a:t>Third Year</a:t>
+            </a:r>
+            <a:endParaRPr sz="6992" dirty="0">
+              <a:solidFill>
+                <a:srgbClr val="85604A"/>
+              </a:solidFill>
+            </a:endParaRPr>
+          </a:p>
+        </p:txBody>
+      </p:sp>
+      <p:sp>
+        <p:nvSpPr>
+          <p:cNvPr id="3" name="TextBox 2"/>
+          <p:cNvSpPr txBox="1"/>
+          <p:nvPr/>
+        </p:nvSpPr>
+        <p:spPr>
+          <a:xfrm>
+            <a:off x="1104900" y="3212291"/>
+            <a:ext cx="10795000" cy="1210588"/>
+          </a:xfrm>
+          <a:prstGeom prst="rect">
+            <a:avLst/>
+          </a:prstGeom>
+          <a:noFill/>
+          <a:ln w="12700" cap="flat">
+            <a:noFill/>
+            <a:miter lim="400000"/>
+          </a:ln>
+          <a:effectLst/>
+        </p:spPr>
+        <p:style>
+          <a:lnRef idx="0">
+            <a:scrgbClr r="0" g="0" b="0"/>
+          </a:lnRef>
+          <a:fillRef idx="0">
+            <a:scrgbClr r="0" g="0" b="0"/>
+          </a:fillRef>
+          <a:effectRef idx="0">
+            <a:scrgbClr r="0" g="0" b="0"/>
+          </a:effectRef>
+          <a:fontRef idx="none"/>
+        </p:style>
+        <p:txBody>
+          <a:bodyPr rot="0" spcFirstLastPara="1" vertOverflow="overflow" horzOverflow="overflow" vert="horz" wrap="square" lIns="50800" tIns="50800" rIns="50800" bIns="50800" numCol="1" spcCol="38100" rtlCol="0" anchor="t">
+            <a:spAutoFit/>
+          </a:bodyPr>
+          <a:lstStyle/>
+          <a:p>
+            <a:pPr marL="423333" lvl="0" indent="-423333">
+              <a:buClr>
+                <a:srgbClr val="9A7865"/>
+              </a:buClr>
+              <a:buSzPct val="80000"/>
+              <a:buFont typeface="Georgia"/>
+              <a:buChar char="•"/>
+              <a:defRPr sz="1800">
+                <a:solidFill>
+                  <a:srgbClr val="000000"/>
+                </a:solidFill>
+              </a:defRPr>
+            </a:pPr>
+            <a:r>
+              <a:rPr lang="en-US" sz="3600" dirty="0">
+                <a:solidFill>
+                  <a:schemeClr val="tx1">
+                    <a:lumMod val="75000"/>
+                  </a:schemeClr>
+                </a:solidFill>
+              </a:rPr>
+              <a:t>Use genetic algorithms to produce an </a:t>
+            </a:r>
+            <a:r>
+              <a:rPr lang="en-US" sz="3600" dirty="0" smtClean="0">
+                <a:solidFill>
+                  <a:schemeClr val="tx1">
+                    <a:lumMod val="75000"/>
+                  </a:schemeClr>
+                </a:solidFill>
+              </a:rPr>
+              <a:t>individualized system of practice in the subject </a:t>
+            </a:r>
+            <a:endParaRPr lang="en-US" sz="3600" dirty="0">
+              <a:solidFill>
+                <a:schemeClr val="tx1">
+                  <a:lumMod val="75000"/>
+                </a:schemeClr>
+              </a:solidFill>
+            </a:endParaRPr>
+          </a:p>
+        </p:txBody>
+      </p:sp>
+    </p:spTree>
+  </p:cSld>
+  <p:clrMapOvr>
+    <a:masterClrMapping/>
+  </p:clrMapOvr>
+  <p:transition xmlns:p14="http://schemas.microsoft.com/office/powerpoint/2010/main" spd="med"/>
+</p:sld>
+</file>
+
+<file path=ppt/slides/slide9.xml><?xml version="1.0" encoding="utf-8"?>
+<p:sld xmlns:a="http://schemas.openxmlformats.org/drawingml/2006/main" xmlns:r="http://schemas.openxmlformats.org/officeDocument/2006/relationships" xmlns:p="http://schemas.openxmlformats.org/presentationml/2006/main">
   <p:cSld>
     <p:spTree>
       <p:nvGrpSpPr>
@@ -2802,7 +4743,9 @@
       <p:sp>
         <p:nvSpPr>
           <p:cNvPr id="59" name="Shape 59"/>
-          <p:cNvSpPr/>
+          <p:cNvSpPr>
+            <a:spLocks noGrp="1"/>
+          </p:cNvSpPr>
           <p:nvPr>
             <p:ph type="title"/>
           </p:nvPr>
@@ -2828,46 +4771,61 @@
               </a:defRPr>
             </a:pPr>
             <a:r>
-              <a:rPr sz="6992">
+              <a:rPr lang="en-US" sz="6992" dirty="0" smtClean="0">
                 <a:solidFill>
                   <a:srgbClr val="85604A"/>
                 </a:solidFill>
               </a:rPr>
-              <a:t>How are you going to do this?</a:t>
-            </a:r>
+              <a:t>Fourth Year</a:t>
+            </a:r>
+            <a:endParaRPr sz="6992" dirty="0">
+              <a:solidFill>
+                <a:srgbClr val="85604A"/>
+              </a:solidFill>
+            </a:endParaRPr>
           </a:p>
         </p:txBody>
       </p:sp>
       <p:sp>
         <p:nvSpPr>
-          <p:cNvPr id="60" name="Shape 60"/>
-          <p:cNvSpPr/>
+          <p:cNvPr id="2" name="TextBox 1"/>
+          <p:cNvSpPr txBox="1"/>
           <p:nvPr/>
         </p:nvSpPr>
         <p:spPr>
           <a:xfrm>
-            <a:off x="2437553" y="4508246"/>
-            <a:ext cx="8129694" cy="2680208"/>
+            <a:off x="784351" y="3212291"/>
+            <a:ext cx="11653196" cy="2872581"/>
           </a:xfrm>
           <a:prstGeom prst="rect">
             <a:avLst/>
           </a:prstGeom>
-          <a:ln w="12700">
+          <a:noFill/>
+          <a:ln w="12700" cap="flat">
+            <a:noFill/>
             <a:miter lim="400000"/>
           </a:ln>
-          <a:extLst>
-            <a:ext uri="{C572A759-6A51-4108-AA02-DFA0A04FC94B}">
-              <ma14:wrappingTextBoxFlag xmlns:ma14="http://schemas.microsoft.com/office/mac/drawingml/2011/main" val="1"/>
-            </a:ext>
-          </a:extLst>
+          <a:effectLst/>
         </p:spPr>
+        <p:style>
+          <a:lnRef idx="0">
+            <a:scrgbClr r="0" g="0" b="0"/>
+          </a:lnRef>
+          <a:fillRef idx="0">
+            <a:scrgbClr r="0" g="0" b="0"/>
+          </a:fillRef>
+          <a:effectRef idx="0">
+            <a:scrgbClr r="0" g="0" b="0"/>
+          </a:effectRef>
+          <a:fontRef idx="none"/>
+        </p:style>
         <p:txBody>
-          <a:bodyPr wrap="none" lIns="50800" tIns="50800" rIns="50800" bIns="50800">
+          <a:bodyPr rot="0" spcFirstLastPara="1" vertOverflow="overflow" horzOverflow="overflow" vert="horz" wrap="square" lIns="50800" tIns="50800" rIns="50800" bIns="50800" numCol="1" spcCol="38100" rtlCol="0" anchor="t">
             <a:spAutoFit/>
           </a:bodyPr>
           <a:lstStyle/>
           <a:p>
-            <a:pPr lvl="0" marL="423333" indent="-423333">
+            <a:pPr marL="423333" lvl="0" indent="-423333">
               <a:buClr>
                 <a:srgbClr val="9A7865"/>
               </a:buClr>
@@ -2881,21 +4839,29 @@
               </a:defRPr>
             </a:pPr>
             <a:r>
-              <a:rPr sz="4000">
-                <a:solidFill>
-                  <a:srgbClr val="625B48"/>
-                </a:solidFill>
-              </a:rPr>
-              <a:t>Reading from textbooks &amp; stuff</a:t>
-            </a:r>
-            <a:endParaRPr sz="4000">
+              <a:rPr lang="en-US" sz="3600" dirty="0">
+                <a:solidFill>
+                  <a:schemeClr val="tx1"/>
+                </a:solidFill>
+              </a:rPr>
+              <a:t>To read from </a:t>
+            </a:r>
+            <a:r>
+              <a:rPr lang="en-US" sz="3600" dirty="0" smtClean="0">
+                <a:solidFill>
+                  <a:schemeClr val="tx1"/>
+                </a:solidFill>
+              </a:rPr>
+              <a:t>textbooks other informational recourses </a:t>
+            </a:r>
+            <a:endParaRPr lang="en-US" sz="3600" dirty="0">
               <a:solidFill>
-                <a:srgbClr val="625B48"/>
+                <a:schemeClr val="tx1"/>
               </a:solidFill>
             </a:endParaRPr>
           </a:p>
           <a:p>
-            <a:pPr lvl="0" marL="423333" indent="-423333">
+            <a:pPr marL="423333" lvl="0" indent="-423333">
               <a:buClr>
                 <a:srgbClr val="9A7865"/>
               </a:buClr>
@@ -2909,21 +4875,21 @@
               </a:defRPr>
             </a:pPr>
             <a:r>
-              <a:rPr sz="4000">
-                <a:solidFill>
-                  <a:srgbClr val="625B48"/>
-                </a:solidFill>
-              </a:rPr>
-              <a:t>database of: </a:t>
-            </a:r>
-            <a:endParaRPr sz="4000">
+              <a:rPr lang="en-US" sz="3600" dirty="0" smtClean="0">
+                <a:solidFill>
+                  <a:schemeClr val="tx1"/>
+                </a:solidFill>
+              </a:rPr>
+              <a:t>To create a database of instructional videos and other lectures to further tutor the students so that the student could be lectured</a:t>
+            </a:r>
+            <a:endParaRPr lang="en-US" sz="3600" dirty="0">
               <a:solidFill>
-                <a:srgbClr val="625B48"/>
+                <a:schemeClr val="tx1"/>
               </a:solidFill>
             </a:endParaRPr>
           </a:p>
           <a:p>
-            <a:pPr lvl="0" marL="423333" indent="-423333">
+            <a:pPr marL="423333" lvl="0" indent="-423333">
               <a:buClr>
                 <a:srgbClr val="9A7865"/>
               </a:buClr>
@@ -2936,42 +4902,11 @@
                 </a:solidFill>
               </a:defRPr>
             </a:pPr>
-            <a:r>
-              <a:rPr sz="4000">
-                <a:solidFill>
-                  <a:srgbClr val="625B48"/>
-                </a:solidFill>
-              </a:rPr>
-              <a:t>titled, categorized, and prerec’ed</a:t>
-            </a:r>
-            <a:endParaRPr sz="4000">
+            <a:endParaRPr lang="en-US" sz="3600" dirty="0">
               <a:solidFill>
-                <a:srgbClr val="625B48"/>
+                <a:schemeClr val="tx1"/>
               </a:solidFill>
             </a:endParaRPr>
-          </a:p>
-          <a:p>
-            <a:pPr lvl="0" marL="423333" indent="-423333">
-              <a:buClr>
-                <a:srgbClr val="9A7865"/>
-              </a:buClr>
-              <a:buSzPct val="80000"/>
-              <a:buFont typeface="Georgia"/>
-              <a:buChar char="•"/>
-              <a:defRPr sz="1800">
-                <a:solidFill>
-                  <a:srgbClr val="000000"/>
-                </a:solidFill>
-              </a:defRPr>
-            </a:pPr>
-            <a:r>
-              <a:rPr sz="4000">
-                <a:solidFill>
-                  <a:srgbClr val="625B48"/>
-                </a:solidFill>
-              </a:rPr>
-              <a:t>videos/audio things</a:t>
-            </a:r>
           </a:p>
         </p:txBody>
       </p:sp>
@@ -2980,2012 +4915,12 @@
   <p:clrMapOvr>
     <a:masterClrMapping/>
   </p:clrMapOvr>
-  <p:transition spd="med" advClick="1"/>
-</p:sld>
-</file>
-
-<file path=ppt/slides/slide11.xml><?xml version="1.0" encoding="utf-8"?>
-<p:sld xmlns:a="http://schemas.openxmlformats.org/drawingml/2006/main" xmlns:r="http://schemas.openxmlformats.org/officeDocument/2006/relationships" xmlns:p="http://schemas.openxmlformats.org/presentationml/2006/main" showMasterSp="1" showMasterPhAnim="1">
-  <p:cSld>
-    <p:spTree>
-      <p:nvGrpSpPr>
-        <p:cNvPr id="1" name=""/>
-        <p:cNvGrpSpPr/>
-        <p:nvPr/>
-      </p:nvGrpSpPr>
-      <p:grpSpPr>
-        <a:xfrm>
-          <a:off x="0" y="0"/>
-          <a:ext cx="0" cy="0"/>
-          <a:chOff x="0" y="0"/>
-          <a:chExt cx="0" cy="0"/>
-        </a:xfrm>
-      </p:grpSpPr>
-      <p:sp>
-        <p:nvSpPr>
-          <p:cNvPr id="62" name="Shape 62"/>
-          <p:cNvSpPr/>
-          <p:nvPr>
-            <p:ph type="title"/>
-          </p:nvPr>
-        </p:nvSpPr>
-        <p:spPr>
-          <a:prstGeom prst="rect">
-            <a:avLst/>
-          </a:prstGeom>
-        </p:spPr>
-        <p:txBody>
-          <a:bodyPr/>
-          <a:lstStyle>
-            <a:lvl1pPr defTabSz="537463">
-              <a:defRPr sz="6992"/>
-            </a:lvl1pPr>
-          </a:lstStyle>
-          <a:p>
-            <a:pPr lvl="0">
-              <a:defRPr sz="1800">
-                <a:solidFill>
-                  <a:srgbClr val="000000"/>
-                </a:solidFill>
-              </a:defRPr>
-            </a:pPr>
-            <a:r>
-              <a:rPr sz="6992">
-                <a:solidFill>
-                  <a:srgbClr val="85604A"/>
-                </a:solidFill>
-              </a:rPr>
-              <a:t>How are you going to do this?</a:t>
-            </a:r>
-          </a:p>
-        </p:txBody>
-      </p:sp>
-      <p:sp>
-        <p:nvSpPr>
-          <p:cNvPr id="63" name="Shape 63"/>
-          <p:cNvSpPr/>
-          <p:nvPr/>
-        </p:nvSpPr>
-        <p:spPr>
-          <a:xfrm>
-            <a:off x="1293029" y="4508246"/>
-            <a:ext cx="10418742" cy="2032508"/>
-          </a:xfrm>
-          <a:prstGeom prst="rect">
-            <a:avLst/>
-          </a:prstGeom>
-          <a:ln w="12700">
-            <a:miter lim="400000"/>
-          </a:ln>
-          <a:extLst>
-            <a:ext uri="{C572A759-6A51-4108-AA02-DFA0A04FC94B}">
-              <ma14:wrappingTextBoxFlag xmlns:ma14="http://schemas.microsoft.com/office/mac/drawingml/2011/main" val="1"/>
-            </a:ext>
-          </a:extLst>
-        </p:spPr>
-        <p:txBody>
-          <a:bodyPr wrap="none" lIns="50800" tIns="50800" rIns="50800" bIns="50800">
-            <a:spAutoFit/>
-          </a:bodyPr>
-          <a:lstStyle/>
-          <a:p>
-            <a:pPr lvl="0" marL="423333" indent="-423333">
-              <a:buClr>
-                <a:srgbClr val="9A7865"/>
-              </a:buClr>
-              <a:buSzPct val="80000"/>
-              <a:buFont typeface="Georgia"/>
-              <a:buChar char="•"/>
-              <a:defRPr sz="1800">
-                <a:solidFill>
-                  <a:srgbClr val="000000"/>
-                </a:solidFill>
-              </a:defRPr>
-            </a:pPr>
-            <a:r>
-              <a:rPr sz="4000">
-                <a:solidFill>
-                  <a:srgbClr val="625B48"/>
-                </a:solidFill>
-              </a:rPr>
-              <a:t>genetic algorithms to produce :D teachers!</a:t>
-            </a:r>
-            <a:endParaRPr sz="4000">
-              <a:solidFill>
-                <a:srgbClr val="625B48"/>
-              </a:solidFill>
-            </a:endParaRPr>
-          </a:p>
-          <a:p>
-            <a:pPr lvl="0" marL="423333" indent="-423333">
-              <a:buClr>
-                <a:srgbClr val="9A7865"/>
-              </a:buClr>
-              <a:buSzPct val="80000"/>
-              <a:buFont typeface="Georgia"/>
-              <a:buChar char="•"/>
-              <a:defRPr sz="1800">
-                <a:solidFill>
-                  <a:srgbClr val="000000"/>
-                </a:solidFill>
-              </a:defRPr>
-            </a:pPr>
-            <a:r>
-              <a:rPr sz="4000">
-                <a:solidFill>
-                  <a:srgbClr val="625B48"/>
-                </a:solidFill>
-              </a:rPr>
-              <a:t>Selection</a:t>
-            </a:r>
-            <a:endParaRPr sz="4000">
-              <a:solidFill>
-                <a:srgbClr val="625B48"/>
-              </a:solidFill>
-            </a:endParaRPr>
-          </a:p>
-          <a:p>
-            <a:pPr lvl="0" marL="423333" indent="-423333">
-              <a:buClr>
-                <a:srgbClr val="9A7865"/>
-              </a:buClr>
-              <a:buSzPct val="80000"/>
-              <a:buFont typeface="Georgia"/>
-              <a:buChar char="•"/>
-              <a:defRPr sz="1800">
-                <a:solidFill>
-                  <a:srgbClr val="000000"/>
-                </a:solidFill>
-              </a:defRPr>
-            </a:pPr>
-            <a:r>
-              <a:rPr sz="4000">
-                <a:solidFill>
-                  <a:srgbClr val="625B48"/>
-                </a:solidFill>
-              </a:rPr>
-              <a:t>Mutation</a:t>
-            </a:r>
-          </a:p>
-        </p:txBody>
-      </p:sp>
-    </p:spTree>
-  </p:cSld>
-  <p:clrMapOvr>
-    <a:masterClrMapping/>
-  </p:clrMapOvr>
-  <p:transition spd="med" advClick="1"/>
-</p:sld>
-</file>
-
-<file path=ppt/slides/slide12.xml><?xml version="1.0" encoding="utf-8"?>
-<p:sld xmlns:a="http://schemas.openxmlformats.org/drawingml/2006/main" xmlns:r="http://schemas.openxmlformats.org/officeDocument/2006/relationships" xmlns:p="http://schemas.openxmlformats.org/presentationml/2006/main" showMasterSp="1" showMasterPhAnim="1">
-  <p:cSld>
-    <p:spTree>
-      <p:nvGrpSpPr>
-        <p:cNvPr id="1" name=""/>
-        <p:cNvGrpSpPr/>
-        <p:nvPr/>
-      </p:nvGrpSpPr>
-      <p:grpSpPr>
-        <a:xfrm>
-          <a:off x="0" y="0"/>
-          <a:ext cx="0" cy="0"/>
-          <a:chOff x="0" y="0"/>
-          <a:chExt cx="0" cy="0"/>
-        </a:xfrm>
-      </p:grpSpPr>
-      <p:sp>
-        <p:nvSpPr>
-          <p:cNvPr id="65" name="Shape 65"/>
-          <p:cNvSpPr/>
-          <p:nvPr>
-            <p:ph type="title"/>
-          </p:nvPr>
-        </p:nvSpPr>
-        <p:spPr>
-          <a:prstGeom prst="rect">
-            <a:avLst/>
-          </a:prstGeom>
-        </p:spPr>
-        <p:txBody>
-          <a:bodyPr/>
-          <a:lstStyle>
-            <a:lvl1pPr defTabSz="537463">
-              <a:defRPr sz="6992"/>
-            </a:lvl1pPr>
-          </a:lstStyle>
-          <a:p>
-            <a:pPr lvl="0">
-              <a:defRPr sz="1800">
-                <a:solidFill>
-                  <a:srgbClr val="000000"/>
-                </a:solidFill>
-              </a:defRPr>
-            </a:pPr>
-            <a:r>
-              <a:rPr sz="6992">
-                <a:solidFill>
-                  <a:srgbClr val="85604A"/>
-                </a:solidFill>
-              </a:rPr>
-              <a:t>What do you still need to do?</a:t>
-            </a:r>
-          </a:p>
-        </p:txBody>
-      </p:sp>
-      <p:sp>
-        <p:nvSpPr>
-          <p:cNvPr id="66" name="Shape 66"/>
-          <p:cNvSpPr/>
-          <p:nvPr/>
-        </p:nvSpPr>
-        <p:spPr>
-          <a:xfrm>
-            <a:off x="1154430" y="4508246"/>
-            <a:ext cx="10695941" cy="1384808"/>
-          </a:xfrm>
-          <a:prstGeom prst="rect">
-            <a:avLst/>
-          </a:prstGeom>
-          <a:ln w="12700">
-            <a:miter lim="400000"/>
-          </a:ln>
-          <a:extLst>
-            <a:ext uri="{C572A759-6A51-4108-AA02-DFA0A04FC94B}">
-              <ma14:wrappingTextBoxFlag xmlns:ma14="http://schemas.microsoft.com/office/mac/drawingml/2011/main" val="1"/>
-            </a:ext>
-          </a:extLst>
-        </p:spPr>
-        <p:txBody>
-          <a:bodyPr wrap="none" lIns="50800" tIns="50800" rIns="50800" bIns="50800">
-            <a:spAutoFit/>
-          </a:bodyPr>
-          <a:lstStyle/>
-          <a:p>
-            <a:pPr lvl="0">
-              <a:defRPr sz="1800">
-                <a:solidFill>
-                  <a:srgbClr val="000000"/>
-                </a:solidFill>
-              </a:defRPr>
-            </a:pPr>
-            <a:r>
-              <a:rPr sz="4000">
-                <a:solidFill>
-                  <a:srgbClr val="625B48"/>
-                </a:solidFill>
-              </a:rPr>
-              <a:t>Add more data, make search engine “smarter”</a:t>
-            </a:r>
-            <a:endParaRPr sz="4000">
-              <a:solidFill>
-                <a:srgbClr val="625B48"/>
-              </a:solidFill>
-            </a:endParaRPr>
-          </a:p>
-          <a:p>
-            <a:pPr lvl="0">
-              <a:defRPr sz="1800">
-                <a:solidFill>
-                  <a:srgbClr val="000000"/>
-                </a:solidFill>
-              </a:defRPr>
-            </a:pPr>
-            <a:r>
-              <a:rPr sz="4000">
-                <a:solidFill>
-                  <a:srgbClr val="625B48"/>
-                </a:solidFill>
-              </a:rPr>
-              <a:t>Add mas data</a:t>
-            </a:r>
-          </a:p>
-        </p:txBody>
-      </p:sp>
-    </p:spTree>
-  </p:cSld>
-  <p:clrMapOvr>
-    <a:masterClrMapping/>
-  </p:clrMapOvr>
-  <p:transition spd="med" advClick="1"/>
-</p:sld>
-</file>
-
-<file path=ppt/slides/slide13.xml><?xml version="1.0" encoding="utf-8"?>
-<p:sld xmlns:a="http://schemas.openxmlformats.org/drawingml/2006/main" xmlns:r="http://schemas.openxmlformats.org/officeDocument/2006/relationships" xmlns:p="http://schemas.openxmlformats.org/presentationml/2006/main" showMasterSp="1" showMasterPhAnim="1">
-  <p:cSld>
-    <p:spTree>
-      <p:nvGrpSpPr>
-        <p:cNvPr id="1" name=""/>
-        <p:cNvGrpSpPr/>
-        <p:nvPr/>
-      </p:nvGrpSpPr>
-      <p:grpSpPr>
-        <a:xfrm>
-          <a:off x="0" y="0"/>
-          <a:ext cx="0" cy="0"/>
-          <a:chOff x="0" y="0"/>
-          <a:chExt cx="0" cy="0"/>
-        </a:xfrm>
-      </p:grpSpPr>
-      <p:sp>
-        <p:nvSpPr>
-          <p:cNvPr id="68" name="Shape 68"/>
-          <p:cNvSpPr/>
-          <p:nvPr>
-            <p:ph type="title"/>
-          </p:nvPr>
-        </p:nvSpPr>
-        <p:spPr>
-          <a:prstGeom prst="rect">
-            <a:avLst/>
-          </a:prstGeom>
-        </p:spPr>
-        <p:txBody>
-          <a:bodyPr/>
-          <a:lstStyle>
-            <a:lvl1pPr defTabSz="537463">
-              <a:defRPr sz="6992"/>
-            </a:lvl1pPr>
-          </a:lstStyle>
-          <a:p>
-            <a:pPr lvl="0">
-              <a:defRPr sz="1800">
-                <a:solidFill>
-                  <a:srgbClr val="000000"/>
-                </a:solidFill>
-              </a:defRPr>
-            </a:pPr>
-            <a:r>
-              <a:rPr sz="6992">
-                <a:solidFill>
-                  <a:srgbClr val="85604A"/>
-                </a:solidFill>
-              </a:rPr>
-              <a:t>What are your expected results?</a:t>
-            </a:r>
-          </a:p>
-        </p:txBody>
-      </p:sp>
-      <p:sp>
-        <p:nvSpPr>
-          <p:cNvPr id="69" name="Shape 69"/>
-          <p:cNvSpPr/>
-          <p:nvPr/>
-        </p:nvSpPr>
-        <p:spPr>
-          <a:xfrm>
-            <a:off x="5697728" y="4508246"/>
-            <a:ext cx="1609345" cy="737108"/>
-          </a:xfrm>
-          <a:prstGeom prst="rect">
-            <a:avLst/>
-          </a:prstGeom>
-          <a:ln w="12700">
-            <a:miter lim="400000"/>
-          </a:ln>
-          <a:extLst>
-            <a:ext uri="{C572A759-6A51-4108-AA02-DFA0A04FC94B}">
-              <ma14:wrappingTextBoxFlag xmlns:ma14="http://schemas.microsoft.com/office/mac/drawingml/2011/main" val="1"/>
-            </a:ext>
-          </a:extLst>
-        </p:spPr>
-        <p:txBody>
-          <a:bodyPr wrap="none" lIns="50800" tIns="50800" rIns="50800" bIns="50800">
-            <a:spAutoFit/>
-          </a:bodyPr>
-          <a:lstStyle/>
-          <a:p>
-            <a:pPr lvl="0">
-              <a:defRPr sz="1800">
-                <a:solidFill>
-                  <a:srgbClr val="000000"/>
-                </a:solidFill>
-              </a:defRPr>
-            </a:pPr>
-            <a:r>
-              <a:rPr sz="4000">
-                <a:solidFill>
-                  <a:srgbClr val="625B48"/>
-                </a:solidFill>
-              </a:rPr>
-              <a:t>smarts</a:t>
-            </a:r>
-          </a:p>
-        </p:txBody>
-      </p:sp>
-    </p:spTree>
-  </p:cSld>
-  <p:clrMapOvr>
-    <a:masterClrMapping/>
-  </p:clrMapOvr>
-  <p:transition spd="med" advClick="1"/>
-</p:sld>
-</file>
-
-<file path=ppt/slides/slide14.xml><?xml version="1.0" encoding="utf-8"?>
-<p:sld xmlns:a="http://schemas.openxmlformats.org/drawingml/2006/main" xmlns:r="http://schemas.openxmlformats.org/officeDocument/2006/relationships" xmlns:p="http://schemas.openxmlformats.org/presentationml/2006/main" showMasterSp="1" showMasterPhAnim="1">
-  <p:cSld>
-    <p:spTree>
-      <p:nvGrpSpPr>
-        <p:cNvPr id="1" name=""/>
-        <p:cNvGrpSpPr/>
-        <p:nvPr/>
-      </p:nvGrpSpPr>
-      <p:grpSpPr>
-        <a:xfrm>
-          <a:off x="0" y="0"/>
-          <a:ext cx="0" cy="0"/>
-          <a:chOff x="0" y="0"/>
-          <a:chExt cx="0" cy="0"/>
-        </a:xfrm>
-      </p:grpSpPr>
-      <p:sp>
-        <p:nvSpPr>
-          <p:cNvPr id="71" name="Shape 71"/>
-          <p:cNvSpPr/>
-          <p:nvPr>
-            <p:ph type="title"/>
-          </p:nvPr>
-        </p:nvSpPr>
-        <p:spPr>
-          <a:prstGeom prst="rect">
-            <a:avLst/>
-          </a:prstGeom>
-        </p:spPr>
-        <p:txBody>
-          <a:bodyPr/>
-          <a:lstStyle>
-            <a:lvl1pPr defTabSz="537463">
-              <a:defRPr sz="6992"/>
-            </a:lvl1pPr>
-          </a:lstStyle>
-          <a:p>
-            <a:pPr lvl="0">
-              <a:defRPr sz="1800">
-                <a:solidFill>
-                  <a:srgbClr val="000000"/>
-                </a:solidFill>
-              </a:defRPr>
-            </a:pPr>
-            <a:r>
-              <a:rPr sz="6992">
-                <a:solidFill>
-                  <a:srgbClr val="85604A"/>
-                </a:solidFill>
-              </a:rPr>
-              <a:t>How do you plan on continuing to do this?</a:t>
-            </a:r>
-          </a:p>
-        </p:txBody>
-      </p:sp>
-      <p:sp>
-        <p:nvSpPr>
-          <p:cNvPr id="72" name="Shape 72"/>
-          <p:cNvSpPr/>
-          <p:nvPr/>
-        </p:nvSpPr>
-        <p:spPr>
-          <a:xfrm>
-            <a:off x="-25400" y="4508246"/>
-            <a:ext cx="13055601" cy="1384808"/>
-          </a:xfrm>
-          <a:prstGeom prst="rect">
-            <a:avLst/>
-          </a:prstGeom>
-          <a:ln w="12700">
-            <a:miter lim="400000"/>
-          </a:ln>
-          <a:extLst>
-            <a:ext uri="{C572A759-6A51-4108-AA02-DFA0A04FC94B}">
-              <ma14:wrappingTextBoxFlag xmlns:ma14="http://schemas.microsoft.com/office/mac/drawingml/2011/main" val="1"/>
-            </a:ext>
-          </a:extLst>
-        </p:spPr>
-        <p:txBody>
-          <a:bodyPr wrap="none" lIns="50800" tIns="50800" rIns="50800" bIns="50800">
-            <a:spAutoFit/>
-          </a:bodyPr>
-          <a:lstStyle>
-            <a:lvl1pPr marL="423333" indent="-423333">
-              <a:buClr>
-                <a:srgbClr val="9A7865"/>
-              </a:buClr>
-              <a:buSzPct val="80000"/>
-              <a:buFont typeface="Georgia"/>
-              <a:buChar char="•"/>
-            </a:lvl1pPr>
-          </a:lstStyle>
-          <a:p>
-            <a:pPr lvl="0">
-              <a:defRPr sz="1800">
-                <a:solidFill>
-                  <a:srgbClr val="000000"/>
-                </a:solidFill>
-              </a:defRPr>
-            </a:pPr>
-            <a:r>
-              <a:rPr sz="4000">
-                <a:solidFill>
-                  <a:srgbClr val="625B48"/>
-                </a:solidFill>
-              </a:rPr>
-              <a:t>Work through next 4 years or until funding becomes a large problem</a:t>
-            </a:r>
-          </a:p>
-        </p:txBody>
-      </p:sp>
-    </p:spTree>
-  </p:cSld>
-  <p:clrMapOvr>
-    <a:masterClrMapping/>
-  </p:clrMapOvr>
-  <p:transition spd="med" advClick="1"/>
-</p:sld>
-</file>
-
-<file path=ppt/slides/slide2.xml><?xml version="1.0" encoding="utf-8"?>
-<p:sld xmlns:a="http://schemas.openxmlformats.org/drawingml/2006/main" xmlns:r="http://schemas.openxmlformats.org/officeDocument/2006/relationships" xmlns:p="http://schemas.openxmlformats.org/presentationml/2006/main" showMasterSp="1" showMasterPhAnim="1">
-  <p:cSld>
-    <p:spTree>
-      <p:nvGrpSpPr>
-        <p:cNvPr id="1" name=""/>
-        <p:cNvGrpSpPr/>
-        <p:nvPr/>
-      </p:nvGrpSpPr>
-      <p:grpSpPr>
-        <a:xfrm>
-          <a:off x="0" y="0"/>
-          <a:ext cx="0" cy="0"/>
-          <a:chOff x="0" y="0"/>
-          <a:chExt cx="0" cy="0"/>
-        </a:xfrm>
-      </p:grpSpPr>
-      <p:sp>
-        <p:nvSpPr>
-          <p:cNvPr id="35" name="Shape 35"/>
-          <p:cNvSpPr/>
-          <p:nvPr>
-            <p:ph type="title"/>
-          </p:nvPr>
-        </p:nvSpPr>
-        <p:spPr>
-          <a:prstGeom prst="rect">
-            <a:avLst/>
-          </a:prstGeom>
-        </p:spPr>
-        <p:txBody>
-          <a:bodyPr/>
-          <a:lstStyle/>
-          <a:p>
-            <a:pPr lvl="0">
-              <a:defRPr sz="1800">
-                <a:solidFill>
-                  <a:srgbClr val="000000"/>
-                </a:solidFill>
-              </a:defRPr>
-            </a:pPr>
-            <a:r>
-              <a:rPr sz="7600">
-                <a:solidFill>
-                  <a:srgbClr val="85604A"/>
-                </a:solidFill>
-              </a:rPr>
-              <a:t>Problem Definition: </a:t>
-            </a:r>
-          </a:p>
-        </p:txBody>
-      </p:sp>
-      <p:sp>
-        <p:nvSpPr>
-          <p:cNvPr id="36" name="Shape 36"/>
-          <p:cNvSpPr/>
-          <p:nvPr/>
-        </p:nvSpPr>
-        <p:spPr>
-          <a:xfrm>
-            <a:off x="530160" y="4508246"/>
-            <a:ext cx="12291845" cy="3975608"/>
-          </a:xfrm>
-          <a:prstGeom prst="rect">
-            <a:avLst/>
-          </a:prstGeom>
-          <a:ln w="12700">
-            <a:miter lim="400000"/>
-          </a:ln>
-          <a:extLst>
-            <a:ext uri="{C572A759-6A51-4108-AA02-DFA0A04FC94B}">
-              <ma14:wrappingTextBoxFlag xmlns:ma14="http://schemas.microsoft.com/office/mac/drawingml/2011/main" val="1"/>
-            </a:ext>
-          </a:extLst>
-        </p:spPr>
-        <p:txBody>
-          <a:bodyPr lIns="50800" tIns="50800" rIns="50800" bIns="50800">
-            <a:spAutoFit/>
-          </a:bodyPr>
-          <a:lstStyle/>
-          <a:p>
-            <a:pPr lvl="0" marL="423333" indent="-423333">
-              <a:buClr>
-                <a:srgbClr val="9A7865"/>
-              </a:buClr>
-              <a:buSzPct val="80000"/>
-              <a:buFont typeface="Georgia"/>
-              <a:buChar char="•"/>
-              <a:defRPr sz="1800">
-                <a:solidFill>
-                  <a:srgbClr val="000000"/>
-                </a:solidFill>
-              </a:defRPr>
-            </a:pPr>
-            <a:r>
-              <a:rPr sz="4000">
-                <a:solidFill>
-                  <a:srgbClr val="625B48"/>
-                </a:solidFill>
-              </a:rPr>
-              <a:t>People struggle with math during school</a:t>
-            </a:r>
-            <a:endParaRPr sz="4000">
-              <a:solidFill>
-                <a:srgbClr val="625B48"/>
-              </a:solidFill>
-            </a:endParaRPr>
-          </a:p>
-          <a:p>
-            <a:pPr lvl="0" marL="423333" indent="-423333">
-              <a:buClr>
-                <a:srgbClr val="9A7865"/>
-              </a:buClr>
-              <a:buSzPct val="80000"/>
-              <a:buFont typeface="Georgia"/>
-              <a:buChar char="•"/>
-              <a:defRPr sz="1800">
-                <a:solidFill>
-                  <a:srgbClr val="000000"/>
-                </a:solidFill>
-              </a:defRPr>
-            </a:pPr>
-            <a:r>
-              <a:rPr sz="4000">
-                <a:solidFill>
-                  <a:srgbClr val="625B48"/>
-                </a:solidFill>
-              </a:rPr>
-              <a:t>Conventional teaching doesn't give students enough attention</a:t>
-            </a:r>
-            <a:endParaRPr sz="4000">
-              <a:solidFill>
-                <a:srgbClr val="625B48"/>
-              </a:solidFill>
-            </a:endParaRPr>
-          </a:p>
-          <a:p>
-            <a:pPr lvl="0" marL="423333" indent="-423333">
-              <a:buClr>
-                <a:srgbClr val="9A7865"/>
-              </a:buClr>
-              <a:buSzPct val="80000"/>
-              <a:buFont typeface="Georgia"/>
-              <a:buChar char="•"/>
-              <a:defRPr sz="1800">
-                <a:solidFill>
-                  <a:srgbClr val="000000"/>
-                </a:solidFill>
-              </a:defRPr>
-            </a:pPr>
-            <a:r>
-              <a:rPr sz="4000">
-                <a:solidFill>
-                  <a:srgbClr val="625B48"/>
-                </a:solidFill>
-              </a:rPr>
-              <a:t>There’s not enough teachers per student to provide enough individual attention</a:t>
-            </a:r>
-            <a:endParaRPr sz="4000">
-              <a:solidFill>
-                <a:srgbClr val="625B48"/>
-              </a:solidFill>
-            </a:endParaRPr>
-          </a:p>
-          <a:p>
-            <a:pPr lvl="0" marL="423333" indent="-423333">
-              <a:buClr>
-                <a:srgbClr val="9A7865"/>
-              </a:buClr>
-              <a:buSzPct val="80000"/>
-              <a:buFont typeface="Georgia"/>
-              <a:buChar char="•"/>
-              <a:defRPr sz="1800">
-                <a:solidFill>
-                  <a:srgbClr val="000000"/>
-                </a:solidFill>
-              </a:defRPr>
-            </a:pPr>
-            <a:r>
-              <a:rPr sz="4000">
-                <a:solidFill>
-                  <a:srgbClr val="625B48"/>
-                </a:solidFill>
-              </a:rPr>
-              <a:t>FREEdom</a:t>
-            </a:r>
-          </a:p>
-        </p:txBody>
-      </p:sp>
-    </p:spTree>
-  </p:cSld>
-  <p:clrMapOvr>
-    <a:masterClrMapping/>
-  </p:clrMapOvr>
-  <p:transition spd="med" advClick="1"/>
-</p:sld>
-</file>
-
-<file path=ppt/slides/slide3.xml><?xml version="1.0" encoding="utf-8"?>
-<p:sld xmlns:a="http://schemas.openxmlformats.org/drawingml/2006/main" xmlns:r="http://schemas.openxmlformats.org/officeDocument/2006/relationships" xmlns:p="http://schemas.openxmlformats.org/presentationml/2006/main" showMasterSp="1" showMasterPhAnim="1">
-  <p:cSld>
-    <p:spTree>
-      <p:nvGrpSpPr>
-        <p:cNvPr id="1" name=""/>
-        <p:cNvGrpSpPr/>
-        <p:nvPr/>
-      </p:nvGrpSpPr>
-      <p:grpSpPr>
-        <a:xfrm>
-          <a:off x="0" y="0"/>
-          <a:ext cx="0" cy="0"/>
-          <a:chOff x="0" y="0"/>
-          <a:chExt cx="0" cy="0"/>
-        </a:xfrm>
-      </p:grpSpPr>
-      <p:sp>
-        <p:nvSpPr>
-          <p:cNvPr id="38" name="Shape 38"/>
-          <p:cNvSpPr/>
-          <p:nvPr>
-            <p:ph type="title"/>
-          </p:nvPr>
-        </p:nvSpPr>
-        <p:spPr>
-          <a:prstGeom prst="rect">
-            <a:avLst/>
-          </a:prstGeom>
-        </p:spPr>
-        <p:txBody>
-          <a:bodyPr/>
-          <a:lstStyle/>
-          <a:p>
-            <a:pPr lvl="0">
-              <a:defRPr sz="1800">
-                <a:solidFill>
-                  <a:srgbClr val="000000"/>
-                </a:solidFill>
-              </a:defRPr>
-            </a:pPr>
-            <a:r>
-              <a:rPr sz="7600">
-                <a:solidFill>
-                  <a:srgbClr val="85604A"/>
-                </a:solidFill>
-              </a:rPr>
-              <a:t>Why?</a:t>
-            </a:r>
-          </a:p>
-        </p:txBody>
-      </p:sp>
-      <p:sp>
-        <p:nvSpPr>
-          <p:cNvPr id="39" name="Shape 39"/>
-          <p:cNvSpPr/>
-          <p:nvPr/>
-        </p:nvSpPr>
-        <p:spPr>
-          <a:xfrm>
-            <a:off x="-25400" y="4508246"/>
-            <a:ext cx="13055601" cy="2680208"/>
-          </a:xfrm>
-          <a:prstGeom prst="rect">
-            <a:avLst/>
-          </a:prstGeom>
-          <a:ln w="12700">
-            <a:miter lim="400000"/>
-          </a:ln>
-          <a:extLst>
-            <a:ext uri="{C572A759-6A51-4108-AA02-DFA0A04FC94B}">
-              <ma14:wrappingTextBoxFlag xmlns:ma14="http://schemas.microsoft.com/office/mac/drawingml/2011/main" val="1"/>
-            </a:ext>
-          </a:extLst>
-        </p:spPr>
-        <p:txBody>
-          <a:bodyPr wrap="none" lIns="50800" tIns="50800" rIns="50800" bIns="50800">
-            <a:spAutoFit/>
-          </a:bodyPr>
-          <a:lstStyle/>
-          <a:p>
-            <a:pPr lvl="0" marL="423333" indent="-423333">
-              <a:buClr>
-                <a:srgbClr val="9A7865"/>
-              </a:buClr>
-              <a:buSzPct val="80000"/>
-              <a:buFont typeface="Georgia"/>
-              <a:buChar char="•"/>
-              <a:defRPr sz="1800">
-                <a:solidFill>
-                  <a:srgbClr val="000000"/>
-                </a:solidFill>
-              </a:defRPr>
-            </a:pPr>
-            <a:r>
-              <a:rPr sz="4000">
-                <a:solidFill>
-                  <a:srgbClr val="625B48"/>
-                </a:solidFill>
-              </a:rPr>
-              <a:t>These’s not enough teachers to individually teach every student</a:t>
-            </a:r>
-            <a:endParaRPr sz="4000">
-              <a:solidFill>
-                <a:srgbClr val="625B48"/>
-              </a:solidFill>
-            </a:endParaRPr>
-          </a:p>
-          <a:p>
-            <a:pPr lvl="0" marL="423333" indent="-423333">
-              <a:buClr>
-                <a:srgbClr val="9A7865"/>
-              </a:buClr>
-              <a:buSzPct val="80000"/>
-              <a:buFont typeface="Georgia"/>
-              <a:buChar char="•"/>
-              <a:defRPr sz="1800">
-                <a:solidFill>
-                  <a:srgbClr val="000000"/>
-                </a:solidFill>
-              </a:defRPr>
-            </a:pPr>
-            <a:r>
-              <a:rPr sz="4000">
-                <a:solidFill>
-                  <a:srgbClr val="625B48"/>
-                </a:solidFill>
-              </a:rPr>
-              <a:t>Current means of tutoring is expensive!</a:t>
-            </a:r>
-            <a:endParaRPr sz="4000">
-              <a:solidFill>
-                <a:srgbClr val="625B48"/>
-              </a:solidFill>
-            </a:endParaRPr>
-          </a:p>
-          <a:p>
-            <a:pPr lvl="0" marL="423333" indent="-423333">
-              <a:buClr>
-                <a:srgbClr val="9A7865"/>
-              </a:buClr>
-              <a:buSzPct val="80000"/>
-              <a:buFont typeface="Georgia"/>
-              <a:buChar char="•"/>
-              <a:defRPr sz="1800">
-                <a:solidFill>
-                  <a:srgbClr val="000000"/>
-                </a:solidFill>
-              </a:defRPr>
-            </a:pPr>
-            <a:r>
-              <a:rPr sz="4000">
-                <a:solidFill>
-                  <a:srgbClr val="625B48"/>
-                </a:solidFill>
-              </a:rPr>
-              <a:t>Material is either too fast or too slow for students</a:t>
-            </a:r>
-          </a:p>
-        </p:txBody>
-      </p:sp>
-    </p:spTree>
-  </p:cSld>
-  <p:clrMapOvr>
-    <a:masterClrMapping/>
-  </p:clrMapOvr>
-  <p:transition spd="med" advClick="1"/>
-</p:sld>
-</file>
-
-<file path=ppt/slides/slide4.xml><?xml version="1.0" encoding="utf-8"?>
-<p:sld xmlns:a="http://schemas.openxmlformats.org/drawingml/2006/main" xmlns:r="http://schemas.openxmlformats.org/officeDocument/2006/relationships" xmlns:p="http://schemas.openxmlformats.org/presentationml/2006/main" showMasterSp="1" showMasterPhAnim="1">
-  <p:cSld>
-    <p:spTree>
-      <p:nvGrpSpPr>
-        <p:cNvPr id="1" name=""/>
-        <p:cNvGrpSpPr/>
-        <p:nvPr/>
-      </p:nvGrpSpPr>
-      <p:grpSpPr>
-        <a:xfrm>
-          <a:off x="0" y="0"/>
-          <a:ext cx="0" cy="0"/>
-          <a:chOff x="0" y="0"/>
-          <a:chExt cx="0" cy="0"/>
-        </a:xfrm>
-      </p:grpSpPr>
-      <p:sp>
-        <p:nvSpPr>
-          <p:cNvPr id="41" name="Shape 41"/>
-          <p:cNvSpPr/>
-          <p:nvPr>
-            <p:ph type="title"/>
-          </p:nvPr>
-        </p:nvSpPr>
-        <p:spPr>
-          <a:prstGeom prst="rect">
-            <a:avLst/>
-          </a:prstGeom>
-        </p:spPr>
-        <p:txBody>
-          <a:bodyPr/>
-          <a:lstStyle/>
-          <a:p>
-            <a:pPr lvl="0">
-              <a:defRPr sz="1800">
-                <a:solidFill>
-                  <a:srgbClr val="000000"/>
-                </a:solidFill>
-              </a:defRPr>
-            </a:pPr>
-            <a:r>
-              <a:rPr sz="7600">
-                <a:solidFill>
-                  <a:srgbClr val="85604A"/>
-                </a:solidFill>
-              </a:rPr>
-              <a:t>Why is this important?</a:t>
-            </a:r>
-          </a:p>
-        </p:txBody>
-      </p:sp>
-      <p:sp>
-        <p:nvSpPr>
-          <p:cNvPr id="42" name="Shape 42"/>
-          <p:cNvSpPr/>
-          <p:nvPr/>
-        </p:nvSpPr>
-        <p:spPr>
-          <a:xfrm>
-            <a:off x="1432221" y="4508246"/>
-            <a:ext cx="10140358" cy="1384808"/>
-          </a:xfrm>
-          <a:prstGeom prst="rect">
-            <a:avLst/>
-          </a:prstGeom>
-          <a:ln w="12700">
-            <a:miter lim="400000"/>
-          </a:ln>
-          <a:extLst>
-            <a:ext uri="{C572A759-6A51-4108-AA02-DFA0A04FC94B}">
-              <ma14:wrappingTextBoxFlag xmlns:ma14="http://schemas.microsoft.com/office/mac/drawingml/2011/main" val="1"/>
-            </a:ext>
-          </a:extLst>
-        </p:spPr>
-        <p:txBody>
-          <a:bodyPr wrap="none" lIns="50800" tIns="50800" rIns="50800" bIns="50800">
-            <a:spAutoFit/>
-          </a:bodyPr>
-          <a:lstStyle/>
-          <a:p>
-            <a:pPr lvl="0" marL="423333" indent="-423333">
-              <a:buClr>
-                <a:srgbClr val="9A7865"/>
-              </a:buClr>
-              <a:buSzPct val="80000"/>
-              <a:buFont typeface="Georgia"/>
-              <a:buChar char="•"/>
-              <a:defRPr sz="1800">
-                <a:solidFill>
-                  <a:srgbClr val="000000"/>
-                </a:solidFill>
-              </a:defRPr>
-            </a:pPr>
-            <a:r>
-              <a:rPr sz="4000">
-                <a:solidFill>
-                  <a:srgbClr val="625B48"/>
-                </a:solidFill>
-              </a:rPr>
-              <a:t>Better education is better for everyone :D</a:t>
-            </a:r>
-            <a:endParaRPr sz="4000">
-              <a:solidFill>
-                <a:srgbClr val="625B48"/>
-              </a:solidFill>
-            </a:endParaRPr>
-          </a:p>
-          <a:p>
-            <a:pPr lvl="0" marL="423333" indent="-423333">
-              <a:buClr>
-                <a:srgbClr val="9A7865"/>
-              </a:buClr>
-              <a:buSzPct val="80000"/>
-              <a:buFont typeface="Georgia"/>
-              <a:buChar char="•"/>
-              <a:defRPr sz="1800">
-                <a:solidFill>
-                  <a:srgbClr val="000000"/>
-                </a:solidFill>
-              </a:defRPr>
-            </a:pPr>
-            <a:r>
-              <a:rPr sz="4000">
-                <a:solidFill>
-                  <a:srgbClr val="625B48"/>
-                </a:solidFill>
-              </a:rPr>
-              <a:t>Opportunity, economy, better life!</a:t>
-            </a:r>
-          </a:p>
-        </p:txBody>
-      </p:sp>
-    </p:spTree>
-  </p:cSld>
-  <p:clrMapOvr>
-    <a:masterClrMapping/>
-  </p:clrMapOvr>
-  <p:transition spd="med" advClick="1"/>
-</p:sld>
-</file>
-
-<file path=ppt/slides/slide5.xml><?xml version="1.0" encoding="utf-8"?>
-<p:sld xmlns:a="http://schemas.openxmlformats.org/drawingml/2006/main" xmlns:r="http://schemas.openxmlformats.org/officeDocument/2006/relationships" xmlns:p="http://schemas.openxmlformats.org/presentationml/2006/main" showMasterSp="1" showMasterPhAnim="1">
-  <p:cSld>
-    <p:spTree>
-      <p:nvGrpSpPr>
-        <p:cNvPr id="1" name=""/>
-        <p:cNvGrpSpPr/>
-        <p:nvPr/>
-      </p:nvGrpSpPr>
-      <p:grpSpPr>
-        <a:xfrm>
-          <a:off x="0" y="0"/>
-          <a:ext cx="0" cy="0"/>
-          <a:chOff x="0" y="0"/>
-          <a:chExt cx="0" cy="0"/>
-        </a:xfrm>
-      </p:grpSpPr>
-      <p:sp>
-        <p:nvSpPr>
-          <p:cNvPr id="44" name="Shape 44"/>
-          <p:cNvSpPr/>
-          <p:nvPr>
-            <p:ph type="title"/>
-          </p:nvPr>
-        </p:nvSpPr>
-        <p:spPr>
-          <a:prstGeom prst="rect">
-            <a:avLst/>
-          </a:prstGeom>
-        </p:spPr>
-        <p:txBody>
-          <a:bodyPr/>
-          <a:lstStyle/>
-          <a:p>
-            <a:pPr lvl="0">
-              <a:defRPr sz="1800">
-                <a:solidFill>
-                  <a:srgbClr val="000000"/>
-                </a:solidFill>
-              </a:defRPr>
-            </a:pPr>
-            <a:r>
-              <a:rPr sz="7600">
-                <a:solidFill>
-                  <a:srgbClr val="85604A"/>
-                </a:solidFill>
-              </a:rPr>
-              <a:t>Why do we want this?</a:t>
-            </a:r>
-          </a:p>
-        </p:txBody>
-      </p:sp>
-      <p:sp>
-        <p:nvSpPr>
-          <p:cNvPr id="45" name="Shape 45"/>
-          <p:cNvSpPr/>
-          <p:nvPr/>
-        </p:nvSpPr>
-        <p:spPr>
-          <a:xfrm>
-            <a:off x="1222163" y="4508246"/>
-            <a:ext cx="10560474" cy="737108"/>
-          </a:xfrm>
-          <a:prstGeom prst="rect">
-            <a:avLst/>
-          </a:prstGeom>
-          <a:ln w="12700">
-            <a:miter lim="400000"/>
-          </a:ln>
-          <a:extLst>
-            <a:ext uri="{C572A759-6A51-4108-AA02-DFA0A04FC94B}">
-              <ma14:wrappingTextBoxFlag xmlns:ma14="http://schemas.microsoft.com/office/mac/drawingml/2011/main" val="1"/>
-            </a:ext>
-          </a:extLst>
-        </p:spPr>
-        <p:txBody>
-          <a:bodyPr wrap="none" lIns="50800" tIns="50800" rIns="50800" bIns="50800">
-            <a:spAutoFit/>
-          </a:bodyPr>
-          <a:lstStyle>
-            <a:lvl1pPr marL="423333" indent="-423333">
-              <a:buClr>
-                <a:srgbClr val="9A7865"/>
-              </a:buClr>
-              <a:buSzPct val="80000"/>
-              <a:buFont typeface="Georgia"/>
-              <a:buChar char="•"/>
-            </a:lvl1pPr>
-          </a:lstStyle>
-          <a:p>
-            <a:pPr lvl="0">
-              <a:defRPr sz="1800">
-                <a:solidFill>
-                  <a:srgbClr val="000000"/>
-                </a:solidFill>
-              </a:defRPr>
-            </a:pPr>
-            <a:r>
-              <a:rPr sz="4000">
-                <a:solidFill>
-                  <a:srgbClr val="625B48"/>
-                </a:solidFill>
-              </a:rPr>
-              <a:t>We want a Digital Aristotle for our subjects!</a:t>
-            </a:r>
-          </a:p>
-        </p:txBody>
-      </p:sp>
-    </p:spTree>
-  </p:cSld>
-  <p:clrMapOvr>
-    <a:masterClrMapping/>
-  </p:clrMapOvr>
-  <p:transition spd="med" advClick="1"/>
-</p:sld>
-</file>
-
-<file path=ppt/slides/slide6.xml><?xml version="1.0" encoding="utf-8"?>
-<p:sld xmlns:a="http://schemas.openxmlformats.org/drawingml/2006/main" xmlns:r="http://schemas.openxmlformats.org/officeDocument/2006/relationships" xmlns:p="http://schemas.openxmlformats.org/presentationml/2006/main" showMasterSp="1" showMasterPhAnim="1">
-  <p:cSld>
-    <p:spTree>
-      <p:nvGrpSpPr>
-        <p:cNvPr id="1" name=""/>
-        <p:cNvGrpSpPr/>
-        <p:nvPr/>
-      </p:nvGrpSpPr>
-      <p:grpSpPr>
-        <a:xfrm>
-          <a:off x="0" y="0"/>
-          <a:ext cx="0" cy="0"/>
-          <a:chOff x="0" y="0"/>
-          <a:chExt cx="0" cy="0"/>
-        </a:xfrm>
-      </p:grpSpPr>
-      <p:sp>
-        <p:nvSpPr>
-          <p:cNvPr id="47" name="Shape 47"/>
-          <p:cNvSpPr/>
-          <p:nvPr>
-            <p:ph type="title"/>
-          </p:nvPr>
-        </p:nvSpPr>
-        <p:spPr>
-          <a:prstGeom prst="rect">
-            <a:avLst/>
-          </a:prstGeom>
-        </p:spPr>
-        <p:txBody>
-          <a:bodyPr/>
-          <a:lstStyle/>
-          <a:p>
-            <a:pPr lvl="0">
-              <a:defRPr sz="1800">
-                <a:solidFill>
-                  <a:srgbClr val="000000"/>
-                </a:solidFill>
-              </a:defRPr>
-            </a:pPr>
-            <a:r>
-              <a:rPr sz="7600">
-                <a:solidFill>
-                  <a:srgbClr val="85604A"/>
-                </a:solidFill>
-              </a:rPr>
-              <a:t>How?</a:t>
-            </a:r>
-          </a:p>
-        </p:txBody>
-      </p:sp>
-      <p:sp>
-        <p:nvSpPr>
-          <p:cNvPr id="48" name="Shape 48"/>
-          <p:cNvSpPr/>
-          <p:nvPr/>
-        </p:nvSpPr>
-        <p:spPr>
-          <a:xfrm>
-            <a:off x="643551" y="4508246"/>
-            <a:ext cx="11717698" cy="3975608"/>
-          </a:xfrm>
-          <a:prstGeom prst="rect">
-            <a:avLst/>
-          </a:prstGeom>
-          <a:ln w="12700">
-            <a:miter lim="400000"/>
-          </a:ln>
-          <a:extLst>
-            <a:ext uri="{C572A759-6A51-4108-AA02-DFA0A04FC94B}">
-              <ma14:wrappingTextBoxFlag xmlns:ma14="http://schemas.microsoft.com/office/mac/drawingml/2011/main" val="1"/>
-            </a:ext>
-          </a:extLst>
-        </p:spPr>
-        <p:txBody>
-          <a:bodyPr wrap="none" lIns="50800" tIns="50800" rIns="50800" bIns="50800">
-            <a:spAutoFit/>
-          </a:bodyPr>
-          <a:lstStyle/>
-          <a:p>
-            <a:pPr lvl="0" marL="423333" indent="-423333">
-              <a:buClr>
-                <a:srgbClr val="9A7865"/>
-              </a:buClr>
-              <a:buSzPct val="80000"/>
-              <a:buFont typeface="Georgia"/>
-              <a:buChar char="•"/>
-              <a:defRPr sz="1800">
-                <a:solidFill>
-                  <a:srgbClr val="000000"/>
-                </a:solidFill>
-              </a:defRPr>
-            </a:pPr>
-            <a:r>
-              <a:rPr sz="4000">
-                <a:solidFill>
-                  <a:srgbClr val="625B48"/>
-                </a:solidFill>
-              </a:rPr>
-              <a:t>Create search engine capable of looking though knowledge database with all the things</a:t>
-            </a:r>
-            <a:endParaRPr sz="4000">
-              <a:solidFill>
-                <a:srgbClr val="625B48"/>
-              </a:solidFill>
-            </a:endParaRPr>
-          </a:p>
-          <a:p>
-            <a:pPr lvl="0" marL="423333" indent="-423333">
-              <a:buClr>
-                <a:srgbClr val="9A7865"/>
-              </a:buClr>
-              <a:buSzPct val="80000"/>
-              <a:buFont typeface="Georgia"/>
-              <a:buChar char="•"/>
-              <a:defRPr sz="1800">
-                <a:solidFill>
-                  <a:srgbClr val="000000"/>
-                </a:solidFill>
-              </a:defRPr>
-            </a:pPr>
-            <a:r>
-              <a:rPr sz="4000">
-                <a:solidFill>
-                  <a:srgbClr val="625B48"/>
-                </a:solidFill>
-              </a:rPr>
-              <a:t>Interactive stuff: i.e.- tests, homework, problems, practice</a:t>
-            </a:r>
-            <a:endParaRPr sz="4000">
-              <a:solidFill>
-                <a:srgbClr val="625B48"/>
-              </a:solidFill>
-            </a:endParaRPr>
-          </a:p>
-          <a:p>
-            <a:pPr lvl="0" marL="423333" indent="-423333">
-              <a:buClr>
-                <a:srgbClr val="9A7865"/>
-              </a:buClr>
-              <a:buSzPct val="80000"/>
-              <a:buFont typeface="Georgia"/>
-              <a:buChar char="•"/>
-              <a:defRPr sz="1800">
-                <a:solidFill>
-                  <a:srgbClr val="000000"/>
-                </a:solidFill>
-              </a:defRPr>
-            </a:pPr>
-            <a:r>
-              <a:rPr sz="4000">
-                <a:solidFill>
-                  <a:srgbClr val="625B48"/>
-                </a:solidFill>
-              </a:rPr>
-              <a:t>Individualize </a:t>
-            </a:r>
-            <a:endParaRPr sz="4000">
-              <a:solidFill>
-                <a:srgbClr val="625B48"/>
-              </a:solidFill>
-            </a:endParaRPr>
-          </a:p>
-          <a:p>
-            <a:pPr lvl="0" marL="423333" indent="-423333">
-              <a:buClr>
-                <a:srgbClr val="9A7865"/>
-              </a:buClr>
-              <a:buSzPct val="80000"/>
-              <a:buFont typeface="Georgia"/>
-              <a:buChar char="•"/>
-              <a:defRPr sz="1800">
-                <a:solidFill>
-                  <a:srgbClr val="000000"/>
-                </a:solidFill>
-              </a:defRPr>
-            </a:pPr>
-            <a:r>
-              <a:rPr sz="4000">
-                <a:solidFill>
-                  <a:srgbClr val="625B48"/>
-                </a:solidFill>
-              </a:rPr>
-              <a:t>Lectures </a:t>
-            </a:r>
-          </a:p>
-        </p:txBody>
-      </p:sp>
-    </p:spTree>
-  </p:cSld>
-  <p:clrMapOvr>
-    <a:masterClrMapping/>
-  </p:clrMapOvr>
-  <p:transition spd="med" advClick="1"/>
-</p:sld>
-</file>
-
-<file path=ppt/slides/slide7.xml><?xml version="1.0" encoding="utf-8"?>
-<p:sld xmlns:a="http://schemas.openxmlformats.org/drawingml/2006/main" xmlns:r="http://schemas.openxmlformats.org/officeDocument/2006/relationships" xmlns:p="http://schemas.openxmlformats.org/presentationml/2006/main" showMasterSp="1" showMasterPhAnim="1">
-  <p:cSld>
-    <p:spTree>
-      <p:nvGrpSpPr>
-        <p:cNvPr id="1" name=""/>
-        <p:cNvGrpSpPr/>
-        <p:nvPr/>
-      </p:nvGrpSpPr>
-      <p:grpSpPr>
-        <a:xfrm>
-          <a:off x="0" y="0"/>
-          <a:ext cx="0" cy="0"/>
-          <a:chOff x="0" y="0"/>
-          <a:chExt cx="0" cy="0"/>
-        </a:xfrm>
-      </p:grpSpPr>
-      <p:sp>
-        <p:nvSpPr>
-          <p:cNvPr id="50" name="Shape 50"/>
-          <p:cNvSpPr/>
-          <p:nvPr>
-            <p:ph type="title"/>
-          </p:nvPr>
-        </p:nvSpPr>
-        <p:spPr>
-          <a:prstGeom prst="rect">
-            <a:avLst/>
-          </a:prstGeom>
-        </p:spPr>
-        <p:txBody>
-          <a:bodyPr/>
-          <a:lstStyle>
-            <a:lvl1pPr defTabSz="537463">
-              <a:defRPr sz="6992"/>
-            </a:lvl1pPr>
-          </a:lstStyle>
-          <a:p>
-            <a:pPr lvl="0">
-              <a:defRPr sz="1800">
-                <a:solidFill>
-                  <a:srgbClr val="000000"/>
-                </a:solidFill>
-              </a:defRPr>
-            </a:pPr>
-            <a:r>
-              <a:rPr sz="6992">
-                <a:solidFill>
-                  <a:srgbClr val="85604A"/>
-                </a:solidFill>
-              </a:rPr>
-              <a:t>How are you going to do this?</a:t>
-            </a:r>
-          </a:p>
-        </p:txBody>
-      </p:sp>
-      <p:sp>
-        <p:nvSpPr>
-          <p:cNvPr id="51" name="Shape 51"/>
-          <p:cNvSpPr/>
-          <p:nvPr/>
-        </p:nvSpPr>
-        <p:spPr>
-          <a:xfrm>
-            <a:off x="3701796" y="4508246"/>
-            <a:ext cx="5601209" cy="3975608"/>
-          </a:xfrm>
-          <a:prstGeom prst="rect">
-            <a:avLst/>
-          </a:prstGeom>
-          <a:ln w="12700">
-            <a:miter lim="400000"/>
-          </a:ln>
-          <a:extLst>
-            <a:ext uri="{C572A759-6A51-4108-AA02-DFA0A04FC94B}">
-              <ma14:wrappingTextBoxFlag xmlns:ma14="http://schemas.microsoft.com/office/mac/drawingml/2011/main" val="1"/>
-            </a:ext>
-          </a:extLst>
-        </p:spPr>
-        <p:txBody>
-          <a:bodyPr wrap="none" lIns="50800" tIns="50800" rIns="50800" bIns="50800">
-            <a:spAutoFit/>
-          </a:bodyPr>
-          <a:lstStyle/>
-          <a:p>
-            <a:pPr lvl="0" marL="228600" indent="-228600">
-              <a:buSzPct val="100000"/>
-              <a:buChar char="•"/>
-              <a:defRPr sz="1800">
-                <a:solidFill>
-                  <a:srgbClr val="000000"/>
-                </a:solidFill>
-              </a:defRPr>
-            </a:pPr>
-            <a:r>
-              <a:rPr sz="4000">
-                <a:solidFill>
-                  <a:srgbClr val="625B48"/>
-                </a:solidFill>
-              </a:rPr>
-              <a:t>Create database</a:t>
-            </a:r>
-            <a:endParaRPr sz="4000">
-              <a:solidFill>
-                <a:srgbClr val="625B48"/>
-              </a:solidFill>
-            </a:endParaRPr>
-          </a:p>
-          <a:p>
-            <a:pPr lvl="0" marL="228600" indent="-228600">
-              <a:buSzPct val="100000"/>
-              <a:buChar char="•"/>
-              <a:defRPr sz="1800">
-                <a:solidFill>
-                  <a:srgbClr val="000000"/>
-                </a:solidFill>
-              </a:defRPr>
-            </a:pPr>
-            <a:r>
-              <a:rPr sz="4000">
-                <a:solidFill>
-                  <a:srgbClr val="625B48"/>
-                </a:solidFill>
-              </a:rPr>
-              <a:t>create search engine</a:t>
-            </a:r>
-            <a:endParaRPr sz="4000">
-              <a:solidFill>
-                <a:srgbClr val="625B48"/>
-              </a:solidFill>
-            </a:endParaRPr>
-          </a:p>
-          <a:p>
-            <a:pPr lvl="0" marL="228600" indent="-228600">
-              <a:buSzPct val="100000"/>
-              <a:buChar char="•"/>
-              <a:defRPr sz="1800">
-                <a:solidFill>
-                  <a:srgbClr val="000000"/>
-                </a:solidFill>
-              </a:defRPr>
-            </a:pPr>
-            <a:r>
-              <a:rPr sz="4000">
-                <a:solidFill>
-                  <a:srgbClr val="625B48"/>
-                </a:solidFill>
-              </a:rPr>
-              <a:t>Q&amp;A</a:t>
-            </a:r>
-            <a:endParaRPr sz="4000">
-              <a:solidFill>
-                <a:srgbClr val="625B48"/>
-              </a:solidFill>
-            </a:endParaRPr>
-          </a:p>
-          <a:p>
-            <a:pPr lvl="0" marL="228600" indent="-228600">
-              <a:buSzPct val="100000"/>
-              <a:buChar char="•"/>
-              <a:defRPr sz="1800">
-                <a:solidFill>
-                  <a:srgbClr val="000000"/>
-                </a:solidFill>
-              </a:defRPr>
-            </a:pPr>
-            <a:r>
-              <a:rPr sz="4000">
-                <a:solidFill>
-                  <a:srgbClr val="625B48"/>
-                </a:solidFill>
-              </a:rPr>
-              <a:t>Assignments, tests, etc</a:t>
-            </a:r>
-            <a:endParaRPr sz="4000">
-              <a:solidFill>
-                <a:srgbClr val="625B48"/>
-              </a:solidFill>
-            </a:endParaRPr>
-          </a:p>
-          <a:p>
-            <a:pPr lvl="0" marL="228600" indent="-228600">
-              <a:buSzPct val="100000"/>
-              <a:buChar char="•"/>
-              <a:defRPr sz="1800">
-                <a:solidFill>
-                  <a:srgbClr val="000000"/>
-                </a:solidFill>
-              </a:defRPr>
-            </a:pPr>
-            <a:r>
-              <a:rPr sz="4000">
-                <a:solidFill>
-                  <a:srgbClr val="625B48"/>
-                </a:solidFill>
-              </a:rPr>
-              <a:t>Lecture</a:t>
-            </a:r>
-            <a:endParaRPr sz="4000">
-              <a:solidFill>
-                <a:srgbClr val="625B48"/>
-              </a:solidFill>
-            </a:endParaRPr>
-          </a:p>
-          <a:p>
-            <a:pPr lvl="0" marL="228600" indent="-228600">
-              <a:buSzPct val="100000"/>
-              <a:buChar char="•"/>
-              <a:defRPr sz="1800">
-                <a:solidFill>
-                  <a:srgbClr val="000000"/>
-                </a:solidFill>
-              </a:defRPr>
-            </a:pPr>
-            <a:r>
-              <a:rPr sz="4000">
-                <a:solidFill>
-                  <a:srgbClr val="625B48"/>
-                </a:solidFill>
-              </a:rPr>
-              <a:t>Individualize</a:t>
-            </a:r>
-          </a:p>
-        </p:txBody>
-      </p:sp>
-    </p:spTree>
-  </p:cSld>
-  <p:clrMapOvr>
-    <a:masterClrMapping/>
-  </p:clrMapOvr>
-  <p:transition spd="med" advClick="1"/>
-</p:sld>
-</file>
-
-<file path=ppt/slides/slide8.xml><?xml version="1.0" encoding="utf-8"?>
-<p:sld xmlns:a="http://schemas.openxmlformats.org/drawingml/2006/main" xmlns:r="http://schemas.openxmlformats.org/officeDocument/2006/relationships" xmlns:p="http://schemas.openxmlformats.org/presentationml/2006/main" showMasterSp="1" showMasterPhAnim="1">
-  <p:cSld>
-    <p:spTree>
-      <p:nvGrpSpPr>
-        <p:cNvPr id="1" name=""/>
-        <p:cNvGrpSpPr/>
-        <p:nvPr/>
-      </p:nvGrpSpPr>
-      <p:grpSpPr>
-        <a:xfrm>
-          <a:off x="0" y="0"/>
-          <a:ext cx="0" cy="0"/>
-          <a:chOff x="0" y="0"/>
-          <a:chExt cx="0" cy="0"/>
-        </a:xfrm>
-      </p:grpSpPr>
-      <p:sp>
-        <p:nvSpPr>
-          <p:cNvPr id="53" name="Shape 53"/>
-          <p:cNvSpPr/>
-          <p:nvPr>
-            <p:ph type="title"/>
-          </p:nvPr>
-        </p:nvSpPr>
-        <p:spPr>
-          <a:prstGeom prst="rect">
-            <a:avLst/>
-          </a:prstGeom>
-        </p:spPr>
-        <p:txBody>
-          <a:bodyPr/>
-          <a:lstStyle/>
-          <a:p>
-            <a:pPr lvl="0">
-              <a:defRPr sz="1800">
-                <a:solidFill>
-                  <a:srgbClr val="000000"/>
-                </a:solidFill>
-              </a:defRPr>
-            </a:pPr>
-            <a:r>
-              <a:rPr sz="7600">
-                <a:solidFill>
-                  <a:srgbClr val="85604A"/>
-                </a:solidFill>
-              </a:rPr>
-              <a:t>What did you do?</a:t>
-            </a:r>
-          </a:p>
-        </p:txBody>
-      </p:sp>
-      <p:sp>
-        <p:nvSpPr>
-          <p:cNvPr id="54" name="Shape 54"/>
-          <p:cNvSpPr/>
-          <p:nvPr/>
-        </p:nvSpPr>
-        <p:spPr>
-          <a:xfrm>
-            <a:off x="2753275" y="4508246"/>
-            <a:ext cx="7498250" cy="3327908"/>
-          </a:xfrm>
-          <a:prstGeom prst="rect">
-            <a:avLst/>
-          </a:prstGeom>
-          <a:ln w="12700">
-            <a:miter lim="400000"/>
-          </a:ln>
-          <a:extLst>
-            <a:ext uri="{C572A759-6A51-4108-AA02-DFA0A04FC94B}">
-              <ma14:wrappingTextBoxFlag xmlns:ma14="http://schemas.microsoft.com/office/mac/drawingml/2011/main" val="1"/>
-            </a:ext>
-          </a:extLst>
-        </p:spPr>
-        <p:txBody>
-          <a:bodyPr wrap="none" lIns="50800" tIns="50800" rIns="50800" bIns="50800">
-            <a:spAutoFit/>
-          </a:bodyPr>
-          <a:lstStyle/>
-          <a:p>
-            <a:pPr lvl="0" marL="423333" indent="-423333">
-              <a:buClr>
-                <a:srgbClr val="9A7865"/>
-              </a:buClr>
-              <a:buSzPct val="80000"/>
-              <a:buFont typeface="Georgia"/>
-              <a:buChar char="•"/>
-              <a:defRPr sz="1800">
-                <a:solidFill>
-                  <a:srgbClr val="000000"/>
-                </a:solidFill>
-              </a:defRPr>
-            </a:pPr>
-            <a:r>
-              <a:rPr sz="4000">
-                <a:solidFill>
-                  <a:srgbClr val="625B48"/>
-                </a:solidFill>
-              </a:rPr>
-              <a:t>have python read (math) book</a:t>
-            </a:r>
-            <a:endParaRPr sz="4000">
-              <a:solidFill>
-                <a:srgbClr val="625B48"/>
-              </a:solidFill>
-            </a:endParaRPr>
-          </a:p>
-          <a:p>
-            <a:pPr lvl="0" marL="423333" indent="-423333">
-              <a:buClr>
-                <a:srgbClr val="9A7865"/>
-              </a:buClr>
-              <a:buSzPct val="80000"/>
-              <a:buFont typeface="Georgia"/>
-              <a:buChar char="•"/>
-              <a:defRPr sz="1800">
-                <a:solidFill>
-                  <a:srgbClr val="000000"/>
-                </a:solidFill>
-              </a:defRPr>
-            </a:pPr>
-            <a:r>
-              <a:rPr sz="4000">
-                <a:solidFill>
-                  <a:srgbClr val="625B48"/>
-                </a:solidFill>
-              </a:rPr>
-              <a:t>Categorize info</a:t>
-            </a:r>
-            <a:endParaRPr sz="4000">
-              <a:solidFill>
-                <a:srgbClr val="625B48"/>
-              </a:solidFill>
-            </a:endParaRPr>
-          </a:p>
-          <a:p>
-            <a:pPr lvl="0" marL="423333" indent="-423333">
-              <a:buClr>
-                <a:srgbClr val="9A7865"/>
-              </a:buClr>
-              <a:buSzPct val="80000"/>
-              <a:buFont typeface="Georgia"/>
-              <a:buChar char="•"/>
-              <a:defRPr sz="1800">
-                <a:solidFill>
-                  <a:srgbClr val="000000"/>
-                </a:solidFill>
-              </a:defRPr>
-            </a:pPr>
-            <a:r>
-              <a:rPr sz="4000">
-                <a:solidFill>
-                  <a:srgbClr val="625B48"/>
-                </a:solidFill>
-              </a:rPr>
-              <a:t>have python search said book</a:t>
-            </a:r>
-            <a:endParaRPr sz="4000">
-              <a:solidFill>
-                <a:srgbClr val="625B48"/>
-              </a:solidFill>
-            </a:endParaRPr>
-          </a:p>
-          <a:p>
-            <a:pPr lvl="0" marL="423333" indent="-423333">
-              <a:buClr>
-                <a:srgbClr val="9A7865"/>
-              </a:buClr>
-              <a:buSzPct val="80000"/>
-              <a:buFont typeface="Georgia"/>
-              <a:buChar char="•"/>
-              <a:defRPr sz="1800">
-                <a:solidFill>
-                  <a:srgbClr val="000000"/>
-                </a:solidFill>
-              </a:defRPr>
-            </a:pPr>
-            <a:r>
-              <a:rPr sz="4000">
-                <a:solidFill>
-                  <a:srgbClr val="625B48"/>
-                </a:solidFill>
-              </a:rPr>
-              <a:t>display search results</a:t>
-            </a:r>
-            <a:endParaRPr sz="4000">
-              <a:solidFill>
-                <a:srgbClr val="625B48"/>
-              </a:solidFill>
-            </a:endParaRPr>
-          </a:p>
-          <a:p>
-            <a:pPr lvl="0" marL="423333" indent="-423333">
-              <a:buClr>
-                <a:srgbClr val="9A7865"/>
-              </a:buClr>
-              <a:buSzPct val="80000"/>
-              <a:buFont typeface="Georgia"/>
-              <a:buChar char="•"/>
-              <a:defRPr sz="1800">
-                <a:solidFill>
-                  <a:srgbClr val="000000"/>
-                </a:solidFill>
-              </a:defRPr>
-            </a:pPr>
-            <a:r>
-              <a:rPr sz="4000">
-                <a:solidFill>
-                  <a:srgbClr val="625B48"/>
-                </a:solidFill>
-              </a:rPr>
-              <a:t>Add more dataz</a:t>
-            </a:r>
-          </a:p>
-        </p:txBody>
-      </p:sp>
-    </p:spTree>
-  </p:cSld>
-  <p:clrMapOvr>
-    <a:masterClrMapping/>
-  </p:clrMapOvr>
-  <p:transition spd="med" advClick="1"/>
-</p:sld>
-</file>
-
-<file path=ppt/slides/slide9.xml><?xml version="1.0" encoding="utf-8"?>
-<p:sld xmlns:a="http://schemas.openxmlformats.org/drawingml/2006/main" xmlns:r="http://schemas.openxmlformats.org/officeDocument/2006/relationships" xmlns:p="http://schemas.openxmlformats.org/presentationml/2006/main" showMasterSp="1" showMasterPhAnim="1">
-  <p:cSld>
-    <p:spTree>
-      <p:nvGrpSpPr>
-        <p:cNvPr id="1" name=""/>
-        <p:cNvGrpSpPr/>
-        <p:nvPr/>
-      </p:nvGrpSpPr>
-      <p:grpSpPr>
-        <a:xfrm>
-          <a:off x="0" y="0"/>
-          <a:ext cx="0" cy="0"/>
-          <a:chOff x="0" y="0"/>
-          <a:chExt cx="0" cy="0"/>
-        </a:xfrm>
-      </p:grpSpPr>
-      <p:sp>
-        <p:nvSpPr>
-          <p:cNvPr id="56" name="Shape 56"/>
-          <p:cNvSpPr/>
-          <p:nvPr>
-            <p:ph type="title"/>
-          </p:nvPr>
-        </p:nvSpPr>
-        <p:spPr>
-          <a:prstGeom prst="rect">
-            <a:avLst/>
-          </a:prstGeom>
-        </p:spPr>
-        <p:txBody>
-          <a:bodyPr/>
-          <a:lstStyle>
-            <a:lvl1pPr defTabSz="537463">
-              <a:defRPr sz="6992"/>
-            </a:lvl1pPr>
-          </a:lstStyle>
-          <a:p>
-            <a:pPr lvl="0">
-              <a:defRPr sz="1800">
-                <a:solidFill>
-                  <a:srgbClr val="000000"/>
-                </a:solidFill>
-              </a:defRPr>
-            </a:pPr>
-            <a:r>
-              <a:rPr sz="6992">
-                <a:solidFill>
-                  <a:srgbClr val="85604A"/>
-                </a:solidFill>
-              </a:rPr>
-              <a:t>How are you going to do this?</a:t>
-            </a:r>
-          </a:p>
-        </p:txBody>
-      </p:sp>
-      <p:sp>
-        <p:nvSpPr>
-          <p:cNvPr id="57" name="Shape 57"/>
-          <p:cNvSpPr/>
-          <p:nvPr/>
-        </p:nvSpPr>
-        <p:spPr>
-          <a:xfrm>
-            <a:off x="1398947" y="4508246"/>
-            <a:ext cx="10206906" cy="2032508"/>
-          </a:xfrm>
-          <a:prstGeom prst="rect">
-            <a:avLst/>
-          </a:prstGeom>
-          <a:ln w="12700">
-            <a:miter lim="400000"/>
-          </a:ln>
-          <a:extLst>
-            <a:ext uri="{C572A759-6A51-4108-AA02-DFA0A04FC94B}">
-              <ma14:wrappingTextBoxFlag xmlns:ma14="http://schemas.microsoft.com/office/mac/drawingml/2011/main" val="1"/>
-            </a:ext>
-          </a:extLst>
-        </p:spPr>
-        <p:txBody>
-          <a:bodyPr wrap="none" lIns="50800" tIns="50800" rIns="50800" bIns="50800">
-            <a:spAutoFit/>
-          </a:bodyPr>
-          <a:lstStyle/>
-          <a:p>
-            <a:pPr lvl="0" marL="423333" indent="-423333">
-              <a:buClr>
-                <a:srgbClr val="9A7865"/>
-              </a:buClr>
-              <a:buSzPct val="80000"/>
-              <a:buFont typeface="Georgia"/>
-              <a:buChar char="•"/>
-              <a:defRPr sz="1800">
-                <a:solidFill>
-                  <a:srgbClr val="000000"/>
-                </a:solidFill>
-              </a:defRPr>
-            </a:pPr>
-            <a:r>
-              <a:rPr sz="4000">
-                <a:solidFill>
-                  <a:srgbClr val="625B48"/>
-                </a:solidFill>
-              </a:rPr>
-              <a:t>create problem:answer generators (steps?)</a:t>
-            </a:r>
-            <a:endParaRPr sz="4000">
-              <a:solidFill>
-                <a:srgbClr val="625B48"/>
-              </a:solidFill>
-            </a:endParaRPr>
-          </a:p>
-          <a:p>
-            <a:pPr lvl="0" marL="423333" indent="-423333">
-              <a:buClr>
-                <a:srgbClr val="9A7865"/>
-              </a:buClr>
-              <a:buSzPct val="80000"/>
-              <a:buFont typeface="Georgia"/>
-              <a:buChar char="•"/>
-              <a:defRPr sz="1800">
-                <a:solidFill>
-                  <a:srgbClr val="000000"/>
-                </a:solidFill>
-              </a:defRPr>
-            </a:pPr>
-            <a:r>
-              <a:rPr sz="4000">
-                <a:solidFill>
-                  <a:srgbClr val="625B48"/>
-                </a:solidFill>
-              </a:rPr>
-              <a:t>through the power of handz</a:t>
-            </a:r>
-            <a:endParaRPr sz="4000">
-              <a:solidFill>
-                <a:srgbClr val="625B48"/>
-              </a:solidFill>
-            </a:endParaRPr>
-          </a:p>
-          <a:p>
-            <a:pPr lvl="0" marL="423333" indent="-423333">
-              <a:buClr>
-                <a:srgbClr val="9A7865"/>
-              </a:buClr>
-              <a:buSzPct val="80000"/>
-              <a:buFont typeface="Georgia"/>
-              <a:buChar char="•"/>
-              <a:defRPr sz="1800">
-                <a:solidFill>
-                  <a:srgbClr val="000000"/>
-                </a:solidFill>
-              </a:defRPr>
-            </a:pPr>
-            <a:r>
-              <a:rPr sz="4000">
-                <a:solidFill>
-                  <a:srgbClr val="625B48"/>
-                </a:solidFill>
-              </a:rPr>
-              <a:t>Display through web-server</a:t>
-            </a:r>
-          </a:p>
-        </p:txBody>
-      </p:sp>
-    </p:spTree>
-  </p:cSld>
-  <p:clrMapOvr>
-    <a:masterClrMapping/>
-  </p:clrMapOvr>
-  <p:transition spd="med" advClick="1"/>
+  <p:transition xmlns:p14="http://schemas.microsoft.com/office/powerpoint/2010/main" spd="med"/>
 </p:sld>
 </file>
 
 <file path=ppt/theme/theme1.xml><?xml version="1.0" encoding="utf-8"?>
-<a:theme xmlns:a="http://schemas.openxmlformats.org/drawingml/2006/main" xmlns:r="http://schemas.openxmlformats.org/officeDocument/2006/relationships" name="Renaissance">
+<a:theme xmlns:a="http://schemas.openxmlformats.org/drawingml/2006/main" name="Renaissance">
   <a:themeElements>
     <a:clrScheme name="Renaissance">
       <a:dk1>
@@ -5175,8 +5110,8 @@
     <a:spDef>
       <a:spPr>
         <a:blipFill rotWithShape="1">
-          <a:blip r:embed="rId1"/>
-          <a:srcRect l="0" t="0" r="0" b="0"/>
+          <a:blip xmlns:r="http://schemas.openxmlformats.org/officeDocument/2006/relationships" r:embed="rId1"/>
+          <a:srcRect/>
           <a:tile tx="0" ty="0" sx="100000" sy="100000" flip="none" algn="tl"/>
         </a:blipFill>
         <a:ln w="12700" cap="flat">
@@ -5185,7 +5120,7 @@
         </a:ln>
         <a:effectLst/>
       </a:spPr>
-      <a:bodyPr rot="0" spcFirstLastPara="1" vertOverflow="overflow" horzOverflow="overflow" vert="horz" wrap="square" lIns="50800" tIns="50800" rIns="50800" bIns="50800" numCol="1" spcCol="38100" rtlCol="0" anchor="ctr" upright="0">
+      <a:bodyPr rot="0" spcFirstLastPara="1" vertOverflow="overflow" horzOverflow="overflow" vert="horz" wrap="square" lIns="50800" tIns="50800" rIns="50800" bIns="50800" numCol="1" spcCol="38100" rtlCol="0" anchor="ctr">
         <a:spAutoFit/>
       </a:bodyPr>
       <a:lstStyle>
@@ -5204,7 +5139,7 @@
           <a:buFontTx/>
           <a:buNone/>
           <a:tabLst/>
-          <a:defRPr b="0" baseline="0" cap="none" i="0" spc="0" strike="noStrike" sz="3600" u="none" kumimoji="0" normalizeH="0">
+          <a:defRPr kumimoji="0" sz="3600" b="0" i="0" u="none" strike="noStrike" cap="none" spc="0" normalizeH="0" baseline="0">
             <a:ln>
               <a:noFill/>
             </a:ln>
@@ -5234,7 +5169,7 @@
           <a:buFontTx/>
           <a:buNone/>
           <a:tabLst/>
-          <a:defRPr b="0" baseline="0" cap="none" i="0" spc="0" strike="noStrike" sz="1800" u="none" kumimoji="0" normalizeH="0">
+          <a:defRPr kumimoji="0" sz="1800" b="0" i="0" u="none" strike="noStrike" cap="none" spc="0" normalizeH="0" baseline="0">
             <a:ln>
               <a:noFill/>
             </a:ln>
@@ -5260,7 +5195,7 @@
           <a:buFontTx/>
           <a:buNone/>
           <a:tabLst/>
-          <a:defRPr b="0" baseline="0" cap="none" i="0" spc="0" strike="noStrike" sz="1800" u="none" kumimoji="0" normalizeH="0">
+          <a:defRPr kumimoji="0" sz="1800" b="0" i="0" u="none" strike="noStrike" cap="none" spc="0" normalizeH="0" baseline="0">
             <a:ln>
               <a:noFill/>
             </a:ln>
@@ -5286,7 +5221,7 @@
           <a:buFontTx/>
           <a:buNone/>
           <a:tabLst/>
-          <a:defRPr b="0" baseline="0" cap="none" i="0" spc="0" strike="noStrike" sz="1800" u="none" kumimoji="0" normalizeH="0">
+          <a:defRPr kumimoji="0" sz="1800" b="0" i="0" u="none" strike="noStrike" cap="none" spc="0" normalizeH="0" baseline="0">
             <a:ln>
               <a:noFill/>
             </a:ln>
@@ -5312,7 +5247,7 @@
           <a:buFontTx/>
           <a:buNone/>
           <a:tabLst/>
-          <a:defRPr b="0" baseline="0" cap="none" i="0" spc="0" strike="noStrike" sz="1800" u="none" kumimoji="0" normalizeH="0">
+          <a:defRPr kumimoji="0" sz="1800" b="0" i="0" u="none" strike="noStrike" cap="none" spc="0" normalizeH="0" baseline="0">
             <a:ln>
               <a:noFill/>
             </a:ln>
@@ -5338,7 +5273,7 @@
           <a:buFontTx/>
           <a:buNone/>
           <a:tabLst/>
-          <a:defRPr b="0" baseline="0" cap="none" i="0" spc="0" strike="noStrike" sz="1800" u="none" kumimoji="0" normalizeH="0">
+          <a:defRPr kumimoji="0" sz="1800" b="0" i="0" u="none" strike="noStrike" cap="none" spc="0" normalizeH="0" baseline="0">
             <a:ln>
               <a:noFill/>
             </a:ln>
@@ -5364,7 +5299,7 @@
           <a:buFontTx/>
           <a:buNone/>
           <a:tabLst/>
-          <a:defRPr b="0" baseline="0" cap="none" i="0" spc="0" strike="noStrike" sz="1800" u="none" kumimoji="0" normalizeH="0">
+          <a:defRPr kumimoji="0" sz="1800" b="0" i="0" u="none" strike="noStrike" cap="none" spc="0" normalizeH="0" baseline="0">
             <a:ln>
               <a:noFill/>
             </a:ln>
@@ -5390,7 +5325,7 @@
           <a:buFontTx/>
           <a:buNone/>
           <a:tabLst/>
-          <a:defRPr b="0" baseline="0" cap="none" i="0" spc="0" strike="noStrike" sz="1800" u="none" kumimoji="0" normalizeH="0">
+          <a:defRPr kumimoji="0" sz="1800" b="0" i="0" u="none" strike="noStrike" cap="none" spc="0" normalizeH="0" baseline="0">
             <a:ln>
               <a:noFill/>
             </a:ln>
@@ -5416,7 +5351,7 @@
           <a:buFontTx/>
           <a:buNone/>
           <a:tabLst/>
-          <a:defRPr b="0" baseline="0" cap="none" i="0" spc="0" strike="noStrike" sz="1800" u="none" kumimoji="0" normalizeH="0">
+          <a:defRPr kumimoji="0" sz="1800" b="0" i="0" u="none" strike="noStrike" cap="none" spc="0" normalizeH="0" baseline="0">
             <a:ln>
               <a:noFill/>
             </a:ln>
@@ -5442,7 +5377,7 @@
           <a:buFontTx/>
           <a:buNone/>
           <a:tabLst/>
-          <a:defRPr b="0" baseline="0" cap="none" i="0" spc="0" strike="noStrike" sz="1800" u="none" kumimoji="0" normalizeH="0">
+          <a:defRPr kumimoji="0" sz="1800" b="0" i="0" u="none" strike="noStrike" cap="none" spc="0" normalizeH="0" baseline="0">
             <a:ln>
               <a:noFill/>
             </a:ln>
@@ -5455,9 +5390,15 @@
         </a:lvl9pPr>
       </a:lstStyle>
       <a:style>
-        <a:lnRef idx="0"/>
-        <a:fillRef idx="0"/>
-        <a:effectRef idx="0"/>
+        <a:lnRef idx="0">
+          <a:scrgbClr r="0" g="0" b="0"/>
+        </a:lnRef>
+        <a:fillRef idx="0">
+          <a:scrgbClr r="0" g="0" b="0"/>
+        </a:fillRef>
+        <a:effectRef idx="0">
+          <a:scrgbClr r="0" g="0" b="0"/>
+        </a:effectRef>
         <a:fontRef idx="none"/>
       </a:style>
     </a:spDef>
@@ -5473,7 +5414,7 @@
         </a:ln>
         <a:effectLst/>
       </a:spPr>
-      <a:bodyPr rot="0" spcFirstLastPara="1" vertOverflow="overflow" horzOverflow="overflow" vert="horz" wrap="square" lIns="91439" tIns="45719" rIns="91439" bIns="45719" numCol="1" spcCol="38100" rtlCol="0" anchor="t" upright="0">
+      <a:bodyPr rot="0" spcFirstLastPara="1" vertOverflow="overflow" horzOverflow="overflow" vert="horz" wrap="square" lIns="91439" tIns="45719" rIns="91439" bIns="45719" numCol="1" spcCol="38100" rtlCol="0" anchor="t">
         <a:noAutofit/>
       </a:bodyPr>
       <a:lstStyle>
@@ -5492,7 +5433,7 @@
           <a:buFontTx/>
           <a:buNone/>
           <a:tabLst/>
-          <a:defRPr b="0" baseline="0" cap="none" i="0" spc="0" strike="noStrike" sz="1800" u="none" kumimoji="0" normalizeH="0">
+          <a:defRPr kumimoji="0" sz="1800" b="0" i="0" u="none" strike="noStrike" cap="none" spc="0" normalizeH="0" baseline="0">
             <a:ln>
               <a:noFill/>
             </a:ln>
@@ -5518,7 +5459,7 @@
           <a:buFontTx/>
           <a:buNone/>
           <a:tabLst/>
-          <a:defRPr b="0" baseline="0" cap="none" i="0" spc="0" strike="noStrike" sz="1800" u="none" kumimoji="0" normalizeH="0">
+          <a:defRPr kumimoji="0" sz="1800" b="0" i="0" u="none" strike="noStrike" cap="none" spc="0" normalizeH="0" baseline="0">
             <a:ln>
               <a:noFill/>
             </a:ln>
@@ -5544,7 +5485,7 @@
           <a:buFontTx/>
           <a:buNone/>
           <a:tabLst/>
-          <a:defRPr b="0" baseline="0" cap="none" i="0" spc="0" strike="noStrike" sz="1800" u="none" kumimoji="0" normalizeH="0">
+          <a:defRPr kumimoji="0" sz="1800" b="0" i="0" u="none" strike="noStrike" cap="none" spc="0" normalizeH="0" baseline="0">
             <a:ln>
               <a:noFill/>
             </a:ln>
@@ -5570,7 +5511,7 @@
           <a:buFontTx/>
           <a:buNone/>
           <a:tabLst/>
-          <a:defRPr b="0" baseline="0" cap="none" i="0" spc="0" strike="noStrike" sz="1800" u="none" kumimoji="0" normalizeH="0">
+          <a:defRPr kumimoji="0" sz="1800" b="0" i="0" u="none" strike="noStrike" cap="none" spc="0" normalizeH="0" baseline="0">
             <a:ln>
               <a:noFill/>
             </a:ln>
@@ -5596,7 +5537,7 @@
           <a:buFontTx/>
           <a:buNone/>
           <a:tabLst/>
-          <a:defRPr b="0" baseline="0" cap="none" i="0" spc="0" strike="noStrike" sz="1800" u="none" kumimoji="0" normalizeH="0">
+          <a:defRPr kumimoji="0" sz="1800" b="0" i="0" u="none" strike="noStrike" cap="none" spc="0" normalizeH="0" baseline="0">
             <a:ln>
               <a:noFill/>
             </a:ln>
@@ -5622,7 +5563,7 @@
           <a:buFontTx/>
           <a:buNone/>
           <a:tabLst/>
-          <a:defRPr b="0" baseline="0" cap="none" i="0" spc="0" strike="noStrike" sz="1800" u="none" kumimoji="0" normalizeH="0">
+          <a:defRPr kumimoji="0" sz="1800" b="0" i="0" u="none" strike="noStrike" cap="none" spc="0" normalizeH="0" baseline="0">
             <a:ln>
               <a:noFill/>
             </a:ln>
@@ -5648,7 +5589,7 @@
           <a:buFontTx/>
           <a:buNone/>
           <a:tabLst/>
-          <a:defRPr b="0" baseline="0" cap="none" i="0" spc="0" strike="noStrike" sz="1800" u="none" kumimoji="0" normalizeH="0">
+          <a:defRPr kumimoji="0" sz="1800" b="0" i="0" u="none" strike="noStrike" cap="none" spc="0" normalizeH="0" baseline="0">
             <a:ln>
               <a:noFill/>
             </a:ln>
@@ -5674,7 +5615,7 @@
           <a:buFontTx/>
           <a:buNone/>
           <a:tabLst/>
-          <a:defRPr b="0" baseline="0" cap="none" i="0" spc="0" strike="noStrike" sz="1800" u="none" kumimoji="0" normalizeH="0">
+          <a:defRPr kumimoji="0" sz="1800" b="0" i="0" u="none" strike="noStrike" cap="none" spc="0" normalizeH="0" baseline="0">
             <a:ln>
               <a:noFill/>
             </a:ln>
@@ -5700,7 +5641,7 @@
           <a:buFontTx/>
           <a:buNone/>
           <a:tabLst/>
-          <a:defRPr b="0" baseline="0" cap="none" i="0" spc="0" strike="noStrike" sz="1800" u="none" kumimoji="0" normalizeH="0">
+          <a:defRPr kumimoji="0" sz="1800" b="0" i="0" u="none" strike="noStrike" cap="none" spc="0" normalizeH="0" baseline="0">
             <a:ln>
               <a:noFill/>
             </a:ln>
@@ -5726,7 +5667,7 @@
           <a:buFontTx/>
           <a:buNone/>
           <a:tabLst/>
-          <a:defRPr b="0" baseline="0" cap="none" i="0" spc="0" strike="noStrike" sz="1800" u="none" kumimoji="0" normalizeH="0">
+          <a:defRPr kumimoji="0" sz="1800" b="0" i="0" u="none" strike="noStrike" cap="none" spc="0" normalizeH="0" baseline="0">
             <a:ln>
               <a:noFill/>
             </a:ln>
@@ -5739,9 +5680,15 @@
         </a:lvl9pPr>
       </a:lstStyle>
       <a:style>
-        <a:lnRef idx="0"/>
-        <a:fillRef idx="0"/>
-        <a:effectRef idx="0"/>
+        <a:lnRef idx="0">
+          <a:scrgbClr r="0" g="0" b="0"/>
+        </a:lnRef>
+        <a:fillRef idx="0">
+          <a:scrgbClr r="0" g="0" b="0"/>
+        </a:fillRef>
+        <a:effectRef idx="0">
+          <a:scrgbClr r="0" g="0" b="0"/>
+        </a:effectRef>
         <a:fontRef idx="none"/>
       </a:style>
     </a:lnDef>
@@ -5754,7 +5701,7 @@
         </a:ln>
         <a:effectLst/>
       </a:spPr>
-      <a:bodyPr rot="0" spcFirstLastPara="1" vertOverflow="overflow" horzOverflow="overflow" vert="horz" wrap="square" lIns="50800" tIns="50800" rIns="50800" bIns="50800" numCol="1" spcCol="38100" rtlCol="0" anchor="t" upright="0">
+      <a:bodyPr rot="0" spcFirstLastPara="1" vertOverflow="overflow" horzOverflow="overflow" vert="horz" wrap="square" lIns="50800" tIns="50800" rIns="50800" bIns="50800" numCol="1" spcCol="38100" rtlCol="0" anchor="t">
         <a:spAutoFit/>
       </a:bodyPr>
       <a:lstStyle>
@@ -5773,7 +5720,7 @@
           <a:buFontTx/>
           <a:buNone/>
           <a:tabLst/>
-          <a:defRPr b="0" baseline="0" cap="none" i="0" spc="0" strike="noStrike" sz="4000" u="none" kumimoji="0" normalizeH="0">
+          <a:defRPr kumimoji="0" sz="4000" b="0" i="0" u="none" strike="noStrike" cap="none" spc="0" normalizeH="0" baseline="0">
             <a:ln>
               <a:noFill/>
             </a:ln>
@@ -5803,7 +5750,7 @@
           <a:buFontTx/>
           <a:buNone/>
           <a:tabLst/>
-          <a:defRPr b="0" baseline="0" cap="none" i="0" spc="0" strike="noStrike" sz="1800" u="none" kumimoji="0" normalizeH="0">
+          <a:defRPr kumimoji="0" sz="1800" b="0" i="0" u="none" strike="noStrike" cap="none" spc="0" normalizeH="0" baseline="0">
             <a:ln>
               <a:noFill/>
             </a:ln>
@@ -5829,7 +5776,7 @@
           <a:buFontTx/>
           <a:buNone/>
           <a:tabLst/>
-          <a:defRPr b="0" baseline="0" cap="none" i="0" spc="0" strike="noStrike" sz="1800" u="none" kumimoji="0" normalizeH="0">
+          <a:defRPr kumimoji="0" sz="1800" b="0" i="0" u="none" strike="noStrike" cap="none" spc="0" normalizeH="0" baseline="0">
             <a:ln>
               <a:noFill/>
             </a:ln>
@@ -5855,7 +5802,7 @@
           <a:buFontTx/>
           <a:buNone/>
           <a:tabLst/>
-          <a:defRPr b="0" baseline="0" cap="none" i="0" spc="0" strike="noStrike" sz="1800" u="none" kumimoji="0" normalizeH="0">
+          <a:defRPr kumimoji="0" sz="1800" b="0" i="0" u="none" strike="noStrike" cap="none" spc="0" normalizeH="0" baseline="0">
             <a:ln>
               <a:noFill/>
             </a:ln>
@@ -5881,7 +5828,7 @@
           <a:buFontTx/>
           <a:buNone/>
           <a:tabLst/>
-          <a:defRPr b="0" baseline="0" cap="none" i="0" spc="0" strike="noStrike" sz="1800" u="none" kumimoji="0" normalizeH="0">
+          <a:defRPr kumimoji="0" sz="1800" b="0" i="0" u="none" strike="noStrike" cap="none" spc="0" normalizeH="0" baseline="0">
             <a:ln>
               <a:noFill/>
             </a:ln>
@@ -5907,7 +5854,7 @@
           <a:buFontTx/>
           <a:buNone/>
           <a:tabLst/>
-          <a:defRPr b="0" baseline="0" cap="none" i="0" spc="0" strike="noStrike" sz="1800" u="none" kumimoji="0" normalizeH="0">
+          <a:defRPr kumimoji="0" sz="1800" b="0" i="0" u="none" strike="noStrike" cap="none" spc="0" normalizeH="0" baseline="0">
             <a:ln>
               <a:noFill/>
             </a:ln>
@@ -5933,7 +5880,7 @@
           <a:buFontTx/>
           <a:buNone/>
           <a:tabLst/>
-          <a:defRPr b="0" baseline="0" cap="none" i="0" spc="0" strike="noStrike" sz="1800" u="none" kumimoji="0" normalizeH="0">
+          <a:defRPr kumimoji="0" sz="1800" b="0" i="0" u="none" strike="noStrike" cap="none" spc="0" normalizeH="0" baseline="0">
             <a:ln>
               <a:noFill/>
             </a:ln>
@@ -5959,7 +5906,7 @@
           <a:buFontTx/>
           <a:buNone/>
           <a:tabLst/>
-          <a:defRPr b="0" baseline="0" cap="none" i="0" spc="0" strike="noStrike" sz="1800" u="none" kumimoji="0" normalizeH="0">
+          <a:defRPr kumimoji="0" sz="1800" b="0" i="0" u="none" strike="noStrike" cap="none" spc="0" normalizeH="0" baseline="0">
             <a:ln>
               <a:noFill/>
             </a:ln>
@@ -5985,7 +5932,7 @@
           <a:buFontTx/>
           <a:buNone/>
           <a:tabLst/>
-          <a:defRPr b="0" baseline="0" cap="none" i="0" spc="0" strike="noStrike" sz="1800" u="none" kumimoji="0" normalizeH="0">
+          <a:defRPr kumimoji="0" sz="1800" b="0" i="0" u="none" strike="noStrike" cap="none" spc="0" normalizeH="0" baseline="0">
             <a:ln>
               <a:noFill/>
             </a:ln>
@@ -6011,7 +5958,7 @@
           <a:buFontTx/>
           <a:buNone/>
           <a:tabLst/>
-          <a:defRPr b="0" baseline="0" cap="none" i="0" spc="0" strike="noStrike" sz="1800" u="none" kumimoji="0" normalizeH="0">
+          <a:defRPr kumimoji="0" sz="1800" b="0" i="0" u="none" strike="noStrike" cap="none" spc="0" normalizeH="0" baseline="0">
             <a:ln>
               <a:noFill/>
             </a:ln>
@@ -6024,18 +5971,25 @@
         </a:lvl9pPr>
       </a:lstStyle>
       <a:style>
-        <a:lnRef idx="0"/>
-        <a:fillRef idx="0"/>
-        <a:effectRef idx="0"/>
+        <a:lnRef idx="0">
+          <a:scrgbClr r="0" g="0" b="0"/>
+        </a:lnRef>
+        <a:fillRef idx="0">
+          <a:scrgbClr r="0" g="0" b="0"/>
+        </a:fillRef>
+        <a:effectRef idx="0">
+          <a:scrgbClr r="0" g="0" b="0"/>
+        </a:effectRef>
         <a:fontRef idx="none"/>
       </a:style>
     </a:txDef>
   </a:objectDefaults>
+  <a:extraClrSchemeLst/>
 </a:theme>
 </file>
 
 <file path=ppt/theme/theme2.xml><?xml version="1.0" encoding="utf-8"?>
-<a:theme xmlns:a="http://schemas.openxmlformats.org/drawingml/2006/main" xmlns:r="http://schemas.openxmlformats.org/officeDocument/2006/relationships" name="Renaissance">
+<a:theme xmlns:a="http://schemas.openxmlformats.org/drawingml/2006/main" name="Renaissance">
   <a:themeElements>
     <a:clrScheme name="Renaissance">
       <a:dk1>
@@ -6225,8 +6179,8 @@
     <a:spDef>
       <a:spPr>
         <a:blipFill rotWithShape="1">
-          <a:blip r:embed="rId1"/>
-          <a:srcRect l="0" t="0" r="0" b="0"/>
+          <a:blip xmlns:r="http://schemas.openxmlformats.org/officeDocument/2006/relationships" r:embed="rId1"/>
+          <a:srcRect/>
           <a:tile tx="0" ty="0" sx="100000" sy="100000" flip="none" algn="tl"/>
         </a:blipFill>
         <a:ln w="12700" cap="flat">
@@ -6235,7 +6189,7 @@
         </a:ln>
         <a:effectLst/>
       </a:spPr>
-      <a:bodyPr rot="0" spcFirstLastPara="1" vertOverflow="overflow" horzOverflow="overflow" vert="horz" wrap="square" lIns="50800" tIns="50800" rIns="50800" bIns="50800" numCol="1" spcCol="38100" rtlCol="0" anchor="ctr" upright="0">
+      <a:bodyPr rot="0" spcFirstLastPara="1" vertOverflow="overflow" horzOverflow="overflow" vert="horz" wrap="square" lIns="50800" tIns="50800" rIns="50800" bIns="50800" numCol="1" spcCol="38100" rtlCol="0" anchor="ctr">
         <a:spAutoFit/>
       </a:bodyPr>
       <a:lstStyle>
@@ -6254,7 +6208,7 @@
           <a:buFontTx/>
           <a:buNone/>
           <a:tabLst/>
-          <a:defRPr b="0" baseline="0" cap="none" i="0" spc="0" strike="noStrike" sz="3600" u="none" kumimoji="0" normalizeH="0">
+          <a:defRPr kumimoji="0" sz="3600" b="0" i="0" u="none" strike="noStrike" cap="none" spc="0" normalizeH="0" baseline="0">
             <a:ln>
               <a:noFill/>
             </a:ln>
@@ -6284,7 +6238,7 @@
           <a:buFontTx/>
           <a:buNone/>
           <a:tabLst/>
-          <a:defRPr b="0" baseline="0" cap="none" i="0" spc="0" strike="noStrike" sz="1800" u="none" kumimoji="0" normalizeH="0">
+          <a:defRPr kumimoji="0" sz="1800" b="0" i="0" u="none" strike="noStrike" cap="none" spc="0" normalizeH="0" baseline="0">
             <a:ln>
               <a:noFill/>
             </a:ln>
@@ -6310,7 +6264,7 @@
           <a:buFontTx/>
           <a:buNone/>
           <a:tabLst/>
-          <a:defRPr b="0" baseline="0" cap="none" i="0" spc="0" strike="noStrike" sz="1800" u="none" kumimoji="0" normalizeH="0">
+          <a:defRPr kumimoji="0" sz="1800" b="0" i="0" u="none" strike="noStrike" cap="none" spc="0" normalizeH="0" baseline="0">
             <a:ln>
               <a:noFill/>
             </a:ln>
@@ -6336,7 +6290,7 @@
           <a:buFontTx/>
           <a:buNone/>
           <a:tabLst/>
-          <a:defRPr b="0" baseline="0" cap="none" i="0" spc="0" strike="noStrike" sz="1800" u="none" kumimoji="0" normalizeH="0">
+          <a:defRPr kumimoji="0" sz="1800" b="0" i="0" u="none" strike="noStrike" cap="none" spc="0" normalizeH="0" baseline="0">
             <a:ln>
               <a:noFill/>
             </a:ln>
@@ -6362,7 +6316,7 @@
           <a:buFontTx/>
           <a:buNone/>
           <a:tabLst/>
-          <a:defRPr b="0" baseline="0" cap="none" i="0" spc="0" strike="noStrike" sz="1800" u="none" kumimoji="0" normalizeH="0">
+          <a:defRPr kumimoji="0" sz="1800" b="0" i="0" u="none" strike="noStrike" cap="none" spc="0" normalizeH="0" baseline="0">
             <a:ln>
               <a:noFill/>
             </a:ln>
@@ -6388,7 +6342,7 @@
           <a:buFontTx/>
           <a:buNone/>
           <a:tabLst/>
-          <a:defRPr b="0" baseline="0" cap="none" i="0" spc="0" strike="noStrike" sz="1800" u="none" kumimoji="0" normalizeH="0">
+          <a:defRPr kumimoji="0" sz="1800" b="0" i="0" u="none" strike="noStrike" cap="none" spc="0" normalizeH="0" baseline="0">
             <a:ln>
               <a:noFill/>
             </a:ln>
@@ -6414,7 +6368,7 @@
           <a:buFontTx/>
           <a:buNone/>
           <a:tabLst/>
-          <a:defRPr b="0" baseline="0" cap="none" i="0" spc="0" strike="noStrike" sz="1800" u="none" kumimoji="0" normalizeH="0">
+          <a:defRPr kumimoji="0" sz="1800" b="0" i="0" u="none" strike="noStrike" cap="none" spc="0" normalizeH="0" baseline="0">
             <a:ln>
               <a:noFill/>
             </a:ln>
@@ -6440,7 +6394,7 @@
           <a:buFontTx/>
           <a:buNone/>
           <a:tabLst/>
-          <a:defRPr b="0" baseline="0" cap="none" i="0" spc="0" strike="noStrike" sz="1800" u="none" kumimoji="0" normalizeH="0">
+          <a:defRPr kumimoji="0" sz="1800" b="0" i="0" u="none" strike="noStrike" cap="none" spc="0" normalizeH="0" baseline="0">
             <a:ln>
               <a:noFill/>
             </a:ln>
@@ -6466,7 +6420,7 @@
           <a:buFontTx/>
           <a:buNone/>
           <a:tabLst/>
-          <a:defRPr b="0" baseline="0" cap="none" i="0" spc="0" strike="noStrike" sz="1800" u="none" kumimoji="0" normalizeH="0">
+          <a:defRPr kumimoji="0" sz="1800" b="0" i="0" u="none" strike="noStrike" cap="none" spc="0" normalizeH="0" baseline="0">
             <a:ln>
               <a:noFill/>
             </a:ln>
@@ -6492,7 +6446,7 @@
           <a:buFontTx/>
           <a:buNone/>
           <a:tabLst/>
-          <a:defRPr b="0" baseline="0" cap="none" i="0" spc="0" strike="noStrike" sz="1800" u="none" kumimoji="0" normalizeH="0">
+          <a:defRPr kumimoji="0" sz="1800" b="0" i="0" u="none" strike="noStrike" cap="none" spc="0" normalizeH="0" baseline="0">
             <a:ln>
               <a:noFill/>
             </a:ln>
@@ -6505,9 +6459,15 @@
         </a:lvl9pPr>
       </a:lstStyle>
       <a:style>
-        <a:lnRef idx="0"/>
-        <a:fillRef idx="0"/>
-        <a:effectRef idx="0"/>
+        <a:lnRef idx="0">
+          <a:scrgbClr r="0" g="0" b="0"/>
+        </a:lnRef>
+        <a:fillRef idx="0">
+          <a:scrgbClr r="0" g="0" b="0"/>
+        </a:fillRef>
+        <a:effectRef idx="0">
+          <a:scrgbClr r="0" g="0" b="0"/>
+        </a:effectRef>
         <a:fontRef idx="none"/>
       </a:style>
     </a:spDef>
@@ -6523,7 +6483,7 @@
         </a:ln>
         <a:effectLst/>
       </a:spPr>
-      <a:bodyPr rot="0" spcFirstLastPara="1" vertOverflow="overflow" horzOverflow="overflow" vert="horz" wrap="square" lIns="91439" tIns="45719" rIns="91439" bIns="45719" numCol="1" spcCol="38100" rtlCol="0" anchor="t" upright="0">
+      <a:bodyPr rot="0" spcFirstLastPara="1" vertOverflow="overflow" horzOverflow="overflow" vert="horz" wrap="square" lIns="91439" tIns="45719" rIns="91439" bIns="45719" numCol="1" spcCol="38100" rtlCol="0" anchor="t">
         <a:noAutofit/>
       </a:bodyPr>
       <a:lstStyle>
@@ -6542,7 +6502,7 @@
           <a:buFontTx/>
           <a:buNone/>
           <a:tabLst/>
-          <a:defRPr b="0" baseline="0" cap="none" i="0" spc="0" strike="noStrike" sz="1800" u="none" kumimoji="0" normalizeH="0">
+          <a:defRPr kumimoji="0" sz="1800" b="0" i="0" u="none" strike="noStrike" cap="none" spc="0" normalizeH="0" baseline="0">
             <a:ln>
               <a:noFill/>
             </a:ln>
@@ -6568,7 +6528,7 @@
           <a:buFontTx/>
           <a:buNone/>
           <a:tabLst/>
-          <a:defRPr b="0" baseline="0" cap="none" i="0" spc="0" strike="noStrike" sz="1800" u="none" kumimoji="0" normalizeH="0">
+          <a:defRPr kumimoji="0" sz="1800" b="0" i="0" u="none" strike="noStrike" cap="none" spc="0" normalizeH="0" baseline="0">
             <a:ln>
               <a:noFill/>
             </a:ln>
@@ -6594,7 +6554,7 @@
           <a:buFontTx/>
           <a:buNone/>
           <a:tabLst/>
-          <a:defRPr b="0" baseline="0" cap="none" i="0" spc="0" strike="noStrike" sz="1800" u="none" kumimoji="0" normalizeH="0">
+          <a:defRPr kumimoji="0" sz="1800" b="0" i="0" u="none" strike="noStrike" cap="none" spc="0" normalizeH="0" baseline="0">
             <a:ln>
               <a:noFill/>
             </a:ln>
@@ -6620,7 +6580,7 @@
           <a:buFontTx/>
           <a:buNone/>
           <a:tabLst/>
-          <a:defRPr b="0" baseline="0" cap="none" i="0" spc="0" strike="noStrike" sz="1800" u="none" kumimoji="0" normalizeH="0">
+          <a:defRPr kumimoji="0" sz="1800" b="0" i="0" u="none" strike="noStrike" cap="none" spc="0" normalizeH="0" baseline="0">
             <a:ln>
               <a:noFill/>
             </a:ln>
@@ -6646,7 +6606,7 @@
           <a:buFontTx/>
           <a:buNone/>
           <a:tabLst/>
-          <a:defRPr b="0" baseline="0" cap="none" i="0" spc="0" strike="noStrike" sz="1800" u="none" kumimoji="0" normalizeH="0">
+          <a:defRPr kumimoji="0" sz="1800" b="0" i="0" u="none" strike="noStrike" cap="none" spc="0" normalizeH="0" baseline="0">
             <a:ln>
               <a:noFill/>
             </a:ln>
@@ -6672,7 +6632,7 @@
           <a:buFontTx/>
           <a:buNone/>
           <a:tabLst/>
-          <a:defRPr b="0" baseline="0" cap="none" i="0" spc="0" strike="noStrike" sz="1800" u="none" kumimoji="0" normalizeH="0">
+          <a:defRPr kumimoji="0" sz="1800" b="0" i="0" u="none" strike="noStrike" cap="none" spc="0" normalizeH="0" baseline="0">
             <a:ln>
               <a:noFill/>
             </a:ln>
@@ -6698,7 +6658,7 @@
           <a:buFontTx/>
           <a:buNone/>
           <a:tabLst/>
-          <a:defRPr b="0" baseline="0" cap="none" i="0" spc="0" strike="noStrike" sz="1800" u="none" kumimoji="0" normalizeH="0">
+          <a:defRPr kumimoji="0" sz="1800" b="0" i="0" u="none" strike="noStrike" cap="none" spc="0" normalizeH="0" baseline="0">
             <a:ln>
               <a:noFill/>
             </a:ln>
@@ -6724,7 +6684,7 @@
           <a:buFontTx/>
           <a:buNone/>
           <a:tabLst/>
-          <a:defRPr b="0" baseline="0" cap="none" i="0" spc="0" strike="noStrike" sz="1800" u="none" kumimoji="0" normalizeH="0">
+          <a:defRPr kumimoji="0" sz="1800" b="0" i="0" u="none" strike="noStrike" cap="none" spc="0" normalizeH="0" baseline="0">
             <a:ln>
               <a:noFill/>
             </a:ln>
@@ -6750,7 +6710,7 @@
           <a:buFontTx/>
           <a:buNone/>
           <a:tabLst/>
-          <a:defRPr b="0" baseline="0" cap="none" i="0" spc="0" strike="noStrike" sz="1800" u="none" kumimoji="0" normalizeH="0">
+          <a:defRPr kumimoji="0" sz="1800" b="0" i="0" u="none" strike="noStrike" cap="none" spc="0" normalizeH="0" baseline="0">
             <a:ln>
               <a:noFill/>
             </a:ln>
@@ -6776,7 +6736,7 @@
           <a:buFontTx/>
           <a:buNone/>
           <a:tabLst/>
-          <a:defRPr b="0" baseline="0" cap="none" i="0" spc="0" strike="noStrike" sz="1800" u="none" kumimoji="0" normalizeH="0">
+          <a:defRPr kumimoji="0" sz="1800" b="0" i="0" u="none" strike="noStrike" cap="none" spc="0" normalizeH="0" baseline="0">
             <a:ln>
               <a:noFill/>
             </a:ln>
@@ -6789,9 +6749,15 @@
         </a:lvl9pPr>
       </a:lstStyle>
       <a:style>
-        <a:lnRef idx="0"/>
-        <a:fillRef idx="0"/>
-        <a:effectRef idx="0"/>
+        <a:lnRef idx="0">
+          <a:scrgbClr r="0" g="0" b="0"/>
+        </a:lnRef>
+        <a:fillRef idx="0">
+          <a:scrgbClr r="0" g="0" b="0"/>
+        </a:fillRef>
+        <a:effectRef idx="0">
+          <a:scrgbClr r="0" g="0" b="0"/>
+        </a:effectRef>
         <a:fontRef idx="none"/>
       </a:style>
     </a:lnDef>
@@ -6804,7 +6770,7 @@
         </a:ln>
         <a:effectLst/>
       </a:spPr>
-      <a:bodyPr rot="0" spcFirstLastPara="1" vertOverflow="overflow" horzOverflow="overflow" vert="horz" wrap="square" lIns="50800" tIns="50800" rIns="50800" bIns="50800" numCol="1" spcCol="38100" rtlCol="0" anchor="t" upright="0">
+      <a:bodyPr rot="0" spcFirstLastPara="1" vertOverflow="overflow" horzOverflow="overflow" vert="horz" wrap="square" lIns="50800" tIns="50800" rIns="50800" bIns="50800" numCol="1" spcCol="38100" rtlCol="0" anchor="t">
         <a:spAutoFit/>
       </a:bodyPr>
       <a:lstStyle>
@@ -6823,7 +6789,7 @@
           <a:buFontTx/>
           <a:buNone/>
           <a:tabLst/>
-          <a:defRPr b="0" baseline="0" cap="none" i="0" spc="0" strike="noStrike" sz="4000" u="none" kumimoji="0" normalizeH="0">
+          <a:defRPr kumimoji="0" sz="4000" b="0" i="0" u="none" strike="noStrike" cap="none" spc="0" normalizeH="0" baseline="0">
             <a:ln>
               <a:noFill/>
             </a:ln>
@@ -6853,7 +6819,7 @@
           <a:buFontTx/>
           <a:buNone/>
           <a:tabLst/>
-          <a:defRPr b="0" baseline="0" cap="none" i="0" spc="0" strike="noStrike" sz="1800" u="none" kumimoji="0" normalizeH="0">
+          <a:defRPr kumimoji="0" sz="1800" b="0" i="0" u="none" strike="noStrike" cap="none" spc="0" normalizeH="0" baseline="0">
             <a:ln>
               <a:noFill/>
             </a:ln>
@@ -6879,7 +6845,7 @@
           <a:buFontTx/>
           <a:buNone/>
           <a:tabLst/>
-          <a:defRPr b="0" baseline="0" cap="none" i="0" spc="0" strike="noStrike" sz="1800" u="none" kumimoji="0" normalizeH="0">
+          <a:defRPr kumimoji="0" sz="1800" b="0" i="0" u="none" strike="noStrike" cap="none" spc="0" normalizeH="0" baseline="0">
             <a:ln>
               <a:noFill/>
             </a:ln>
@@ -6905,7 +6871,7 @@
           <a:buFontTx/>
           <a:buNone/>
           <a:tabLst/>
-          <a:defRPr b="0" baseline="0" cap="none" i="0" spc="0" strike="noStrike" sz="1800" u="none" kumimoji="0" normalizeH="0">
+          <a:defRPr kumimoji="0" sz="1800" b="0" i="0" u="none" strike="noStrike" cap="none" spc="0" normalizeH="0" baseline="0">
             <a:ln>
               <a:noFill/>
             </a:ln>
@@ -6931,7 +6897,7 @@
           <a:buFontTx/>
           <a:buNone/>
           <a:tabLst/>
-          <a:defRPr b="0" baseline="0" cap="none" i="0" spc="0" strike="noStrike" sz="1800" u="none" kumimoji="0" normalizeH="0">
+          <a:defRPr kumimoji="0" sz="1800" b="0" i="0" u="none" strike="noStrike" cap="none" spc="0" normalizeH="0" baseline="0">
             <a:ln>
               <a:noFill/>
             </a:ln>
@@ -6957,7 +6923,7 @@
           <a:buFontTx/>
           <a:buNone/>
           <a:tabLst/>
-          <a:defRPr b="0" baseline="0" cap="none" i="0" spc="0" strike="noStrike" sz="1800" u="none" kumimoji="0" normalizeH="0">
+          <a:defRPr kumimoji="0" sz="1800" b="0" i="0" u="none" strike="noStrike" cap="none" spc="0" normalizeH="0" baseline="0">
             <a:ln>
               <a:noFill/>
             </a:ln>
@@ -6983,7 +6949,7 @@
           <a:buFontTx/>
           <a:buNone/>
           <a:tabLst/>
-          <a:defRPr b="0" baseline="0" cap="none" i="0" spc="0" strike="noStrike" sz="1800" u="none" kumimoji="0" normalizeH="0">
+          <a:defRPr kumimoji="0" sz="1800" b="0" i="0" u="none" strike="noStrike" cap="none" spc="0" normalizeH="0" baseline="0">
             <a:ln>
               <a:noFill/>
             </a:ln>
@@ -7009,7 +6975,7 @@
           <a:buFontTx/>
           <a:buNone/>
           <a:tabLst/>
-          <a:defRPr b="0" baseline="0" cap="none" i="0" spc="0" strike="noStrike" sz="1800" u="none" kumimoji="0" normalizeH="0">
+          <a:defRPr kumimoji="0" sz="1800" b="0" i="0" u="none" strike="noStrike" cap="none" spc="0" normalizeH="0" baseline="0">
             <a:ln>
               <a:noFill/>
             </a:ln>
@@ -7035,7 +7001,7 @@
           <a:buFontTx/>
           <a:buNone/>
           <a:tabLst/>
-          <a:defRPr b="0" baseline="0" cap="none" i="0" spc="0" strike="noStrike" sz="1800" u="none" kumimoji="0" normalizeH="0">
+          <a:defRPr kumimoji="0" sz="1800" b="0" i="0" u="none" strike="noStrike" cap="none" spc="0" normalizeH="0" baseline="0">
             <a:ln>
               <a:noFill/>
             </a:ln>
@@ -7061,7 +7027,7 @@
           <a:buFontTx/>
           <a:buNone/>
           <a:tabLst/>
-          <a:defRPr b="0" baseline="0" cap="none" i="0" spc="0" strike="noStrike" sz="1800" u="none" kumimoji="0" normalizeH="0">
+          <a:defRPr kumimoji="0" sz="1800" b="0" i="0" u="none" strike="noStrike" cap="none" spc="0" normalizeH="0" baseline="0">
             <a:ln>
               <a:noFill/>
             </a:ln>
@@ -7074,12 +7040,19 @@
         </a:lvl9pPr>
       </a:lstStyle>
       <a:style>
-        <a:lnRef idx="0"/>
-        <a:fillRef idx="0"/>
-        <a:effectRef idx="0"/>
+        <a:lnRef idx="0">
+          <a:scrgbClr r="0" g="0" b="0"/>
+        </a:lnRef>
+        <a:fillRef idx="0">
+          <a:scrgbClr r="0" g="0" b="0"/>
+        </a:fillRef>
+        <a:effectRef idx="0">
+          <a:scrgbClr r="0" g="0" b="0"/>
+        </a:effectRef>
         <a:fontRef idx="none"/>
       </a:style>
     </a:txDef>
   </a:objectDefaults>
+  <a:extraClrSchemeLst/>
 </a:theme>
 </file>
--- a/pp.pptx
+++ b/pp.pptx
@@ -5,7 +5,7 @@
     <p:sldMasterId id="2147483648" r:id="rId1"/>
   </p:sldMasterIdLst>
   <p:notesMasterIdLst>
-    <p:notesMasterId r:id="rId13"/>
+    <p:notesMasterId r:id="rId12"/>
   </p:notesMasterIdLst>
   <p:sldIdLst>
     <p:sldId id="256" r:id="rId2"/>
@@ -13,12 +13,11 @@
     <p:sldId id="259" r:id="rId4"/>
     <p:sldId id="260" r:id="rId5"/>
     <p:sldId id="261" r:id="rId6"/>
-    <p:sldId id="263" r:id="rId7"/>
-    <p:sldId id="264" r:id="rId8"/>
-    <p:sldId id="266" r:id="rId9"/>
-    <p:sldId id="265" r:id="rId10"/>
-    <p:sldId id="267" r:id="rId11"/>
-    <p:sldId id="268" r:id="rId12"/>
+    <p:sldId id="269" r:id="rId7"/>
+    <p:sldId id="270" r:id="rId8"/>
+    <p:sldId id="271" r:id="rId9"/>
+    <p:sldId id="272" r:id="rId10"/>
+    <p:sldId id="268" r:id="rId11"/>
   </p:sldIdLst>
   <p:sldSz cx="13004800" cy="9753600"/>
   <p:notesSz cx="6858000" cy="9144000"/>
@@ -123,6 +122,22 @@
       </a:defRPr>
     </a:lvl9pPr>
   </p:defaultTextStyle>
+  <p:extLst>
+    <p:ext uri="{EFAFB233-063F-42B5-8137-9DF3F51BA10A}">
+      <p15:sldGuideLst xmlns:p15="http://schemas.microsoft.com/office/powerpoint/2012/main">
+        <p15:guide id="1" orient="horz" pos="3072">
+          <p15:clr>
+            <a:srgbClr val="A4A3A4"/>
+          </p15:clr>
+        </p15:guide>
+        <p15:guide id="2" pos="4096">
+          <p15:clr>
+            <a:srgbClr val="A4A3A4"/>
+          </p15:clr>
+        </p15:guide>
+      </p15:sldGuideLst>
+    </p:ext>
+  </p:extLst>
 </p:presentation>
 </file>
 
@@ -316,6 +331,726 @@
 </p:notesMaster>
 </file>
 
+<file path=ppt/notesSlides/notesSlide1.xml><?xml version="1.0" encoding="utf-8"?>
+<p:notes xmlns:a="http://schemas.openxmlformats.org/drawingml/2006/main" xmlns:r="http://schemas.openxmlformats.org/officeDocument/2006/relationships" xmlns:p="http://schemas.openxmlformats.org/presentationml/2006/main">
+  <p:cSld>
+    <p:spTree>
+      <p:nvGrpSpPr>
+        <p:cNvPr id="1" name=""/>
+        <p:cNvGrpSpPr/>
+        <p:nvPr/>
+      </p:nvGrpSpPr>
+      <p:grpSpPr>
+        <a:xfrm>
+          <a:off x="0" y="0"/>
+          <a:ext cx="0" cy="0"/>
+          <a:chOff x="0" y="0"/>
+          <a:chExt cx="0" cy="0"/>
+        </a:xfrm>
+      </p:grpSpPr>
+      <p:sp>
+        <p:nvSpPr>
+          <p:cNvPr id="2" name="Slide Image Placeholder 1"/>
+          <p:cNvSpPr>
+            <a:spLocks noGrp="1" noRot="1" noChangeAspect="1"/>
+          </p:cNvSpPr>
+          <p:nvPr>
+            <p:ph type="sldImg"/>
+          </p:nvPr>
+        </p:nvSpPr>
+        <p:spPr/>
+      </p:sp>
+      <p:sp>
+        <p:nvSpPr>
+          <p:cNvPr id="3" name="Notes Placeholder 2"/>
+          <p:cNvSpPr>
+            <a:spLocks noGrp="1"/>
+          </p:cNvSpPr>
+          <p:nvPr>
+            <p:ph type="body" idx="1"/>
+          </p:nvPr>
+        </p:nvSpPr>
+        <p:spPr/>
+        <p:txBody>
+          <a:bodyPr/>
+          <a:lstStyle/>
+          <a:p>
+            <a:pPr lvl="0">
+              <a:buClr>
+                <a:srgbClr val="9A7865"/>
+              </a:buClr>
+              <a:buSzPct val="80000"/>
+              <a:defRPr sz="1800">
+                <a:solidFill>
+                  <a:srgbClr val="000000"/>
+                </a:solidFill>
+              </a:defRPr>
+            </a:pPr>
+            <a:r>
+              <a:rPr lang="en-US" sz="2400" dirty="0" smtClean="0">
+                <a:solidFill>
+                  <a:srgbClr val="625B48"/>
+                </a:solidFill>
+              </a:rPr>
+              <a:t>Math is a complex subject in which many students struggle understanding </a:t>
+            </a:r>
+          </a:p>
+          <a:p>
+            <a:pPr lvl="0">
+              <a:buClr>
+                <a:srgbClr val="9A7865"/>
+              </a:buClr>
+              <a:buSzPct val="80000"/>
+              <a:defRPr sz="1800">
+                <a:solidFill>
+                  <a:srgbClr val="000000"/>
+                </a:solidFill>
+              </a:defRPr>
+            </a:pPr>
+            <a:r>
+              <a:rPr lang="en-US" sz="2400" dirty="0" smtClean="0">
+                <a:solidFill>
+                  <a:srgbClr val="625B48"/>
+                </a:solidFill>
+              </a:rPr>
+              <a:t>There are not enough teachers to be able to give students individual attention </a:t>
+            </a:r>
+            <a:endParaRPr lang="en-US" dirty="0" smtClean="0">
+              <a:solidFill>
+                <a:srgbClr val="625B48"/>
+              </a:solidFill>
+            </a:endParaRPr>
+          </a:p>
+          <a:p>
+            <a:pPr lvl="0">
+              <a:buClr>
+                <a:srgbClr val="9A7865"/>
+              </a:buClr>
+              <a:buSzPct val="80000"/>
+              <a:defRPr sz="1800">
+                <a:solidFill>
+                  <a:srgbClr val="000000"/>
+                </a:solidFill>
+              </a:defRPr>
+            </a:pPr>
+            <a:r>
+              <a:rPr lang="en-US" sz="2400" dirty="0" smtClean="0">
+                <a:solidFill>
+                  <a:srgbClr val="625B48"/>
+                </a:solidFill>
+              </a:rPr>
+              <a:t>The Digital Aristotle would be a free method of individualized tutoring as opposed to the expensive cost of human tutoring</a:t>
+            </a:r>
+          </a:p>
+          <a:p>
+            <a:pPr lvl="0">
+              <a:buClr>
+                <a:srgbClr val="9A7865"/>
+              </a:buClr>
+              <a:buSzPct val="80000"/>
+              <a:defRPr sz="1800">
+                <a:solidFill>
+                  <a:srgbClr val="000000"/>
+                </a:solidFill>
+              </a:defRPr>
+            </a:pPr>
+            <a:r>
+              <a:rPr lang="en-US" sz="2400" dirty="0" smtClean="0">
+                <a:solidFill>
+                  <a:srgbClr val="625B48"/>
+                </a:solidFill>
+              </a:rPr>
+              <a:t>Subject material taught in a classroom is either taught too fast or too slow for students </a:t>
+            </a:r>
+          </a:p>
+        </p:txBody>
+      </p:sp>
+    </p:spTree>
+    <p:extLst>
+      <p:ext uri="{BB962C8B-B14F-4D97-AF65-F5344CB8AC3E}">
+        <p14:creationId xmlns:p14="http://schemas.microsoft.com/office/powerpoint/2010/main" val="1693741954"/>
+      </p:ext>
+    </p:extLst>
+  </p:cSld>
+  <p:clrMapOvr>
+    <a:masterClrMapping/>
+  </p:clrMapOvr>
+</p:notes>
+</file>
+
+<file path=ppt/notesSlides/notesSlide2.xml><?xml version="1.0" encoding="utf-8"?>
+<p:notes xmlns:a="http://schemas.openxmlformats.org/drawingml/2006/main" xmlns:r="http://schemas.openxmlformats.org/officeDocument/2006/relationships" xmlns:p="http://schemas.openxmlformats.org/presentationml/2006/main">
+  <p:cSld>
+    <p:spTree>
+      <p:nvGrpSpPr>
+        <p:cNvPr id="1" name=""/>
+        <p:cNvGrpSpPr/>
+        <p:nvPr/>
+      </p:nvGrpSpPr>
+      <p:grpSpPr>
+        <a:xfrm>
+          <a:off x="0" y="0"/>
+          <a:ext cx="0" cy="0"/>
+          <a:chOff x="0" y="0"/>
+          <a:chExt cx="0" cy="0"/>
+        </a:xfrm>
+      </p:grpSpPr>
+      <p:sp>
+        <p:nvSpPr>
+          <p:cNvPr id="2" name="Slide Image Placeholder 1"/>
+          <p:cNvSpPr>
+            <a:spLocks noGrp="1" noRot="1" noChangeAspect="1"/>
+          </p:cNvSpPr>
+          <p:nvPr>
+            <p:ph type="sldImg"/>
+          </p:nvPr>
+        </p:nvSpPr>
+        <p:spPr/>
+      </p:sp>
+      <p:sp>
+        <p:nvSpPr>
+          <p:cNvPr id="3" name="Notes Placeholder 2"/>
+          <p:cNvSpPr>
+            <a:spLocks noGrp="1"/>
+          </p:cNvSpPr>
+          <p:nvPr>
+            <p:ph type="body" idx="1"/>
+          </p:nvPr>
+        </p:nvSpPr>
+        <p:spPr/>
+        <p:txBody>
+          <a:bodyPr/>
+          <a:lstStyle/>
+          <a:p>
+            <a:pPr lvl="0">
+              <a:buClr>
+                <a:srgbClr val="9A7865"/>
+              </a:buClr>
+              <a:buSzPct val="80000"/>
+              <a:defRPr sz="1800">
+                <a:solidFill>
+                  <a:srgbClr val="000000"/>
+                </a:solidFill>
+              </a:defRPr>
+            </a:pPr>
+            <a:r>
+              <a:rPr lang="en-US" sz="2400" dirty="0" smtClean="0">
+                <a:solidFill>
+                  <a:schemeClr val="tx1">
+                    <a:lumMod val="75000"/>
+                  </a:schemeClr>
+                </a:solidFill>
+              </a:rPr>
+              <a:t>A greater sense of education creates more opportunity for success for students in the working world </a:t>
+            </a:r>
+          </a:p>
+          <a:p>
+            <a:pPr lvl="0">
+              <a:buClr>
+                <a:srgbClr val="9A7865"/>
+              </a:buClr>
+              <a:buSzPct val="80000"/>
+              <a:defRPr sz="1800">
+                <a:solidFill>
+                  <a:srgbClr val="000000"/>
+                </a:solidFill>
+              </a:defRPr>
+            </a:pPr>
+            <a:r>
+              <a:rPr lang="en-US" sz="2400" dirty="0" smtClean="0">
+                <a:solidFill>
+                  <a:schemeClr val="tx1">
+                    <a:lumMod val="75000"/>
+                  </a:schemeClr>
+                </a:solidFill>
+              </a:rPr>
+              <a:t>A greater influx of educated people creates a boosted economy and more technological competition </a:t>
+            </a:r>
+          </a:p>
+          <a:p>
+            <a:endParaRPr lang="en-US" dirty="0"/>
+          </a:p>
+        </p:txBody>
+      </p:sp>
+    </p:spTree>
+    <p:extLst>
+      <p:ext uri="{BB962C8B-B14F-4D97-AF65-F5344CB8AC3E}">
+        <p14:creationId xmlns:p14="http://schemas.microsoft.com/office/powerpoint/2010/main" val="2938681161"/>
+      </p:ext>
+    </p:extLst>
+  </p:cSld>
+  <p:clrMapOvr>
+    <a:masterClrMapping/>
+  </p:clrMapOvr>
+</p:notes>
+</file>
+
+<file path=ppt/notesSlides/notesSlide3.xml><?xml version="1.0" encoding="utf-8"?>
+<p:notes xmlns:a="http://schemas.openxmlformats.org/drawingml/2006/main" xmlns:r="http://schemas.openxmlformats.org/officeDocument/2006/relationships" xmlns:p="http://schemas.openxmlformats.org/presentationml/2006/main">
+  <p:cSld>
+    <p:spTree>
+      <p:nvGrpSpPr>
+        <p:cNvPr id="1" name=""/>
+        <p:cNvGrpSpPr/>
+        <p:nvPr/>
+      </p:nvGrpSpPr>
+      <p:grpSpPr>
+        <a:xfrm>
+          <a:off x="0" y="0"/>
+          <a:ext cx="0" cy="0"/>
+          <a:chOff x="0" y="0"/>
+          <a:chExt cx="0" cy="0"/>
+        </a:xfrm>
+      </p:grpSpPr>
+      <p:sp>
+        <p:nvSpPr>
+          <p:cNvPr id="2" name="Slide Image Placeholder 1"/>
+          <p:cNvSpPr>
+            <a:spLocks noGrp="1" noRot="1" noChangeAspect="1"/>
+          </p:cNvSpPr>
+          <p:nvPr>
+            <p:ph type="sldImg"/>
+          </p:nvPr>
+        </p:nvSpPr>
+        <p:spPr/>
+      </p:sp>
+      <p:sp>
+        <p:nvSpPr>
+          <p:cNvPr id="3" name="Notes Placeholder 2"/>
+          <p:cNvSpPr>
+            <a:spLocks noGrp="1"/>
+          </p:cNvSpPr>
+          <p:nvPr>
+            <p:ph type="body" idx="1"/>
+          </p:nvPr>
+        </p:nvSpPr>
+        <p:spPr/>
+        <p:txBody>
+          <a:bodyPr/>
+          <a:lstStyle/>
+          <a:p>
+            <a:pPr lvl="0">
+              <a:defRPr sz="1800">
+                <a:solidFill>
+                  <a:srgbClr val="000000"/>
+                </a:solidFill>
+              </a:defRPr>
+            </a:pPr>
+            <a:r>
+              <a:rPr lang="en-US" sz="2400" dirty="0" smtClean="0">
+                <a:solidFill>
+                  <a:schemeClr val="tx1">
+                    <a:lumMod val="75000"/>
+                  </a:schemeClr>
+                </a:solidFill>
+              </a:rPr>
+              <a:t>Math, especially algebra and geometry, are difficult fields to comprehend when the only method of teaching used is the traditional classroom method.</a:t>
+            </a:r>
+          </a:p>
+          <a:p>
+            <a:pPr lvl="0">
+              <a:defRPr sz="1800">
+                <a:solidFill>
+                  <a:srgbClr val="000000"/>
+                </a:solidFill>
+              </a:defRPr>
+            </a:pPr>
+            <a:r>
+              <a:rPr lang="en-US" sz="2400" dirty="0" smtClean="0">
+                <a:solidFill>
+                  <a:schemeClr val="tx1">
+                    <a:lumMod val="75000"/>
+                  </a:schemeClr>
+                </a:solidFill>
+              </a:rPr>
+              <a:t>The traditional teaching method does not give students individualization required to fully understand these fields.</a:t>
+            </a:r>
+          </a:p>
+          <a:p>
+            <a:endParaRPr lang="en-US" dirty="0"/>
+          </a:p>
+        </p:txBody>
+      </p:sp>
+    </p:spTree>
+    <p:extLst>
+      <p:ext uri="{BB962C8B-B14F-4D97-AF65-F5344CB8AC3E}">
+        <p14:creationId xmlns:p14="http://schemas.microsoft.com/office/powerpoint/2010/main" val="3488851786"/>
+      </p:ext>
+    </p:extLst>
+  </p:cSld>
+  <p:clrMapOvr>
+    <a:masterClrMapping/>
+  </p:clrMapOvr>
+</p:notes>
+</file>
+
+<file path=ppt/notesSlides/notesSlide4.xml><?xml version="1.0" encoding="utf-8"?>
+<p:notes xmlns:a="http://schemas.openxmlformats.org/drawingml/2006/main" xmlns:r="http://schemas.openxmlformats.org/officeDocument/2006/relationships" xmlns:p="http://schemas.openxmlformats.org/presentationml/2006/main">
+  <p:cSld>
+    <p:spTree>
+      <p:nvGrpSpPr>
+        <p:cNvPr id="1" name=""/>
+        <p:cNvGrpSpPr/>
+        <p:nvPr/>
+      </p:nvGrpSpPr>
+      <p:grpSpPr>
+        <a:xfrm>
+          <a:off x="0" y="0"/>
+          <a:ext cx="0" cy="0"/>
+          <a:chOff x="0" y="0"/>
+          <a:chExt cx="0" cy="0"/>
+        </a:xfrm>
+      </p:grpSpPr>
+      <p:sp>
+        <p:nvSpPr>
+          <p:cNvPr id="2" name="Slide Image Placeholder 1"/>
+          <p:cNvSpPr>
+            <a:spLocks noGrp="1" noRot="1" noChangeAspect="1"/>
+          </p:cNvSpPr>
+          <p:nvPr>
+            <p:ph type="sldImg"/>
+          </p:nvPr>
+        </p:nvSpPr>
+        <p:spPr/>
+      </p:sp>
+      <p:sp>
+        <p:nvSpPr>
+          <p:cNvPr id="3" name="Notes Placeholder 2"/>
+          <p:cNvSpPr>
+            <a:spLocks noGrp="1"/>
+          </p:cNvSpPr>
+          <p:nvPr>
+            <p:ph type="body" idx="1"/>
+          </p:nvPr>
+        </p:nvSpPr>
+        <p:spPr/>
+        <p:txBody>
+          <a:bodyPr/>
+          <a:lstStyle/>
+          <a:p>
+            <a:pPr lvl="0" algn="l">
+              <a:buClr>
+                <a:srgbClr val="9A7865"/>
+              </a:buClr>
+              <a:buSzPct val="80000"/>
+              <a:defRPr sz="1800">
+                <a:solidFill>
+                  <a:srgbClr val="000000"/>
+                </a:solidFill>
+              </a:defRPr>
+            </a:pPr>
+            <a:r>
+              <a:rPr lang="en-US" sz="2400" dirty="0" smtClean="0">
+                <a:solidFill>
+                  <a:schemeClr val="tx1">
+                    <a:lumMod val="75000"/>
+                  </a:schemeClr>
+                </a:solidFill>
+              </a:rPr>
+              <a:t>First Year:</a:t>
+            </a:r>
+          </a:p>
+          <a:p>
+            <a:pPr lvl="0">
+              <a:buClr>
+                <a:srgbClr val="9A7865"/>
+              </a:buClr>
+              <a:buSzPct val="80000"/>
+              <a:defRPr sz="1800">
+                <a:solidFill>
+                  <a:srgbClr val="000000"/>
+                </a:solidFill>
+              </a:defRPr>
+            </a:pPr>
+            <a:r>
+              <a:rPr lang="en-US" sz="2400" dirty="0" smtClean="0">
+                <a:solidFill>
+                  <a:schemeClr val="tx1">
+                    <a:lumMod val="75000"/>
+                  </a:schemeClr>
+                </a:solidFill>
+              </a:rPr>
+              <a:t>	Create search engine capable of looking though knowledge database with a plethora of information</a:t>
+            </a:r>
+          </a:p>
+          <a:p>
+            <a:pPr lvl="0" algn="l">
+              <a:buClr>
+                <a:srgbClr val="9A7865"/>
+              </a:buClr>
+              <a:buSzPct val="80000"/>
+              <a:defRPr sz="1800">
+                <a:solidFill>
+                  <a:srgbClr val="000000"/>
+                </a:solidFill>
+              </a:defRPr>
+            </a:pPr>
+            <a:r>
+              <a:rPr lang="en-US" sz="2400" dirty="0" smtClean="0">
+                <a:solidFill>
+                  <a:schemeClr val="tx1">
+                    <a:lumMod val="75000"/>
+                  </a:schemeClr>
+                </a:solidFill>
+              </a:rPr>
+              <a:t>Second Year:</a:t>
+            </a:r>
+          </a:p>
+          <a:p>
+            <a:pPr lvl="0">
+              <a:buClr>
+                <a:srgbClr val="9A7865"/>
+              </a:buClr>
+              <a:buSzPct val="80000"/>
+              <a:defRPr sz="1800">
+                <a:solidFill>
+                  <a:srgbClr val="000000"/>
+                </a:solidFill>
+              </a:defRPr>
+            </a:pPr>
+            <a:r>
+              <a:rPr lang="en-US" sz="2400" dirty="0" smtClean="0">
+                <a:solidFill>
+                  <a:schemeClr val="tx1">
+                    <a:lumMod val="75000"/>
+                  </a:schemeClr>
+                </a:solidFill>
+              </a:rPr>
+              <a:t>	Add Interactive elements such as tests, homework, and practice problems </a:t>
+            </a:r>
+          </a:p>
+          <a:p>
+            <a:pPr lvl="0" algn="l">
+              <a:buClr>
+                <a:srgbClr val="9A7865"/>
+              </a:buClr>
+              <a:buSzPct val="80000"/>
+              <a:defRPr sz="1800">
+                <a:solidFill>
+                  <a:srgbClr val="000000"/>
+                </a:solidFill>
+              </a:defRPr>
+            </a:pPr>
+            <a:r>
+              <a:rPr lang="en-US" sz="2400" dirty="0" smtClean="0">
+                <a:solidFill>
+                  <a:schemeClr val="tx1">
+                    <a:lumMod val="75000"/>
+                  </a:schemeClr>
+                </a:solidFill>
+              </a:rPr>
+              <a:t>Third Year:</a:t>
+            </a:r>
+          </a:p>
+          <a:p>
+            <a:pPr lvl="0">
+              <a:buClr>
+                <a:srgbClr val="9A7865"/>
+              </a:buClr>
+              <a:buSzPct val="80000"/>
+              <a:defRPr sz="1800">
+                <a:solidFill>
+                  <a:srgbClr val="000000"/>
+                </a:solidFill>
+              </a:defRPr>
+            </a:pPr>
+            <a:r>
+              <a:rPr lang="en-US" sz="2400" dirty="0" smtClean="0">
+                <a:solidFill>
+                  <a:schemeClr val="tx1">
+                    <a:lumMod val="75000"/>
+                  </a:schemeClr>
+                </a:solidFill>
+              </a:rPr>
+              <a:t>	Add individualization through test, homework, practice, etc. </a:t>
+            </a:r>
+          </a:p>
+          <a:p>
+            <a:pPr lvl="0" algn="l">
+              <a:buClr>
+                <a:srgbClr val="9A7865"/>
+              </a:buClr>
+              <a:buSzPct val="80000"/>
+              <a:defRPr sz="1800">
+                <a:solidFill>
+                  <a:srgbClr val="000000"/>
+                </a:solidFill>
+              </a:defRPr>
+            </a:pPr>
+            <a:r>
+              <a:rPr lang="en-US" sz="2400" dirty="0" smtClean="0">
+                <a:solidFill>
+                  <a:schemeClr val="tx1">
+                    <a:lumMod val="75000"/>
+                  </a:schemeClr>
+                </a:solidFill>
+              </a:rPr>
+              <a:t>Fourth Year:</a:t>
+            </a:r>
+          </a:p>
+          <a:p>
+            <a:pPr lvl="0">
+              <a:buClr>
+                <a:srgbClr val="9A7865"/>
+              </a:buClr>
+              <a:buSzPct val="80000"/>
+              <a:defRPr sz="1800">
+                <a:solidFill>
+                  <a:srgbClr val="000000"/>
+                </a:solidFill>
+              </a:defRPr>
+            </a:pPr>
+            <a:r>
+              <a:rPr lang="en-US" sz="2400" dirty="0" smtClean="0">
+                <a:solidFill>
+                  <a:schemeClr val="tx1">
+                    <a:lumMod val="75000"/>
+                  </a:schemeClr>
+                </a:solidFill>
+              </a:rPr>
+              <a:t>	Create a way for students to receive lectures </a:t>
+            </a:r>
+          </a:p>
+          <a:p>
+            <a:endParaRPr lang="en-US" dirty="0"/>
+          </a:p>
+        </p:txBody>
+      </p:sp>
+    </p:spTree>
+    <p:extLst>
+      <p:ext uri="{BB962C8B-B14F-4D97-AF65-F5344CB8AC3E}">
+        <p14:creationId xmlns:p14="http://schemas.microsoft.com/office/powerpoint/2010/main" val="250942598"/>
+      </p:ext>
+    </p:extLst>
+  </p:cSld>
+  <p:clrMapOvr>
+    <a:masterClrMapping/>
+  </p:clrMapOvr>
+</p:notes>
+</file>
+
+<file path=ppt/notesSlides/notesSlide5.xml><?xml version="1.0" encoding="utf-8"?>
+<p:notes xmlns:a="http://schemas.openxmlformats.org/drawingml/2006/main" xmlns:r="http://schemas.openxmlformats.org/officeDocument/2006/relationships" xmlns:p="http://schemas.openxmlformats.org/presentationml/2006/main">
+  <p:cSld>
+    <p:spTree>
+      <p:nvGrpSpPr>
+        <p:cNvPr id="1" name=""/>
+        <p:cNvGrpSpPr/>
+        <p:nvPr/>
+      </p:nvGrpSpPr>
+      <p:grpSpPr>
+        <a:xfrm>
+          <a:off x="0" y="0"/>
+          <a:ext cx="0" cy="0"/>
+          <a:chOff x="0" y="0"/>
+          <a:chExt cx="0" cy="0"/>
+        </a:xfrm>
+      </p:grpSpPr>
+      <p:sp>
+        <p:nvSpPr>
+          <p:cNvPr id="2" name="Slide Image Placeholder 1"/>
+          <p:cNvSpPr>
+            <a:spLocks noGrp="1" noRot="1" noChangeAspect="1"/>
+          </p:cNvSpPr>
+          <p:nvPr>
+            <p:ph type="sldImg"/>
+          </p:nvPr>
+        </p:nvSpPr>
+        <p:spPr/>
+      </p:sp>
+      <p:sp>
+        <p:nvSpPr>
+          <p:cNvPr id="3" name="Notes Placeholder 2"/>
+          <p:cNvSpPr>
+            <a:spLocks noGrp="1"/>
+          </p:cNvSpPr>
+          <p:nvPr>
+            <p:ph type="body" idx="1"/>
+          </p:nvPr>
+        </p:nvSpPr>
+        <p:spPr/>
+        <p:txBody>
+          <a:bodyPr/>
+          <a:lstStyle/>
+          <a:p>
+            <a:endParaRPr lang="en-US" dirty="0"/>
+          </a:p>
+        </p:txBody>
+      </p:sp>
+    </p:spTree>
+    <p:extLst>
+      <p:ext uri="{BB962C8B-B14F-4D97-AF65-F5344CB8AC3E}">
+        <p14:creationId xmlns:p14="http://schemas.microsoft.com/office/powerpoint/2010/main" val="1538792280"/>
+      </p:ext>
+    </p:extLst>
+  </p:cSld>
+  <p:clrMapOvr>
+    <a:masterClrMapping/>
+  </p:clrMapOvr>
+</p:notes>
+</file>
+
+<file path=ppt/notesSlides/notesSlide6.xml><?xml version="1.0" encoding="utf-8"?>
+<p:notes xmlns:a="http://schemas.openxmlformats.org/drawingml/2006/main" xmlns:r="http://schemas.openxmlformats.org/officeDocument/2006/relationships" xmlns:p="http://schemas.openxmlformats.org/presentationml/2006/main">
+  <p:cSld>
+    <p:spTree>
+      <p:nvGrpSpPr>
+        <p:cNvPr id="1" name=""/>
+        <p:cNvGrpSpPr/>
+        <p:nvPr/>
+      </p:nvGrpSpPr>
+      <p:grpSpPr>
+        <a:xfrm>
+          <a:off x="0" y="0"/>
+          <a:ext cx="0" cy="0"/>
+          <a:chOff x="0" y="0"/>
+          <a:chExt cx="0" cy="0"/>
+        </a:xfrm>
+      </p:grpSpPr>
+      <p:sp>
+        <p:nvSpPr>
+          <p:cNvPr id="2" name="Slide Image Placeholder 1"/>
+          <p:cNvSpPr>
+            <a:spLocks noGrp="1" noRot="1" noChangeAspect="1"/>
+          </p:cNvSpPr>
+          <p:nvPr>
+            <p:ph type="sldImg"/>
+          </p:nvPr>
+        </p:nvSpPr>
+        <p:spPr/>
+      </p:sp>
+      <p:sp>
+        <p:nvSpPr>
+          <p:cNvPr id="3" name="Notes Placeholder 2"/>
+          <p:cNvSpPr>
+            <a:spLocks noGrp="1"/>
+          </p:cNvSpPr>
+          <p:nvPr>
+            <p:ph type="body" idx="1"/>
+          </p:nvPr>
+        </p:nvSpPr>
+        <p:spPr/>
+        <p:txBody>
+          <a:bodyPr/>
+          <a:lstStyle/>
+          <a:p>
+            <a:endParaRPr lang="en-US" dirty="0"/>
+          </a:p>
+        </p:txBody>
+      </p:sp>
+    </p:spTree>
+    <p:extLst>
+      <p:ext uri="{BB962C8B-B14F-4D97-AF65-F5344CB8AC3E}">
+        <p14:creationId xmlns:p14="http://schemas.microsoft.com/office/powerpoint/2010/main" val="3491956637"/>
+      </p:ext>
+    </p:extLst>
+  </p:cSld>
+  <p:clrMapOvr>
+    <a:masterClrMapping/>
+  </p:clrMapOvr>
+</p:notes>
+</file>
+
 <file path=ppt/slideLayouts/slideLayout1.xml><?xml version="1.0" encoding="utf-8"?>
 <p:sldLayout xmlns:a="http://schemas.openxmlformats.org/drawingml/2006/main" xmlns:r="http://schemas.openxmlformats.org/officeDocument/2006/relationships" xmlns:p="http://schemas.openxmlformats.org/presentationml/2006/main" type="tx">
   <p:cSld name="Title &amp; Subtitle">
@@ -564,7 +1299,7 @@
   <p:clrMapOvr>
     <a:masterClrMapping/>
   </p:clrMapOvr>
-  <p:transition xmlns:p14="http://schemas.microsoft.com/office/powerpoint/2010/main" spd="med"/>
+  <p:transition spd="med"/>
 </p:sldLayout>
 </file>
 
@@ -590,7 +1325,7 @@
   <p:clrMapOvr>
     <a:masterClrMapping/>
   </p:clrMapOvr>
-  <p:transition xmlns:p14="http://schemas.microsoft.com/office/powerpoint/2010/main" spd="med"/>
+  <p:transition spd="med"/>
 </p:sldLayout>
 </file>
 
@@ -616,7 +1351,7 @@
   <p:clrMapOvr>
     <a:masterClrMapping/>
   </p:clrMapOvr>
-  <p:transition xmlns:p14="http://schemas.microsoft.com/office/powerpoint/2010/main" spd="med"/>
+  <p:transition spd="med"/>
 </p:sldLayout>
 </file>
 
@@ -642,7 +1377,7 @@
   <p:clrMapOvr>
     <a:masterClrMapping/>
   </p:clrMapOvr>
-  <p:transition xmlns:p14="http://schemas.microsoft.com/office/powerpoint/2010/main" spd="med"/>
+  <p:transition spd="med"/>
 </p:sldLayout>
 </file>
 
@@ -906,7 +1641,7 @@
   <p:clrMapOvr>
     <a:masterClrMapping/>
   </p:clrMapOvr>
-  <p:transition xmlns:p14="http://schemas.microsoft.com/office/powerpoint/2010/main" spd="med"/>
+  <p:transition spd="med"/>
 </p:sldLayout>
 </file>
 
@@ -977,7 +1712,7 @@
   <p:clrMapOvr>
     <a:masterClrMapping/>
   </p:clrMapOvr>
-  <p:transition xmlns:p14="http://schemas.microsoft.com/office/powerpoint/2010/main" spd="med"/>
+  <p:transition spd="med"/>
 </p:sldLayout>
 </file>
 
@@ -1233,7 +1968,7 @@
   <p:clrMapOvr>
     <a:masterClrMapping/>
   </p:clrMapOvr>
-  <p:transition xmlns:p14="http://schemas.microsoft.com/office/powerpoint/2010/main" spd="med"/>
+  <p:transition spd="med"/>
 </p:sldLayout>
 </file>
 
@@ -1296,7 +2031,7 @@
   <p:clrMapOvr>
     <a:masterClrMapping/>
   </p:clrMapOvr>
-  <p:transition xmlns:p14="http://schemas.microsoft.com/office/powerpoint/2010/main" spd="med"/>
+  <p:transition spd="med"/>
 </p:sldLayout>
 </file>
 
@@ -1490,7 +2225,7 @@
   <p:clrMapOvr>
     <a:masterClrMapping/>
   </p:clrMapOvr>
-  <p:transition xmlns:p14="http://schemas.microsoft.com/office/powerpoint/2010/main" spd="med"/>
+  <p:transition spd="med"/>
 </p:sldLayout>
 </file>
 
@@ -1703,7 +2438,7 @@
   <p:clrMapOvr>
     <a:masterClrMapping/>
   </p:clrMapOvr>
-  <p:transition xmlns:p14="http://schemas.microsoft.com/office/powerpoint/2010/main" spd="med"/>
+  <p:transition spd="med"/>
 </p:sldLayout>
 </file>
 
@@ -1864,7 +2599,7 @@
   <p:clrMapOvr>
     <a:masterClrMapping/>
   </p:clrMapOvr>
-  <p:transition xmlns:p14="http://schemas.microsoft.com/office/powerpoint/2010/main" spd="med"/>
+  <p:transition spd="med"/>
 </p:sldLayout>
 </file>
 
@@ -1890,7 +2625,7 @@
   <p:clrMapOvr>
     <a:masterClrMapping/>
   </p:clrMapOvr>
-  <p:transition xmlns:p14="http://schemas.microsoft.com/office/powerpoint/2010/main" spd="med"/>
+  <p:transition spd="med"/>
 </p:sldLayout>
 </file>
 
@@ -1946,7 +2681,7 @@
           </a:ln>
           <a:extLst>
             <a:ext uri="{C572A759-6A51-4108-AA02-DFA0A04FC94B}">
-              <ma14:wrappingTextBoxFlag xmlns:ma14="http://schemas.microsoft.com/office/mac/drawingml/2011/main" val="1"/>
+              <ma14:wrappingTextBoxFlag xmlns:ma14="http://schemas.microsoft.com/office/mac/drawingml/2011/main" xmlns="" val="1"/>
             </a:ext>
           </a:extLst>
         </p:spPr>
@@ -1997,7 +2732,7 @@
           </a:ln>
           <a:extLst>
             <a:ext uri="{C572A759-6A51-4108-AA02-DFA0A04FC94B}">
-              <ma14:wrappingTextBoxFlag xmlns:ma14="http://schemas.microsoft.com/office/mac/drawingml/2011/main" val="1"/>
+              <ma14:wrappingTextBoxFlag xmlns:ma14="http://schemas.microsoft.com/office/mac/drawingml/2011/main" xmlns="" val="1"/>
             </a:ext>
           </a:extLst>
         </p:spPr>
@@ -2136,7 +2871,7 @@
     <p:sldLayoutId id="2147483659" r:id="rId11"/>
     <p:sldLayoutId id="2147483660" r:id="rId12"/>
   </p:sldLayoutIdLst>
-  <p:transition xmlns:p14="http://schemas.microsoft.com/office/powerpoint/2010/main" spd="med"/>
+  <p:transition spd="med"/>
   <p:txStyles>
     <p:titleStyle>
       <a:lvl1pPr algn="ctr" defTabSz="584200">
@@ -2597,7 +3332,7 @@
               </a:defRPr>
             </a:pPr>
             <a:r>
-              <a:rPr sz="7600">
+              <a:rPr sz="7600" dirty="0">
                 <a:solidFill>
                   <a:srgbClr val="85604A"/>
                 </a:solidFill>
@@ -2634,7 +3369,7 @@
               </a:defRPr>
             </a:pPr>
             <a:r>
-              <a:rPr sz="2600">
+              <a:rPr sz="2600" dirty="0">
                 <a:solidFill>
                   <a:srgbClr val="625B48"/>
                 </a:solidFill>
@@ -2655,7 +3390,7 @@
               </a:defRPr>
             </a:pPr>
             <a:r>
-              <a:rPr sz="2600">
+              <a:rPr sz="2600" dirty="0">
                 <a:solidFill>
                   <a:srgbClr val="625B48"/>
                 </a:solidFill>
@@ -2674,202 +3409,18 @@
   <p:clrMapOvr>
     <a:masterClrMapping/>
   </p:clrMapOvr>
-  <p:transition xmlns:p14="http://schemas.microsoft.com/office/powerpoint/2010/main" spd="med"/>
+  <p:transition spd="med"/>
+  <p:timing>
+    <p:tnLst>
+      <p:par>
+        <p:cTn id="1" dur="indefinite" restart="never" nodeType="tmRoot"/>
+      </p:par>
+    </p:tnLst>
+  </p:timing>
 </p:sld>
 </file>
 
 <file path=ppt/slides/slide10.xml><?xml version="1.0" encoding="utf-8"?>
-<p:sld xmlns:a="http://schemas.openxmlformats.org/drawingml/2006/main" xmlns:r="http://schemas.openxmlformats.org/officeDocument/2006/relationships" xmlns:p="http://schemas.openxmlformats.org/presentationml/2006/main">
-  <p:cSld>
-    <p:spTree>
-      <p:nvGrpSpPr>
-        <p:cNvPr id="1" name=""/>
-        <p:cNvGrpSpPr/>
-        <p:nvPr/>
-      </p:nvGrpSpPr>
-      <p:grpSpPr>
-        <a:xfrm>
-          <a:off x="0" y="0"/>
-          <a:ext cx="0" cy="0"/>
-          <a:chOff x="0" y="0"/>
-          <a:chExt cx="0" cy="0"/>
-        </a:xfrm>
-      </p:grpSpPr>
-      <p:sp>
-        <p:nvSpPr>
-          <p:cNvPr id="65" name="Shape 65"/>
-          <p:cNvSpPr>
-            <a:spLocks noGrp="1"/>
-          </p:cNvSpPr>
-          <p:nvPr>
-            <p:ph type="title"/>
-          </p:nvPr>
-        </p:nvSpPr>
-        <p:spPr>
-          <a:prstGeom prst="rect">
-            <a:avLst/>
-          </a:prstGeom>
-        </p:spPr>
-        <p:txBody>
-          <a:bodyPr/>
-          <a:lstStyle>
-            <a:lvl1pPr defTabSz="537463">
-              <a:defRPr sz="6992"/>
-            </a:lvl1pPr>
-          </a:lstStyle>
-          <a:p>
-            <a:pPr lvl="0">
-              <a:defRPr sz="1800">
-                <a:solidFill>
-                  <a:srgbClr val="000000"/>
-                </a:solidFill>
-              </a:defRPr>
-            </a:pPr>
-            <a:r>
-              <a:rPr lang="en-US" sz="6992" dirty="0" smtClean="0">
-                <a:solidFill>
-                  <a:srgbClr val="85604A"/>
-                </a:solidFill>
-              </a:rPr>
-              <a:t>To Finish Year One </a:t>
-            </a:r>
-            <a:endParaRPr sz="6992" dirty="0">
-              <a:solidFill>
-                <a:srgbClr val="85604A"/>
-              </a:solidFill>
-            </a:endParaRPr>
-          </a:p>
-        </p:txBody>
-      </p:sp>
-      <p:sp>
-        <p:nvSpPr>
-          <p:cNvPr id="2" name="TextBox 1"/>
-          <p:cNvSpPr txBox="1"/>
-          <p:nvPr/>
-        </p:nvSpPr>
-        <p:spPr>
-          <a:xfrm>
-            <a:off x="1104900" y="3193615"/>
-            <a:ext cx="10795000" cy="1764586"/>
-          </a:xfrm>
-          <a:prstGeom prst="rect">
-            <a:avLst/>
-          </a:prstGeom>
-          <a:noFill/>
-          <a:ln w="12700" cap="flat">
-            <a:noFill/>
-            <a:miter lim="400000"/>
-          </a:ln>
-          <a:effectLst/>
-        </p:spPr>
-        <p:style>
-          <a:lnRef idx="0">
-            <a:scrgbClr r="0" g="0" b="0"/>
-          </a:lnRef>
-          <a:fillRef idx="0">
-            <a:scrgbClr r="0" g="0" b="0"/>
-          </a:fillRef>
-          <a:effectRef idx="0">
-            <a:scrgbClr r="0" g="0" b="0"/>
-          </a:effectRef>
-          <a:fontRef idx="none"/>
-        </p:style>
-        <p:txBody>
-          <a:bodyPr rot="0" spcFirstLastPara="1" vertOverflow="overflow" horzOverflow="overflow" vert="horz" wrap="square" lIns="50800" tIns="50800" rIns="50800" bIns="50800" numCol="1" spcCol="38100" rtlCol="0" anchor="t">
-            <a:spAutoFit/>
-          </a:bodyPr>
-          <a:lstStyle/>
-          <a:p>
-            <a:pPr marL="285750" lvl="0" indent="-285750">
-              <a:buFont typeface="Arial"/>
-              <a:buChar char="•"/>
-              <a:defRPr sz="1800">
-                <a:solidFill>
-                  <a:srgbClr val="000000"/>
-                </a:solidFill>
-              </a:defRPr>
-            </a:pPr>
-            <a:r>
-              <a:rPr lang="en-US" sz="3600" dirty="0">
-                <a:solidFill>
-                  <a:schemeClr val="tx1">
-                    <a:lumMod val="75000"/>
-                  </a:schemeClr>
-                </a:solidFill>
-              </a:rPr>
-              <a:t>M</a:t>
-            </a:r>
-            <a:r>
-              <a:rPr lang="en-US" sz="3600" dirty="0" smtClean="0">
-                <a:solidFill>
-                  <a:schemeClr val="tx1">
-                    <a:lumMod val="75000"/>
-                  </a:schemeClr>
-                </a:solidFill>
-              </a:rPr>
-              <a:t>ake </a:t>
-            </a:r>
-            <a:r>
-              <a:rPr lang="en-US" sz="3600" dirty="0">
-                <a:solidFill>
-                  <a:schemeClr val="tx1">
-                    <a:lumMod val="75000"/>
-                  </a:schemeClr>
-                </a:solidFill>
-              </a:rPr>
-              <a:t>search engine </a:t>
-            </a:r>
-            <a:r>
-              <a:rPr lang="en-US" sz="3600" dirty="0" smtClean="0">
-                <a:solidFill>
-                  <a:schemeClr val="tx1">
-                    <a:lumMod val="75000"/>
-                  </a:schemeClr>
-                </a:solidFill>
-              </a:rPr>
-              <a:t>able to search database faster and with more accuracy </a:t>
-            </a:r>
-          </a:p>
-          <a:p>
-            <a:pPr marL="285750" lvl="0" indent="-285750">
-              <a:buFont typeface="Arial"/>
-              <a:buChar char="•"/>
-              <a:defRPr sz="1800">
-                <a:solidFill>
-                  <a:srgbClr val="000000"/>
-                </a:solidFill>
-              </a:defRPr>
-            </a:pPr>
-            <a:r>
-              <a:rPr lang="en-US" sz="3600" dirty="0" smtClean="0">
-                <a:solidFill>
-                  <a:schemeClr val="tx1">
-                    <a:lumMod val="75000"/>
-                  </a:schemeClr>
-                </a:solidFill>
-              </a:rPr>
-              <a:t>Create a larger array of databases</a:t>
-            </a:r>
-            <a:endParaRPr lang="en-US" sz="3600" dirty="0">
-              <a:solidFill>
-                <a:schemeClr val="tx1">
-                  <a:lumMod val="75000"/>
-                </a:schemeClr>
-              </a:solidFill>
-            </a:endParaRPr>
-          </a:p>
-        </p:txBody>
-      </p:sp>
-    </p:spTree>
-  </p:cSld>
-  <p:clrMapOvr>
-    <a:masterClrMapping/>
-  </p:clrMapOvr>
-  <p:transition xmlns:p14="http://schemas.microsoft.com/office/powerpoint/2010/main" spd="med"/>
-</p:sld>
-</file>
-
-<file path=ppt/slides/slide11.xml><?xml version="1.0" encoding="utf-8"?>
 <p:sld xmlns:a="http://schemas.openxmlformats.org/drawingml/2006/main" xmlns:r="http://schemas.openxmlformats.org/officeDocument/2006/relationships" xmlns:p="http://schemas.openxmlformats.org/presentationml/2006/main">
   <p:cSld>
     <p:spTree>
@@ -2917,12 +3468,12 @@
               </a:defRPr>
             </a:pPr>
             <a:r>
-              <a:rPr lang="en-US" sz="6992" dirty="0" smtClean="0">
+              <a:rPr lang="en-US" sz="6992" smtClean="0">
                 <a:solidFill>
                   <a:srgbClr val="85604A"/>
                 </a:solidFill>
               </a:rPr>
-              <a:t>Expected Result</a:t>
+              <a:t>Results</a:t>
             </a:r>
             <a:endParaRPr sz="6992" dirty="0">
               <a:solidFill>
@@ -2934,14 +3485,14 @@
       </p:sp>
       <p:sp>
         <p:nvSpPr>
-          <p:cNvPr id="5" name="TextBox 4"/>
+          <p:cNvPr id="2" name="TextBox 1"/>
           <p:cNvSpPr txBox="1"/>
           <p:nvPr/>
         </p:nvSpPr>
         <p:spPr>
           <a:xfrm>
-            <a:off x="1104901" y="3081559"/>
-            <a:ext cx="10795000" cy="1764586"/>
+            <a:off x="6360160" y="2933700"/>
+            <a:ext cx="6413500" cy="2564805"/>
           </a:xfrm>
           <a:prstGeom prst="rect">
             <a:avLst/>
@@ -2971,7 +3522,125 @@
           </a:bodyPr>
           <a:lstStyle/>
           <a:p>
-            <a:pPr marL="571500" marR="0" indent="-571500" algn="ctr" defTabSz="584200" rtl="0" fontAlgn="auto" latinLnBrk="1" hangingPunct="0">
+            <a:pPr marL="571500" indent="-571500" algn="l" rtl="0" latinLnBrk="1" hangingPunct="0">
+              <a:buFont typeface="Arial" panose="020B0604020202020204" pitchFamily="34" charset="0"/>
+              <a:buChar char="•"/>
+            </a:pPr>
+            <a:r>
+              <a:rPr kumimoji="0" lang="en-US" sz="4000" b="0" i="0" u="none" strike="noStrike" cap="none" spc="0" normalizeH="0" baseline="0" dirty="0" smtClean="0">
+                <a:ln>
+                  <a:noFill/>
+                </a:ln>
+                <a:solidFill>
+                  <a:srgbClr val="625B48"/>
+                </a:solidFill>
+                <a:effectLst/>
+                <a:uFillTx/>
+                <a:latin typeface="+mn-lt"/>
+                <a:ea typeface="+mn-ea"/>
+                <a:cs typeface="+mn-cs"/>
+                <a:sym typeface="Didot"/>
+              </a:rPr>
+              <a:t>Far </a:t>
+            </a:r>
+            <a:r>
+              <a:rPr lang="en-US" dirty="0"/>
+              <a:t>from </a:t>
+            </a:r>
+            <a:r>
+              <a:rPr lang="en-US" dirty="0" smtClean="0"/>
+              <a:t>completion</a:t>
+            </a:r>
+          </a:p>
+          <a:p>
+            <a:pPr marL="571500" indent="-571500" algn="l" rtl="0" latinLnBrk="1" hangingPunct="0">
+              <a:buFont typeface="Arial" panose="020B0604020202020204" pitchFamily="34" charset="0"/>
+              <a:buChar char="•"/>
+            </a:pPr>
+            <a:r>
+              <a:rPr kumimoji="0" lang="en-US" sz="4000" b="0" i="0" u="none" strike="noStrike" cap="none" spc="0" normalizeH="0" baseline="0" dirty="0" smtClean="0">
+                <a:ln>
+                  <a:noFill/>
+                </a:ln>
+                <a:solidFill>
+                  <a:srgbClr val="625B48"/>
+                </a:solidFill>
+                <a:effectLst/>
+                <a:uFillTx/>
+                <a:latin typeface="+mn-lt"/>
+                <a:ea typeface="+mn-ea"/>
+                <a:cs typeface="+mn-cs"/>
+                <a:sym typeface="Didot"/>
+              </a:rPr>
+              <a:t>First Year of four years    finished</a:t>
+            </a:r>
+          </a:p>
+          <a:p>
+            <a:pPr marL="571500" indent="-571500" algn="l" rtl="0" latinLnBrk="1" hangingPunct="0">
+              <a:buFont typeface="Arial" panose="020B0604020202020204" pitchFamily="34" charset="0"/>
+              <a:buChar char="•"/>
+            </a:pPr>
+            <a:endParaRPr kumimoji="0" lang="en-US" sz="4000" b="0" i="0" u="none" strike="noStrike" cap="none" spc="0" normalizeH="0" baseline="0" dirty="0">
+              <a:ln>
+                <a:noFill/>
+              </a:ln>
+              <a:solidFill>
+                <a:srgbClr val="625B48"/>
+              </a:solidFill>
+              <a:effectLst/>
+              <a:uFillTx/>
+              <a:latin typeface="+mn-lt"/>
+              <a:ea typeface="+mn-ea"/>
+              <a:cs typeface="+mn-cs"/>
+              <a:sym typeface="Didot"/>
+            </a:endParaRPr>
+          </a:p>
+        </p:txBody>
+      </p:sp>
+      <p:sp>
+        <p:nvSpPr>
+          <p:cNvPr id="6" name="Rectangle 5"/>
+          <p:cNvSpPr/>
+          <p:nvPr/>
+        </p:nvSpPr>
+        <p:spPr>
+          <a:xfrm>
+            <a:off x="1104900" y="2933700"/>
+            <a:ext cx="5255260" cy="5742940"/>
+          </a:xfrm>
+          <a:prstGeom prst="rect">
+            <a:avLst/>
+          </a:prstGeom>
+          <a:blipFill rotWithShape="1">
+            <a:blip r:embed="rId3"/>
+            <a:srcRect/>
+            <a:tile tx="0" ty="0" sx="100000" sy="100000" flip="none" algn="tl"/>
+          </a:blipFill>
+          <a:ln w="12700" cap="flat">
+            <a:noFill/>
+            <a:miter lim="400000"/>
+          </a:ln>
+          <a:effectLst/>
+        </p:spPr>
+        <p:style>
+          <a:lnRef idx="0">
+            <a:scrgbClr r="0" g="0" b="0"/>
+          </a:lnRef>
+          <a:fillRef idx="0">
+            <a:scrgbClr r="0" g="0" b="0"/>
+          </a:fillRef>
+          <a:effectRef idx="0">
+            <a:scrgbClr r="0" g="0" b="0"/>
+          </a:effectRef>
+          <a:fontRef idx="none"/>
+        </p:style>
+        <p:txBody>
+          <a:bodyPr rot="0" spcFirstLastPara="1" vertOverflow="overflow" horzOverflow="overflow" vert="horz" wrap="square" lIns="50800" tIns="50800" rIns="50800" bIns="50800" numCol="1" spcCol="38100" rtlCol="0" anchor="ctr">
+            <a:spAutoFit/>
+          </a:bodyPr>
+          <a:lstStyle/>
+          <a:p>
+            <a:pPr marL="0" marR="0" indent="0" algn="ctr" defTabSz="584200" rtl="0" fontAlgn="auto" latinLnBrk="1" hangingPunct="0">
               <a:lnSpc>
                 <a:spcPct val="100000"/>
               </a:lnSpc>
@@ -2983,28 +3652,16 @@
               </a:spcAft>
               <a:buClrTx/>
               <a:buSzTx/>
-              <a:buFont typeface="Arial"/>
-              <a:buChar char="•"/>
+              <a:buFontTx/>
+              <a:buNone/>
               <a:tabLst/>
             </a:pPr>
-            <a:r>
-              <a:rPr lang="en-US" sz="3600" dirty="0" smtClean="0">
-                <a:solidFill>
-                  <a:schemeClr val="tx1">
-                    <a:lumMod val="75000"/>
-                  </a:schemeClr>
-                </a:solidFill>
-              </a:rPr>
-              <a:t>Have students show improvement in the subject and a deeper understanding of the information  given to them</a:t>
-            </a:r>
             <a:endParaRPr kumimoji="0" lang="en-US" sz="3600" b="0" i="0" u="none" strike="noStrike" cap="none" spc="0" normalizeH="0" baseline="0" dirty="0">
               <a:ln>
                 <a:noFill/>
               </a:ln>
               <a:solidFill>
-                <a:schemeClr val="tx1">
-                  <a:lumMod val="75000"/>
-                </a:schemeClr>
+                <a:srgbClr val="625B48"/>
               </a:solidFill>
               <a:effectLst/>
               <a:uFillTx/>
@@ -3021,7 +3678,14 @@
   <p:clrMapOvr>
     <a:masterClrMapping/>
   </p:clrMapOvr>
-  <p:transition xmlns:p14="http://schemas.microsoft.com/office/powerpoint/2010/main" spd="med"/>
+  <p:transition spd="med"/>
+  <p:timing>
+    <p:tnLst>
+      <p:par>
+        <p:cTn id="1" dur="indefinite" restart="never" nodeType="tmRoot"/>
+      </p:par>
+    </p:tnLst>
+  </p:timing>
 </p:sld>
 </file>
 
@@ -3042,6 +3706,47 @@
           <a:chExt cx="0" cy="0"/>
         </a:xfrm>
       </p:grpSpPr>
+      <p:pic>
+        <p:nvPicPr>
+          <p:cNvPr id="1026" name="Picture 2" descr="http://www.washingtonpost.com/blogs/answer-sheet/files/2013/03/math.jpg"/>
+          <p:cNvPicPr>
+            <a:picLocks noChangeAspect="1" noChangeArrowheads="1"/>
+          </p:cNvPicPr>
+          <p:nvPr/>
+        </p:nvPicPr>
+        <p:blipFill>
+          <a:blip r:embed="rId3">
+            <a:extLst>
+              <a:ext uri="{28A0092B-C50C-407E-A947-70E740481C1C}">
+                <a14:useLocalDpi xmlns:a14="http://schemas.microsoft.com/office/drawing/2010/main" val="0"/>
+              </a:ext>
+            </a:extLst>
+          </a:blip>
+          <a:srcRect/>
+          <a:stretch>
+            <a:fillRect/>
+          </a:stretch>
+        </p:blipFill>
+        <p:spPr bwMode="auto">
+          <a:xfrm>
+            <a:off x="1104900" y="2933700"/>
+            <a:ext cx="5255260" cy="5742940"/>
+          </a:xfrm>
+          <a:prstGeom prst="rect">
+            <a:avLst/>
+          </a:prstGeom>
+          <a:noFill/>
+          <a:extLst>
+            <a:ext uri="{909E8E84-426E-40DD-AFC4-6F175D3DCCD1}">
+              <a14:hiddenFill xmlns:a14="http://schemas.microsoft.com/office/drawing/2010/main">
+                <a:solidFill>
+                  <a:srgbClr val="FFFFFF"/>
+                </a:solidFill>
+              </a14:hiddenFill>
+            </a:ext>
+          </a:extLst>
+        </p:spPr>
+      </p:pic>
       <p:sp>
         <p:nvSpPr>
           <p:cNvPr id="35" name="Shape 35"/>
@@ -3094,277 +3799,14 @@
       </p:sp>
       <p:sp>
         <p:nvSpPr>
-          <p:cNvPr id="36" name="Shape 36"/>
-          <p:cNvSpPr/>
-          <p:nvPr/>
-        </p:nvSpPr>
-        <p:spPr>
-          <a:xfrm>
-            <a:off x="366862" y="2657761"/>
-            <a:ext cx="12291845" cy="6258123"/>
-          </a:xfrm>
-          <a:prstGeom prst="rect">
-            <a:avLst/>
-          </a:prstGeom>
-          <a:ln w="12700">
-            <a:miter lim="400000"/>
-          </a:ln>
-          <a:extLst>
-            <a:ext uri="{C572A759-6A51-4108-AA02-DFA0A04FC94B}">
-              <ma14:wrappingTextBoxFlag xmlns:ma14="http://schemas.microsoft.com/office/mac/drawingml/2011/main" val="1"/>
-            </a:ext>
-          </a:extLst>
-        </p:spPr>
-        <p:txBody>
-          <a:bodyPr lIns="50800" tIns="50800" rIns="50800" bIns="50800">
-            <a:spAutoFit/>
-          </a:bodyPr>
-          <a:lstStyle/>
-          <a:p>
-            <a:pPr marL="423333" lvl="0" indent="-423333">
-              <a:buClr>
-                <a:srgbClr val="9A7865"/>
-              </a:buClr>
-              <a:buSzPct val="80000"/>
-              <a:buFont typeface="Georgia"/>
-              <a:buChar char="•"/>
-              <a:defRPr sz="1800">
-                <a:solidFill>
-                  <a:srgbClr val="000000"/>
-                </a:solidFill>
-              </a:defRPr>
-            </a:pPr>
-            <a:r>
-              <a:rPr lang="en-US" sz="4000" dirty="0" smtClean="0">
-                <a:solidFill>
-                  <a:srgbClr val="625B48"/>
-                </a:solidFill>
-              </a:rPr>
-              <a:t>Math is a complex subject in which many students struggle understanding </a:t>
-            </a:r>
-          </a:p>
-          <a:p>
-            <a:pPr marL="423333" lvl="0" indent="-423333">
-              <a:buClr>
-                <a:srgbClr val="9A7865"/>
-              </a:buClr>
-              <a:buSzPct val="80000"/>
-              <a:buFont typeface="Georgia"/>
-              <a:buChar char="•"/>
-              <a:defRPr sz="1800">
-                <a:solidFill>
-                  <a:srgbClr val="000000"/>
-                </a:solidFill>
-              </a:defRPr>
-            </a:pPr>
-            <a:r>
-              <a:rPr lang="en-US" sz="4000" dirty="0" smtClean="0">
-                <a:solidFill>
-                  <a:srgbClr val="625B48"/>
-                </a:solidFill>
-              </a:rPr>
-              <a:t> </a:t>
-            </a:r>
-            <a:r>
-              <a:rPr sz="4000" dirty="0" smtClean="0">
-                <a:solidFill>
-                  <a:srgbClr val="625B48"/>
-                </a:solidFill>
-              </a:rPr>
-              <a:t>There</a:t>
-            </a:r>
-            <a:r>
-              <a:rPr lang="en-US" sz="4000" dirty="0" smtClean="0">
-                <a:solidFill>
-                  <a:srgbClr val="625B48"/>
-                </a:solidFill>
-              </a:rPr>
-              <a:t> are</a:t>
-            </a:r>
-            <a:r>
-              <a:rPr sz="4000" dirty="0" smtClean="0">
-                <a:solidFill>
-                  <a:srgbClr val="625B48"/>
-                </a:solidFill>
-              </a:rPr>
-              <a:t> </a:t>
-            </a:r>
-            <a:r>
-              <a:rPr sz="4000" dirty="0">
-                <a:solidFill>
-                  <a:srgbClr val="625B48"/>
-                </a:solidFill>
-              </a:rPr>
-              <a:t>not enough </a:t>
-            </a:r>
-            <a:r>
-              <a:rPr sz="4000" dirty="0" smtClean="0">
-                <a:solidFill>
-                  <a:srgbClr val="625B48"/>
-                </a:solidFill>
-              </a:rPr>
-              <a:t>teacher</a:t>
-            </a:r>
-            <a:r>
-              <a:rPr lang="en-US" sz="4000" dirty="0" smtClean="0">
-                <a:solidFill>
-                  <a:srgbClr val="625B48"/>
-                </a:solidFill>
-              </a:rPr>
-              <a:t>s to be able to give students individual attention </a:t>
-            </a:r>
-            <a:endParaRPr dirty="0">
-              <a:solidFill>
-                <a:srgbClr val="625B48"/>
-              </a:solidFill>
-            </a:endParaRPr>
-          </a:p>
-          <a:p>
-            <a:pPr marL="423333" lvl="0" indent="-423333">
-              <a:buClr>
-                <a:srgbClr val="9A7865"/>
-              </a:buClr>
-              <a:buSzPct val="80000"/>
-              <a:buFont typeface="Georgia"/>
-              <a:buChar char="•"/>
-              <a:defRPr sz="1800">
-                <a:solidFill>
-                  <a:srgbClr val="000000"/>
-                </a:solidFill>
-              </a:defRPr>
-            </a:pPr>
-            <a:r>
-              <a:rPr lang="en-US" sz="4000" dirty="0" smtClean="0">
-                <a:solidFill>
-                  <a:srgbClr val="625B48"/>
-                </a:solidFill>
-              </a:rPr>
-              <a:t>The Digital Aristotle would be a free method of individualized tutoring as opposed to the expensive cost of human tutoring</a:t>
-            </a:r>
-          </a:p>
-          <a:p>
-            <a:pPr marL="423333" lvl="0" indent="-423333">
-              <a:buClr>
-                <a:srgbClr val="9A7865"/>
-              </a:buClr>
-              <a:buSzPct val="80000"/>
-              <a:buFont typeface="Georgia"/>
-              <a:buChar char="•"/>
-              <a:defRPr sz="1800">
-                <a:solidFill>
-                  <a:srgbClr val="000000"/>
-                </a:solidFill>
-              </a:defRPr>
-            </a:pPr>
-            <a:r>
-              <a:rPr lang="en-US" sz="4000" dirty="0" smtClean="0">
-                <a:solidFill>
-                  <a:srgbClr val="625B48"/>
-                </a:solidFill>
-              </a:rPr>
-              <a:t>Subject material taught in a classroom is either taught too fast or too slow for students </a:t>
-            </a:r>
-          </a:p>
-          <a:p>
-            <a:pPr marL="423333" lvl="0" indent="-423333">
-              <a:buClr>
-                <a:srgbClr val="9A7865"/>
-              </a:buClr>
-              <a:buSzPct val="80000"/>
-              <a:buFont typeface="Georgia"/>
-              <a:buChar char="•"/>
-              <a:defRPr sz="1800">
-                <a:solidFill>
-                  <a:srgbClr val="000000"/>
-                </a:solidFill>
-              </a:defRPr>
-            </a:pPr>
-            <a:endParaRPr sz="4000" dirty="0">
-              <a:solidFill>
-                <a:srgbClr val="625B48"/>
-              </a:solidFill>
-            </a:endParaRPr>
-          </a:p>
-        </p:txBody>
-      </p:sp>
-    </p:spTree>
-  </p:cSld>
-  <p:clrMapOvr>
-    <a:masterClrMapping/>
-  </p:clrMapOvr>
-  <p:transition xmlns:p14="http://schemas.microsoft.com/office/powerpoint/2010/main" spd="med"/>
-</p:sld>
-</file>
-
-<file path=ppt/slides/slide3.xml><?xml version="1.0" encoding="utf-8"?>
-<p:sld xmlns:a="http://schemas.openxmlformats.org/drawingml/2006/main" xmlns:r="http://schemas.openxmlformats.org/officeDocument/2006/relationships" xmlns:p="http://schemas.openxmlformats.org/presentationml/2006/main">
-  <p:cSld>
-    <p:spTree>
-      <p:nvGrpSpPr>
-        <p:cNvPr id="1" name=""/>
-        <p:cNvGrpSpPr/>
-        <p:nvPr/>
-      </p:nvGrpSpPr>
-      <p:grpSpPr>
-        <a:xfrm>
-          <a:off x="0" y="0"/>
-          <a:ext cx="0" cy="0"/>
-          <a:chOff x="0" y="0"/>
-          <a:chExt cx="0" cy="0"/>
-        </a:xfrm>
-      </p:grpSpPr>
-      <p:sp>
-        <p:nvSpPr>
-          <p:cNvPr id="41" name="Shape 41"/>
-          <p:cNvSpPr>
-            <a:spLocks noGrp="1"/>
-          </p:cNvSpPr>
-          <p:nvPr>
-            <p:ph type="title"/>
-          </p:nvPr>
-        </p:nvSpPr>
-        <p:spPr>
-          <a:prstGeom prst="rect">
-            <a:avLst/>
-          </a:prstGeom>
-        </p:spPr>
-        <p:txBody>
-          <a:bodyPr/>
-          <a:lstStyle/>
-          <a:p>
-            <a:pPr lvl="0">
-              <a:defRPr sz="1800">
-                <a:solidFill>
-                  <a:srgbClr val="000000"/>
-                </a:solidFill>
-              </a:defRPr>
-            </a:pPr>
-            <a:r>
-              <a:rPr lang="en-US" sz="7600" dirty="0" smtClean="0">
-                <a:solidFill>
-                  <a:srgbClr val="85604A"/>
-                </a:solidFill>
-              </a:rPr>
-              <a:t>Importance</a:t>
-            </a:r>
-            <a:endParaRPr sz="7600" dirty="0">
-              <a:solidFill>
-                <a:srgbClr val="85604A"/>
-              </a:solidFill>
-            </a:endParaRPr>
-          </a:p>
-        </p:txBody>
-      </p:sp>
-      <p:sp>
-        <p:nvSpPr>
           <p:cNvPr id="3" name="TextBox 2"/>
           <p:cNvSpPr txBox="1"/>
           <p:nvPr/>
         </p:nvSpPr>
         <p:spPr>
           <a:xfrm>
-            <a:off x="344738" y="3735223"/>
-            <a:ext cx="12229139" cy="2872581"/>
+            <a:off x="6644640" y="2933700"/>
+            <a:ext cx="5974080" cy="3180358"/>
           </a:xfrm>
           <a:prstGeom prst="rect">
             <a:avLst/>
@@ -3394,110 +3836,149 @@
           </a:bodyPr>
           <a:lstStyle/>
           <a:p>
-            <a:pPr marL="423333" lvl="0" indent="-423333">
-              <a:buClr>
-                <a:srgbClr val="9A7865"/>
-              </a:buClr>
-              <a:buSzPct val="80000"/>
-              <a:buFont typeface="Georgia"/>
+            <a:pPr marL="571500" marR="0" indent="-571500" algn="l" defTabSz="584200" rtl="0" fontAlgn="auto" latinLnBrk="1" hangingPunct="0">
+              <a:lnSpc>
+                <a:spcPct val="100000"/>
+              </a:lnSpc>
+              <a:spcBef>
+                <a:spcPts val="0"/>
+              </a:spcBef>
+              <a:spcAft>
+                <a:spcPts val="0"/>
+              </a:spcAft>
+              <a:buClrTx/>
+              <a:buSzTx/>
+              <a:buFont typeface="Arial" panose="020B0604020202020204" pitchFamily="34" charset="0"/>
               <a:buChar char="•"/>
-              <a:defRPr sz="1800">
-                <a:solidFill>
-                  <a:srgbClr val="000000"/>
-                </a:solidFill>
-              </a:defRPr>
-            </a:pPr>
-            <a:r>
-              <a:rPr lang="en-US" sz="3600" dirty="0">
-                <a:solidFill>
-                  <a:schemeClr val="tx1">
-                    <a:lumMod val="75000"/>
-                  </a:schemeClr>
-                </a:solidFill>
+              <a:tabLst/>
+            </a:pPr>
+            <a:r>
+              <a:rPr lang="en-US" dirty="0" smtClean="0"/>
+              <a:t>Math is complex</a:t>
+            </a:r>
+          </a:p>
+          <a:p>
+            <a:pPr marL="571500" marR="0" indent="-571500" algn="l" defTabSz="584200" rtl="0" fontAlgn="auto" latinLnBrk="1" hangingPunct="0">
+              <a:lnSpc>
+                <a:spcPct val="100000"/>
+              </a:lnSpc>
+              <a:spcBef>
+                <a:spcPts val="0"/>
+              </a:spcBef>
+              <a:spcAft>
+                <a:spcPts val="0"/>
+              </a:spcAft>
+              <a:buClrTx/>
+              <a:buSzTx/>
+              <a:buFont typeface="Arial" panose="020B0604020202020204" pitchFamily="34" charset="0"/>
+              <a:buChar char="•"/>
+              <a:tabLst/>
+            </a:pPr>
+            <a:r>
+              <a:rPr kumimoji="0" lang="en-US" sz="4000" b="0" i="0" u="none" strike="noStrike" cap="none" spc="0" normalizeH="0" baseline="0" dirty="0" smtClean="0">
+                <a:ln>
+                  <a:noFill/>
+                </a:ln>
+                <a:solidFill>
+                  <a:srgbClr val="625B48"/>
+                </a:solidFill>
+                <a:effectLst/>
+                <a:uFillTx/>
+                <a:latin typeface="+mn-lt"/>
+                <a:ea typeface="+mn-ea"/>
+                <a:cs typeface="+mn-cs"/>
+                <a:sym typeface="Didot"/>
               </a:rPr>
-              <a:t>A </a:t>
-            </a:r>
-            <a:r>
-              <a:rPr lang="en-US" sz="3600" dirty="0" smtClean="0">
-                <a:solidFill>
-                  <a:schemeClr val="tx1">
-                    <a:lumMod val="75000"/>
-                  </a:schemeClr>
-                </a:solidFill>
+              <a:t>Students</a:t>
+            </a:r>
+            <a:r>
+              <a:rPr kumimoji="0" lang="en-US" sz="4000" b="0" i="0" u="none" strike="noStrike" cap="none" spc="0" normalizeH="0" dirty="0" smtClean="0">
+                <a:ln>
+                  <a:noFill/>
+                </a:ln>
+                <a:solidFill>
+                  <a:srgbClr val="625B48"/>
+                </a:solidFill>
+                <a:effectLst/>
+                <a:uFillTx/>
+                <a:latin typeface="+mn-lt"/>
+                <a:ea typeface="+mn-ea"/>
+                <a:cs typeface="+mn-cs"/>
+                <a:sym typeface="Didot"/>
               </a:rPr>
-              <a:t>greater sense </a:t>
-            </a:r>
-            <a:r>
-              <a:rPr lang="en-US" sz="3600" dirty="0">
-                <a:solidFill>
-                  <a:schemeClr val="tx1">
-                    <a:lumMod val="75000"/>
-                  </a:schemeClr>
-                </a:solidFill>
-              </a:rPr>
-              <a:t>of education creates </a:t>
-            </a:r>
-            <a:r>
-              <a:rPr lang="en-US" sz="3600" dirty="0" smtClean="0">
-                <a:solidFill>
-                  <a:schemeClr val="tx1">
-                    <a:lumMod val="75000"/>
-                  </a:schemeClr>
-                </a:solidFill>
-              </a:rPr>
-              <a:t>more opportunity for success for students in the working world </a:t>
-            </a:r>
-          </a:p>
-          <a:p>
-            <a:pPr lvl="0">
-              <a:buClr>
-                <a:srgbClr val="9A7865"/>
-              </a:buClr>
-              <a:buSzPct val="80000"/>
-              <a:defRPr sz="1800">
-                <a:solidFill>
-                  <a:srgbClr val="000000"/>
-                </a:solidFill>
-              </a:defRPr>
-            </a:pPr>
-            <a:endParaRPr lang="en-US" sz="3600" dirty="0" smtClean="0">
+              <a:t> &gt; Teachers</a:t>
+            </a:r>
+          </a:p>
+          <a:p>
+            <a:pPr marL="571500" marR="0" indent="-571500" algn="l" defTabSz="584200" rtl="0" fontAlgn="auto" latinLnBrk="1" hangingPunct="0">
+              <a:lnSpc>
+                <a:spcPct val="100000"/>
+              </a:lnSpc>
+              <a:spcBef>
+                <a:spcPts val="0"/>
+              </a:spcBef>
+              <a:spcAft>
+                <a:spcPts val="0"/>
+              </a:spcAft>
+              <a:buClrTx/>
+              <a:buSzTx/>
+              <a:buFont typeface="Arial" panose="020B0604020202020204" pitchFamily="34" charset="0"/>
+              <a:buChar char="•"/>
+              <a:tabLst/>
+            </a:pPr>
+            <a:r>
+              <a:rPr lang="en-US" dirty="0" smtClean="0"/>
+              <a:t>Websites are free for   students</a:t>
+            </a:r>
+            <a:endParaRPr kumimoji="0" lang="en-US" sz="4000" b="0" i="0" u="none" strike="noStrike" cap="none" spc="0" normalizeH="0" dirty="0" smtClean="0">
+              <a:ln>
+                <a:noFill/>
+              </a:ln>
               <a:solidFill>
-                <a:schemeClr val="tx1">
-                  <a:lumMod val="75000"/>
-                </a:schemeClr>
+                <a:srgbClr val="625B48"/>
               </a:solidFill>
+              <a:effectLst/>
+              <a:uFillTx/>
+              <a:latin typeface="+mn-lt"/>
+              <a:ea typeface="+mn-ea"/>
+              <a:cs typeface="+mn-cs"/>
+              <a:sym typeface="Didot"/>
             </a:endParaRPr>
           </a:p>
           <a:p>
-            <a:pPr marL="423333" lvl="0" indent="-423333">
-              <a:buClr>
-                <a:srgbClr val="9A7865"/>
-              </a:buClr>
-              <a:buSzPct val="80000"/>
-              <a:buFont typeface="Georgia"/>
+            <a:pPr marL="571500" marR="0" indent="-571500" algn="l" defTabSz="584200" rtl="0" fontAlgn="auto" latinLnBrk="1" hangingPunct="0">
+              <a:lnSpc>
+                <a:spcPct val="100000"/>
+              </a:lnSpc>
+              <a:spcBef>
+                <a:spcPts val="0"/>
+              </a:spcBef>
+              <a:spcAft>
+                <a:spcPts val="0"/>
+              </a:spcAft>
+              <a:buClrTx/>
+              <a:buSzTx/>
+              <a:buFont typeface="Arial" panose="020B0604020202020204" pitchFamily="34" charset="0"/>
               <a:buChar char="•"/>
-              <a:defRPr sz="1800">
-                <a:solidFill>
-                  <a:srgbClr val="000000"/>
-                </a:solidFill>
-              </a:defRPr>
-            </a:pPr>
-            <a:r>
-              <a:rPr lang="en-US" sz="3600" dirty="0" smtClean="0">
-                <a:solidFill>
-                  <a:schemeClr val="tx1">
-                    <a:lumMod val="75000"/>
-                  </a:schemeClr>
-                </a:solidFill>
-              </a:rPr>
-              <a:t>A greater influx of educated people creates a boosted economy and more technological competition </a:t>
-            </a:r>
-            <a:endParaRPr lang="en-US" sz="3600" dirty="0">
+              <a:tabLst/>
+            </a:pPr>
+            <a:r>
+              <a:rPr lang="en-US" baseline="0" dirty="0" smtClean="0"/>
+              <a:t>Pace of taught material</a:t>
+            </a:r>
+            <a:endParaRPr kumimoji="0" lang="en-US" sz="4000" b="0" i="0" u="none" strike="noStrike" cap="none" spc="0" normalizeH="0" baseline="0" dirty="0">
+              <a:ln>
+                <a:noFill/>
+              </a:ln>
               <a:solidFill>
-                <a:schemeClr val="tx1">
-                  <a:lumMod val="75000"/>
-                </a:schemeClr>
+                <a:srgbClr val="625B48"/>
               </a:solidFill>
+              <a:effectLst/>
+              <a:uFillTx/>
+              <a:latin typeface="+mn-lt"/>
+              <a:ea typeface="+mn-ea"/>
+              <a:cs typeface="+mn-cs"/>
+              <a:sym typeface="Didot"/>
             </a:endParaRPr>
           </a:p>
         </p:txBody>
@@ -3507,11 +3988,18 @@
   <p:clrMapOvr>
     <a:masterClrMapping/>
   </p:clrMapOvr>
-  <p:transition xmlns:p14="http://schemas.microsoft.com/office/powerpoint/2010/main" spd="med"/>
+  <p:transition spd="med"/>
+  <p:timing>
+    <p:tnLst>
+      <p:par>
+        <p:cTn id="1" dur="indefinite" restart="never" nodeType="tmRoot"/>
+      </p:par>
+    </p:tnLst>
+  </p:timing>
 </p:sld>
 </file>
 
-<file path=ppt/slides/slide4.xml><?xml version="1.0" encoding="utf-8"?>
+<file path=ppt/slides/slide3.xml><?xml version="1.0" encoding="utf-8"?>
 <p:sld xmlns:a="http://schemas.openxmlformats.org/drawingml/2006/main" xmlns:r="http://schemas.openxmlformats.org/officeDocument/2006/relationships" xmlns:p="http://schemas.openxmlformats.org/presentationml/2006/main">
   <p:cSld>
     <p:spTree>
@@ -3528,9 +4016,50 @@
           <a:chExt cx="0" cy="0"/>
         </a:xfrm>
       </p:grpSpPr>
+      <p:pic>
+        <p:nvPicPr>
+          <p:cNvPr id="2050" name="Picture 2" descr="http://epi-rsc.rsc-cdn.org/globalassets/15-competitions/emerging-technologies/0513-emerging-technologies_shutterstock_f2-1200.jpg?version=1ba8077f&amp;width=1120&amp;format=jpg&amp;quality=70"/>
+          <p:cNvPicPr>
+            <a:picLocks noChangeAspect="1" noChangeArrowheads="1"/>
+          </p:cNvPicPr>
+          <p:nvPr/>
+        </p:nvPicPr>
+        <p:blipFill>
+          <a:blip r:embed="rId3">
+            <a:extLst>
+              <a:ext uri="{28A0092B-C50C-407E-A947-70E740481C1C}">
+                <a14:useLocalDpi xmlns:a14="http://schemas.microsoft.com/office/drawing/2010/main" val="0"/>
+              </a:ext>
+            </a:extLst>
+          </a:blip>
+          <a:srcRect/>
+          <a:stretch>
+            <a:fillRect/>
+          </a:stretch>
+        </p:blipFill>
+        <p:spPr bwMode="auto">
+          <a:xfrm>
+            <a:off x="1104900" y="2933701"/>
+            <a:ext cx="5255260" cy="5742940"/>
+          </a:xfrm>
+          <a:prstGeom prst="rect">
+            <a:avLst/>
+          </a:prstGeom>
+          <a:noFill/>
+          <a:extLst>
+            <a:ext uri="{909E8E84-426E-40DD-AFC4-6F175D3DCCD1}">
+              <a14:hiddenFill xmlns:a14="http://schemas.microsoft.com/office/drawing/2010/main">
+                <a:solidFill>
+                  <a:srgbClr val="FFFFFF"/>
+                </a:solidFill>
+              </a14:hiddenFill>
+            </a:ext>
+          </a:extLst>
+        </p:spPr>
+      </p:pic>
       <p:sp>
         <p:nvSpPr>
-          <p:cNvPr id="44" name="Shape 44"/>
+          <p:cNvPr id="41" name="Shape 41"/>
           <p:cNvSpPr>
             <a:spLocks noGrp="1"/>
           </p:cNvSpPr>
@@ -3560,7 +4089,7 @@
                   <a:srgbClr val="85604A"/>
                 </a:solidFill>
               </a:rPr>
-              <a:t>Digital Aristotle for Us</a:t>
+              <a:t>Importance</a:t>
             </a:r>
             <a:endParaRPr sz="7600" dirty="0">
               <a:solidFill>
@@ -3578,8 +4107,8 @@
         </p:nvSpPr>
         <p:spPr>
           <a:xfrm>
-            <a:off x="485550" y="3567138"/>
-            <a:ext cx="11951997" cy="3980577"/>
+            <a:off x="6543040" y="2933700"/>
+            <a:ext cx="6035040" cy="1949252"/>
           </a:xfrm>
           <a:prstGeom prst="rect">
             <a:avLst/>
@@ -3609,79 +4138,37 @@
           </a:bodyPr>
           <a:lstStyle/>
           <a:p>
-            <a:pPr marL="571500" lvl="0" indent="-571500">
-              <a:buFont typeface="Arial"/>
+            <a:pPr marL="571500" marR="0" indent="-571500" algn="l" defTabSz="584200" rtl="0" fontAlgn="auto" latinLnBrk="1" hangingPunct="0">
+              <a:lnSpc>
+                <a:spcPct val="100000"/>
+              </a:lnSpc>
+              <a:spcBef>
+                <a:spcPts val="0"/>
+              </a:spcBef>
+              <a:spcAft>
+                <a:spcPts val="0"/>
+              </a:spcAft>
+              <a:buClrTx/>
+              <a:buSzTx/>
+              <a:buFont typeface="Arial" panose="020B0604020202020204" pitchFamily="34" charset="0"/>
               <a:buChar char="•"/>
-              <a:defRPr sz="1800">
-                <a:solidFill>
-                  <a:srgbClr val="000000"/>
-                </a:solidFill>
-              </a:defRPr>
-            </a:pPr>
-            <a:r>
-              <a:rPr lang="en-US" sz="3600" dirty="0">
-                <a:solidFill>
-                  <a:schemeClr val="tx1">
-                    <a:lumMod val="75000"/>
-                  </a:schemeClr>
-                </a:solidFill>
-              </a:rPr>
-              <a:t>Math, especially algebra and geometry, are </a:t>
-            </a:r>
-            <a:r>
-              <a:rPr lang="en-US" sz="3600" dirty="0" smtClean="0">
-                <a:solidFill>
-                  <a:schemeClr val="tx1">
-                    <a:lumMod val="75000"/>
-                  </a:schemeClr>
-                </a:solidFill>
-              </a:rPr>
-              <a:t>difficult fields to comprehend when the only method of teaching used is the traditional classroom method</a:t>
-            </a:r>
-          </a:p>
-          <a:p>
-            <a:pPr lvl="0">
-              <a:defRPr sz="1800">
-                <a:solidFill>
-                  <a:srgbClr val="000000"/>
-                </a:solidFill>
-              </a:defRPr>
-            </a:pPr>
-            <a:endParaRPr lang="en-US" sz="3600" dirty="0" smtClean="0">
-              <a:solidFill>
-                <a:schemeClr val="tx1">
-                  <a:lumMod val="75000"/>
-                </a:schemeClr>
-              </a:solidFill>
-            </a:endParaRPr>
-          </a:p>
-          <a:p>
-            <a:pPr marL="571500" lvl="0" indent="-571500">
-              <a:buFont typeface="Arial"/>
+              <a:tabLst/>
+            </a:pPr>
+            <a:r>
+              <a:rPr lang="en-US" dirty="0" smtClean="0"/>
+              <a:t>Opportunity for success</a:t>
+            </a:r>
+            <a:endParaRPr lang="en-US" dirty="0"/>
+          </a:p>
+          <a:p>
+            <a:pPr marL="571500" lvl="5" indent="-571500" algn="l" rtl="0" latinLnBrk="1" hangingPunct="0">
+              <a:buFont typeface="Arial" panose="020B0604020202020204" pitchFamily="34" charset="0"/>
               <a:buChar char="•"/>
-              <a:defRPr sz="1800">
-                <a:solidFill>
-                  <a:srgbClr val="000000"/>
-                </a:solidFill>
-              </a:defRPr>
-            </a:pPr>
-            <a:r>
-              <a:rPr lang="en-US" sz="3600" dirty="0" smtClean="0">
-                <a:solidFill>
-                  <a:schemeClr val="tx1">
-                    <a:lumMod val="75000"/>
-                  </a:schemeClr>
-                </a:solidFill>
-              </a:rPr>
-              <a:t>The traditional teaching method does not give students individualization required to fully understand these fields.</a:t>
-            </a:r>
-            <a:endParaRPr lang="en-US" sz="3600" dirty="0">
-              <a:solidFill>
-                <a:schemeClr val="tx1">
-                  <a:lumMod val="75000"/>
-                </a:schemeClr>
-              </a:solidFill>
-            </a:endParaRPr>
+            </a:pPr>
+            <a:r>
+              <a:rPr lang="en-US" dirty="0" smtClean="0"/>
+              <a:t>More Technological     competition</a:t>
+            </a:r>
           </a:p>
         </p:txBody>
       </p:sp>
@@ -3690,7 +4177,214 @@
   <p:clrMapOvr>
     <a:masterClrMapping/>
   </p:clrMapOvr>
-  <p:transition xmlns:p14="http://schemas.microsoft.com/office/powerpoint/2010/main" spd="med"/>
+  <p:transition spd="med"/>
+  <p:timing>
+    <p:tnLst>
+      <p:par>
+        <p:cTn id="1" dur="indefinite" restart="never" nodeType="tmRoot"/>
+      </p:par>
+    </p:tnLst>
+  </p:timing>
+</p:sld>
+</file>
+
+<file path=ppt/slides/slide4.xml><?xml version="1.0" encoding="utf-8"?>
+<p:sld xmlns:a="http://schemas.openxmlformats.org/drawingml/2006/main" xmlns:r="http://schemas.openxmlformats.org/officeDocument/2006/relationships" xmlns:p="http://schemas.openxmlformats.org/presentationml/2006/main">
+  <p:cSld>
+    <p:spTree>
+      <p:nvGrpSpPr>
+        <p:cNvPr id="1" name=""/>
+        <p:cNvGrpSpPr/>
+        <p:nvPr/>
+      </p:nvGrpSpPr>
+      <p:grpSpPr>
+        <a:xfrm>
+          <a:off x="0" y="0"/>
+          <a:ext cx="0" cy="0"/>
+          <a:chOff x="0" y="0"/>
+          <a:chExt cx="0" cy="0"/>
+        </a:xfrm>
+      </p:grpSpPr>
+      <p:pic>
+        <p:nvPicPr>
+          <p:cNvPr id="3074" name="Picture 2" descr="http://ged578.pbworks.com/f/1303980483/General_Classroom_6.jpg"/>
+          <p:cNvPicPr>
+            <a:picLocks noChangeAspect="1" noChangeArrowheads="1"/>
+          </p:cNvPicPr>
+          <p:nvPr/>
+        </p:nvPicPr>
+        <p:blipFill>
+          <a:blip r:embed="rId3">
+            <a:extLst>
+              <a:ext uri="{28A0092B-C50C-407E-A947-70E740481C1C}">
+                <a14:useLocalDpi xmlns:a14="http://schemas.microsoft.com/office/drawing/2010/main" val="0"/>
+              </a:ext>
+            </a:extLst>
+          </a:blip>
+          <a:srcRect/>
+          <a:stretch>
+            <a:fillRect/>
+          </a:stretch>
+        </p:blipFill>
+        <p:spPr bwMode="auto">
+          <a:xfrm>
+            <a:off x="1104900" y="2933700"/>
+            <a:ext cx="5255260" cy="5742940"/>
+          </a:xfrm>
+          <a:prstGeom prst="rect">
+            <a:avLst/>
+          </a:prstGeom>
+          <a:noFill/>
+          <a:extLst>
+            <a:ext uri="{909E8E84-426E-40DD-AFC4-6F175D3DCCD1}">
+              <a14:hiddenFill xmlns:a14="http://schemas.microsoft.com/office/drawing/2010/main">
+                <a:solidFill>
+                  <a:srgbClr val="FFFFFF"/>
+                </a:solidFill>
+              </a14:hiddenFill>
+            </a:ext>
+          </a:extLst>
+        </p:spPr>
+      </p:pic>
+      <p:sp>
+        <p:nvSpPr>
+          <p:cNvPr id="44" name="Shape 44"/>
+          <p:cNvSpPr>
+            <a:spLocks noGrp="1"/>
+          </p:cNvSpPr>
+          <p:nvPr>
+            <p:ph type="title"/>
+          </p:nvPr>
+        </p:nvSpPr>
+        <p:spPr>
+          <a:prstGeom prst="rect">
+            <a:avLst/>
+          </a:prstGeom>
+        </p:spPr>
+        <p:txBody>
+          <a:bodyPr/>
+          <a:lstStyle/>
+          <a:p>
+            <a:pPr lvl="0">
+              <a:defRPr sz="1800">
+                <a:solidFill>
+                  <a:srgbClr val="000000"/>
+                </a:solidFill>
+              </a:defRPr>
+            </a:pPr>
+            <a:r>
+              <a:rPr lang="en-US" sz="7600" dirty="0" smtClean="0">
+                <a:solidFill>
+                  <a:srgbClr val="85604A"/>
+                </a:solidFill>
+              </a:rPr>
+              <a:t>Digital Aristotle for Us</a:t>
+            </a:r>
+            <a:endParaRPr sz="7600" dirty="0">
+              <a:solidFill>
+                <a:srgbClr val="85604A"/>
+              </a:solidFill>
+            </a:endParaRPr>
+          </a:p>
+        </p:txBody>
+      </p:sp>
+      <p:sp>
+        <p:nvSpPr>
+          <p:cNvPr id="6" name="TextBox 5"/>
+          <p:cNvSpPr txBox="1"/>
+          <p:nvPr/>
+        </p:nvSpPr>
+        <p:spPr>
+          <a:xfrm>
+            <a:off x="6502400" y="2933700"/>
+            <a:ext cx="6421120" cy="2564805"/>
+          </a:xfrm>
+          <a:prstGeom prst="rect">
+            <a:avLst/>
+          </a:prstGeom>
+          <a:noFill/>
+          <a:ln w="12700" cap="flat">
+            <a:noFill/>
+            <a:miter lim="400000"/>
+          </a:ln>
+          <a:effectLst/>
+        </p:spPr>
+        <p:style>
+          <a:lnRef idx="0">
+            <a:scrgbClr r="0" g="0" b="0"/>
+          </a:lnRef>
+          <a:fillRef idx="0">
+            <a:scrgbClr r="0" g="0" b="0"/>
+          </a:fillRef>
+          <a:effectRef idx="0">
+            <a:scrgbClr r="0" g="0" b="0"/>
+          </a:effectRef>
+          <a:fontRef idx="none"/>
+        </p:style>
+        <p:txBody>
+          <a:bodyPr rot="0" spcFirstLastPara="1" vertOverflow="overflow" horzOverflow="overflow" vert="horz" wrap="square" lIns="50800" tIns="50800" rIns="50800" bIns="50800" numCol="1" spcCol="38100" rtlCol="0" anchor="t">
+            <a:spAutoFit/>
+          </a:bodyPr>
+          <a:lstStyle/>
+          <a:p>
+            <a:pPr marL="571500" marR="0" indent="-571500" algn="l" defTabSz="584200" rtl="0" fontAlgn="auto" latinLnBrk="1" hangingPunct="0">
+              <a:lnSpc>
+                <a:spcPct val="100000"/>
+              </a:lnSpc>
+              <a:spcBef>
+                <a:spcPts val="0"/>
+              </a:spcBef>
+              <a:spcAft>
+                <a:spcPts val="0"/>
+              </a:spcAft>
+              <a:buClrTx/>
+              <a:buSzTx/>
+              <a:buFont typeface="Arial" panose="020B0604020202020204" pitchFamily="34" charset="0"/>
+              <a:buChar char="•"/>
+              <a:tabLst/>
+            </a:pPr>
+            <a:r>
+              <a:rPr lang="en-US" dirty="0" smtClean="0"/>
+              <a:t>The only method is of      the traditional classroom</a:t>
+            </a:r>
+          </a:p>
+          <a:p>
+            <a:pPr marL="571500" marR="0" indent="-571500" algn="l" defTabSz="584200" rtl="0" fontAlgn="auto" latinLnBrk="1" hangingPunct="0">
+              <a:lnSpc>
+                <a:spcPct val="100000"/>
+              </a:lnSpc>
+              <a:spcBef>
+                <a:spcPts val="0"/>
+              </a:spcBef>
+              <a:spcAft>
+                <a:spcPts val="0"/>
+              </a:spcAft>
+              <a:buClrTx/>
+              <a:buSzTx/>
+              <a:buFont typeface="Arial" panose="020B0604020202020204" pitchFamily="34" charset="0"/>
+              <a:buChar char="•"/>
+              <a:tabLst/>
+            </a:pPr>
+            <a:r>
+              <a:rPr lang="en-US" dirty="0" smtClean="0"/>
+              <a:t>Not a lot of individual      attention </a:t>
+            </a:r>
+          </a:p>
+        </p:txBody>
+      </p:sp>
+    </p:spTree>
+  </p:cSld>
+  <p:clrMapOvr>
+    <a:masterClrMapping/>
+  </p:clrMapOvr>
+  <p:transition spd="med"/>
+  <p:timing>
+    <p:tnLst>
+      <p:par>
+        <p:cTn id="1" dur="indefinite" restart="never" nodeType="tmRoot"/>
+      </p:par>
+    </p:tnLst>
+  </p:timing>
 </p:sld>
 </file>
 
@@ -3753,16 +4447,181 @@
           </a:p>
         </p:txBody>
       </p:sp>
+      <p:pic>
+        <p:nvPicPr>
+          <p:cNvPr id="3" name="Picture 2"/>
+          <p:cNvPicPr>
+            <a:picLocks noChangeAspect="1"/>
+          </p:cNvPicPr>
+          <p:nvPr/>
+        </p:nvPicPr>
+        <p:blipFill rotWithShape="1">
+          <a:blip r:embed="rId3">
+            <a:extLst>
+              <a:ext uri="{28A0092B-C50C-407E-A947-70E740481C1C}">
+                <a14:useLocalDpi xmlns:a14="http://schemas.microsoft.com/office/drawing/2010/main" val="0"/>
+              </a:ext>
+            </a:extLst>
+          </a:blip>
+          <a:srcRect l="-1" r="655"/>
+          <a:stretch/>
+        </p:blipFill>
+        <p:spPr>
+          <a:xfrm>
+            <a:off x="901700" y="2933700"/>
+            <a:ext cx="11201400" cy="5695950"/>
+          </a:xfrm>
+          <a:prstGeom prst="rect">
+            <a:avLst/>
+          </a:prstGeom>
+        </p:spPr>
+      </p:pic>
+    </p:spTree>
+  </p:cSld>
+  <p:clrMapOvr>
+    <a:masterClrMapping/>
+  </p:clrMapOvr>
+  <p:transition spd="med"/>
+  <p:timing>
+    <p:tnLst>
+      <p:par>
+        <p:cTn id="1" dur="indefinite" restart="never" nodeType="tmRoot"/>
+      </p:par>
+    </p:tnLst>
+  </p:timing>
+</p:sld>
+</file>
+
+<file path=ppt/slides/slide6.xml><?xml version="1.0" encoding="utf-8"?>
+<p:sld xmlns:a="http://schemas.openxmlformats.org/drawingml/2006/main" xmlns:r="http://schemas.openxmlformats.org/officeDocument/2006/relationships" xmlns:p="http://schemas.openxmlformats.org/presentationml/2006/main">
+  <p:cSld>
+    <p:spTree>
+      <p:nvGrpSpPr>
+        <p:cNvPr id="1" name=""/>
+        <p:cNvGrpSpPr/>
+        <p:nvPr/>
+      </p:nvGrpSpPr>
+      <p:grpSpPr>
+        <a:xfrm>
+          <a:off x="0" y="0"/>
+          <a:ext cx="0" cy="0"/>
+          <a:chOff x="0" y="0"/>
+          <a:chExt cx="0" cy="0"/>
+        </a:xfrm>
+      </p:grpSpPr>
       <p:sp>
         <p:nvSpPr>
-          <p:cNvPr id="2" name="TextBox 1"/>
+          <p:cNvPr id="2" name="Title 1"/>
+          <p:cNvSpPr>
+            <a:spLocks noGrp="1"/>
+          </p:cNvSpPr>
+          <p:nvPr>
+            <p:ph type="title"/>
+          </p:nvPr>
+        </p:nvSpPr>
+        <p:spPr/>
+        <p:txBody>
+          <a:bodyPr/>
+          <a:lstStyle/>
+          <a:p>
+            <a:r>
+              <a:rPr lang="en-US" dirty="0" smtClean="0"/>
+              <a:t>Methods: </a:t>
+            </a:r>
+            <a:r>
+              <a:rPr lang="en-US" i="1" dirty="0" smtClean="0"/>
+              <a:t>The User</a:t>
+            </a:r>
+            <a:endParaRPr lang="en-US" i="1" dirty="0"/>
+          </a:p>
+        </p:txBody>
+      </p:sp>
+      <p:sp>
+        <p:nvSpPr>
+          <p:cNvPr id="6" name="Rectangle 5"/>
+          <p:cNvSpPr/>
+          <p:nvPr/>
+        </p:nvSpPr>
+        <p:spPr>
+          <a:xfrm>
+            <a:off x="1104900" y="2933700"/>
+            <a:ext cx="5255260" cy="5742940"/>
+          </a:xfrm>
+          <a:prstGeom prst="rect">
+            <a:avLst/>
+          </a:prstGeom>
+          <a:blipFill rotWithShape="1">
+            <a:blip r:embed="rId2"/>
+            <a:srcRect/>
+            <a:tile tx="0" ty="0" sx="100000" sy="100000" flip="none" algn="tl"/>
+          </a:blipFill>
+          <a:ln w="12700" cap="flat">
+            <a:noFill/>
+            <a:miter lim="400000"/>
+          </a:ln>
+          <a:effectLst/>
+        </p:spPr>
+        <p:style>
+          <a:lnRef idx="0">
+            <a:scrgbClr r="0" g="0" b="0"/>
+          </a:lnRef>
+          <a:fillRef idx="0">
+            <a:scrgbClr r="0" g="0" b="0"/>
+          </a:fillRef>
+          <a:effectRef idx="0">
+            <a:scrgbClr r="0" g="0" b="0"/>
+          </a:effectRef>
+          <a:fontRef idx="none"/>
+        </p:style>
+        <p:txBody>
+          <a:bodyPr rot="0" spcFirstLastPara="1" vertOverflow="overflow" horzOverflow="overflow" vert="horz" wrap="square" lIns="50800" tIns="50800" rIns="50800" bIns="50800" numCol="1" spcCol="38100" rtlCol="0" anchor="ctr">
+            <a:spAutoFit/>
+          </a:bodyPr>
+          <a:lstStyle/>
+          <a:p>
+            <a:pPr marL="0" marR="0" indent="0" algn="ctr" defTabSz="584200" rtl="0" fontAlgn="auto" latinLnBrk="1" hangingPunct="0">
+              <a:lnSpc>
+                <a:spcPct val="100000"/>
+              </a:lnSpc>
+              <a:spcBef>
+                <a:spcPts val="0"/>
+              </a:spcBef>
+              <a:spcAft>
+                <a:spcPts val="0"/>
+              </a:spcAft>
+              <a:buClrTx/>
+              <a:buSzTx/>
+              <a:buFontTx/>
+              <a:buNone/>
+              <a:tabLst/>
+            </a:pPr>
+            <a:endParaRPr kumimoji="0" lang="en-US" sz="3600" b="0" i="0" u="none" strike="noStrike" cap="none" spc="0" normalizeH="0" baseline="0" dirty="0">
+              <a:ln>
+                <a:noFill/>
+              </a:ln>
+              <a:solidFill>
+                <a:srgbClr val="625B48"/>
+              </a:solidFill>
+              <a:effectLst/>
+              <a:uFillTx/>
+              <a:latin typeface="+mn-lt"/>
+              <a:ea typeface="+mn-ea"/>
+              <a:cs typeface="+mn-cs"/>
+              <a:sym typeface="Didot"/>
+            </a:endParaRPr>
+          </a:p>
+        </p:txBody>
+      </p:sp>
+      <p:sp>
+        <p:nvSpPr>
+          <p:cNvPr id="7" name="TextBox 6"/>
           <p:cNvSpPr txBox="1"/>
           <p:nvPr/>
         </p:nvSpPr>
         <p:spPr>
           <a:xfrm>
-            <a:off x="489891" y="2933700"/>
-            <a:ext cx="11938833" cy="6196569"/>
+            <a:off x="6360160" y="2933700"/>
+            <a:ext cx="6563360" cy="1949252"/>
           </a:xfrm>
           <a:prstGeom prst="rect">
             <a:avLst/>
@@ -3792,265 +4651,65 @@
           </a:bodyPr>
           <a:lstStyle/>
           <a:p>
-            <a:pPr marL="423333" lvl="0" indent="-423333" algn="l">
-              <a:buClr>
-                <a:srgbClr val="9A7865"/>
-              </a:buClr>
-              <a:buSzPct val="80000"/>
-              <a:buFont typeface="Georgia"/>
+            <a:pPr marL="571500" marR="0" indent="-571500" algn="l" defTabSz="584200" rtl="0" fontAlgn="auto" latinLnBrk="1" hangingPunct="0">
+              <a:lnSpc>
+                <a:spcPct val="100000"/>
+              </a:lnSpc>
+              <a:spcBef>
+                <a:spcPts val="0"/>
+              </a:spcBef>
+              <a:spcAft>
+                <a:spcPts val="0"/>
+              </a:spcAft>
+              <a:buClrTx/>
+              <a:buSzTx/>
+              <a:buFont typeface="Arial" panose="020B0604020202020204" pitchFamily="34" charset="0"/>
               <a:buChar char="•"/>
-              <a:defRPr sz="1800">
-                <a:solidFill>
-                  <a:srgbClr val="000000"/>
-                </a:solidFill>
-              </a:defRPr>
-            </a:pPr>
-            <a:r>
-              <a:rPr lang="en-US" sz="3600" dirty="0" smtClean="0">
-                <a:solidFill>
-                  <a:schemeClr val="tx1">
-                    <a:lumMod val="75000"/>
-                  </a:schemeClr>
-                </a:solidFill>
-              </a:rPr>
-              <a:t>First Year:</a:t>
-            </a:r>
-            <a:endParaRPr lang="en-US" sz="3600" dirty="0">
-              <a:solidFill>
-                <a:schemeClr val="tx1">
-                  <a:lumMod val="75000"/>
-                </a:schemeClr>
-              </a:solidFill>
-            </a:endParaRPr>
-          </a:p>
-          <a:p>
-            <a:pPr marL="423333" lvl="0" indent="-423333">
-              <a:buClr>
-                <a:srgbClr val="9A7865"/>
-              </a:buClr>
-              <a:buSzPct val="80000"/>
-              <a:buFont typeface="Georgia"/>
+              <a:tabLst/>
+            </a:pPr>
+            <a:r>
+              <a:rPr lang="en-US" dirty="0" smtClean="0"/>
+              <a:t>Webpage </a:t>
+            </a:r>
+          </a:p>
+          <a:p>
+            <a:pPr lvl="2" indent="0" algn="l" rtl="0" latinLnBrk="1" hangingPunct="0"/>
+            <a:r>
+              <a:rPr lang="en-US" dirty="0" smtClean="0"/>
+              <a:t>      - Search Bar</a:t>
+            </a:r>
+          </a:p>
+          <a:p>
+            <a:pPr marL="571500" lvl="2" indent="-571500" algn="l" rtl="0" latinLnBrk="1" hangingPunct="0">
+              <a:buFont typeface="Arial" panose="020B0604020202020204" pitchFamily="34" charset="0"/>
               <a:buChar char="•"/>
-              <a:defRPr sz="1800">
-                <a:solidFill>
-                  <a:srgbClr val="000000"/>
-                </a:solidFill>
-              </a:defRPr>
-            </a:pPr>
-            <a:r>
-              <a:rPr lang="en-US" sz="3600" dirty="0" smtClean="0">
-                <a:solidFill>
-                  <a:schemeClr val="tx1">
-                    <a:lumMod val="75000"/>
-                  </a:schemeClr>
-                </a:solidFill>
-              </a:rPr>
-              <a:t>Create </a:t>
-            </a:r>
-            <a:r>
-              <a:rPr lang="en-US" sz="3600" dirty="0">
-                <a:solidFill>
-                  <a:schemeClr val="tx1">
-                    <a:lumMod val="75000"/>
-                  </a:schemeClr>
-                </a:solidFill>
-              </a:rPr>
-              <a:t>search engine capable of looking though knowledge </a:t>
-            </a:r>
-            <a:r>
-              <a:rPr lang="en-US" sz="3600" dirty="0" smtClean="0">
-                <a:solidFill>
-                  <a:schemeClr val="tx1">
-                    <a:lumMod val="75000"/>
-                  </a:schemeClr>
-                </a:solidFill>
-              </a:rPr>
-              <a:t>database with a plethora of information</a:t>
-            </a:r>
-          </a:p>
-          <a:p>
-            <a:pPr marL="423333" lvl="0" indent="-423333" algn="l">
-              <a:buClr>
-                <a:srgbClr val="9A7865"/>
-              </a:buClr>
-              <a:buSzPct val="80000"/>
-              <a:buFont typeface="Georgia"/>
-              <a:buChar char="•"/>
-              <a:defRPr sz="1800">
-                <a:solidFill>
-                  <a:srgbClr val="000000"/>
-                </a:solidFill>
-              </a:defRPr>
-            </a:pPr>
-            <a:r>
-              <a:rPr lang="en-US" sz="3600" dirty="0" smtClean="0">
-                <a:solidFill>
-                  <a:schemeClr val="tx1">
-                    <a:lumMod val="75000"/>
-                  </a:schemeClr>
-                </a:solidFill>
-              </a:rPr>
-              <a:t>Second Year:</a:t>
-            </a:r>
-            <a:endParaRPr lang="en-US" sz="3600" dirty="0">
-              <a:solidFill>
-                <a:schemeClr val="tx1">
-                  <a:lumMod val="75000"/>
-                </a:schemeClr>
-              </a:solidFill>
-            </a:endParaRPr>
-          </a:p>
-          <a:p>
-            <a:pPr marL="423333" lvl="0" indent="-423333">
-              <a:buClr>
-                <a:srgbClr val="9A7865"/>
-              </a:buClr>
-              <a:buSzPct val="80000"/>
-              <a:buFont typeface="Georgia"/>
-              <a:buChar char="•"/>
-              <a:defRPr sz="1800">
-                <a:solidFill>
-                  <a:srgbClr val="000000"/>
-                </a:solidFill>
-              </a:defRPr>
-            </a:pPr>
-            <a:r>
-              <a:rPr lang="en-US" sz="3600" dirty="0" smtClean="0">
-                <a:solidFill>
-                  <a:schemeClr val="tx1">
-                    <a:lumMod val="75000"/>
-                  </a:schemeClr>
-                </a:solidFill>
-              </a:rPr>
-              <a:t>Add Interactive elements such as tests, homework, and practice problems </a:t>
-            </a:r>
-          </a:p>
-          <a:p>
-            <a:pPr marL="423333" lvl="0" indent="-423333" algn="l">
-              <a:buClr>
-                <a:srgbClr val="9A7865"/>
-              </a:buClr>
-              <a:buSzPct val="80000"/>
-              <a:buFont typeface="Georgia"/>
-              <a:buChar char="•"/>
-              <a:defRPr sz="1800">
-                <a:solidFill>
-                  <a:srgbClr val="000000"/>
-                </a:solidFill>
-              </a:defRPr>
-            </a:pPr>
-            <a:r>
-              <a:rPr lang="en-US" sz="3600" dirty="0" smtClean="0">
-                <a:solidFill>
-                  <a:schemeClr val="tx1">
-                    <a:lumMod val="75000"/>
-                  </a:schemeClr>
-                </a:solidFill>
-              </a:rPr>
-              <a:t>Third Year:</a:t>
-            </a:r>
-          </a:p>
-          <a:p>
-            <a:pPr marL="423333" lvl="0" indent="-423333">
-              <a:buClr>
-                <a:srgbClr val="9A7865"/>
-              </a:buClr>
-              <a:buSzPct val="80000"/>
-              <a:buFont typeface="Georgia"/>
-              <a:buChar char="•"/>
-              <a:defRPr sz="1800">
-                <a:solidFill>
-                  <a:srgbClr val="000000"/>
-                </a:solidFill>
-              </a:defRPr>
-            </a:pPr>
-            <a:r>
-              <a:rPr lang="en-US" sz="3600" dirty="0" smtClean="0">
-                <a:solidFill>
-                  <a:schemeClr val="tx1">
-                    <a:lumMod val="75000"/>
-                  </a:schemeClr>
-                </a:solidFill>
-              </a:rPr>
-              <a:t>Add individualization through test, homework, practice, etc. </a:t>
-            </a:r>
-          </a:p>
-          <a:p>
-            <a:pPr marL="423333" lvl="0" indent="-423333" algn="l">
-              <a:buClr>
-                <a:srgbClr val="9A7865"/>
-              </a:buClr>
-              <a:buSzPct val="80000"/>
-              <a:buFont typeface="Georgia"/>
-              <a:buChar char="•"/>
-              <a:defRPr sz="1800">
-                <a:solidFill>
-                  <a:srgbClr val="000000"/>
-                </a:solidFill>
-              </a:defRPr>
-            </a:pPr>
-            <a:r>
-              <a:rPr lang="en-US" sz="3600" dirty="0" smtClean="0">
-                <a:solidFill>
-                  <a:schemeClr val="tx1">
-                    <a:lumMod val="75000"/>
-                  </a:schemeClr>
-                </a:solidFill>
-              </a:rPr>
-              <a:t>Fourth Year:</a:t>
-            </a:r>
-            <a:endParaRPr lang="en-US" sz="3600" dirty="0">
-              <a:solidFill>
-                <a:schemeClr val="tx1">
-                  <a:lumMod val="75000"/>
-                </a:schemeClr>
-              </a:solidFill>
-            </a:endParaRPr>
-          </a:p>
-          <a:p>
-            <a:pPr marL="423333" lvl="0" indent="-423333">
-              <a:buClr>
-                <a:srgbClr val="9A7865"/>
-              </a:buClr>
-              <a:buSzPct val="80000"/>
-              <a:buFont typeface="Georgia"/>
-              <a:buChar char="•"/>
-              <a:defRPr sz="1800">
-                <a:solidFill>
-                  <a:srgbClr val="000000"/>
-                </a:solidFill>
-              </a:defRPr>
-            </a:pPr>
-            <a:r>
-              <a:rPr lang="en-US" sz="3600" dirty="0" smtClean="0">
-                <a:solidFill>
-                  <a:schemeClr val="tx1">
-                    <a:lumMod val="75000"/>
-                  </a:schemeClr>
-                </a:solidFill>
-              </a:rPr>
-              <a:t>Create a way for students to receive lectures </a:t>
-            </a:r>
-            <a:endParaRPr lang="en-US" sz="3600" dirty="0">
-              <a:solidFill>
-                <a:schemeClr val="tx1">
-                  <a:lumMod val="75000"/>
-                </a:schemeClr>
-              </a:solidFill>
-            </a:endParaRPr>
+            </a:pPr>
+            <a:endParaRPr lang="en-US" dirty="0" smtClean="0"/>
           </a:p>
         </p:txBody>
       </p:sp>
     </p:spTree>
+    <p:extLst>
+      <p:ext uri="{BB962C8B-B14F-4D97-AF65-F5344CB8AC3E}">
+        <p14:creationId xmlns:p14="http://schemas.microsoft.com/office/powerpoint/2010/main" val="567599039"/>
+      </p:ext>
+    </p:extLst>
   </p:cSld>
   <p:clrMapOvr>
     <a:masterClrMapping/>
   </p:clrMapOvr>
-  <p:transition xmlns:p14="http://schemas.microsoft.com/office/powerpoint/2010/main" spd="med"/>
+  <p:transition spd="med"/>
+  <p:timing>
+    <p:tnLst>
+      <p:par>
+        <p:cTn id="1" dur="indefinite" restart="never" nodeType="tmRoot"/>
+      </p:par>
+    </p:tnLst>
+  </p:timing>
 </p:sld>
 </file>
 
-<file path=ppt/slides/slide6.xml><?xml version="1.0" encoding="utf-8"?>
+<file path=ppt/slides/slide7.xml><?xml version="1.0" encoding="utf-8"?>
 <p:sld xmlns:a="http://schemas.openxmlformats.org/drawingml/2006/main" xmlns:r="http://schemas.openxmlformats.org/officeDocument/2006/relationships" xmlns:p="http://schemas.openxmlformats.org/presentationml/2006/main">
   <p:cSld>
     <p:spTree>
@@ -4069,7 +4728,7 @@
       </p:grpSpPr>
       <p:sp>
         <p:nvSpPr>
-          <p:cNvPr id="53" name="Shape 53"/>
+          <p:cNvPr id="2" name="Title 1"/>
           <p:cNvSpPr>
             <a:spLocks noGrp="1"/>
           </p:cNvSpPr>
@@ -4077,48 +4736,109 @@
             <p:ph type="title"/>
           </p:nvPr>
         </p:nvSpPr>
-        <p:spPr>
-          <a:prstGeom prst="rect">
-            <a:avLst/>
-          </a:prstGeom>
-        </p:spPr>
+        <p:spPr/>
         <p:txBody>
           <a:bodyPr/>
           <a:lstStyle/>
           <a:p>
-            <a:pPr lvl="0">
-              <a:defRPr sz="1800">
-                <a:solidFill>
-                  <a:srgbClr val="000000"/>
-                </a:solidFill>
-              </a:defRPr>
-            </a:pPr>
-            <a:r>
-              <a:rPr lang="en-US" sz="7600" dirty="0" smtClean="0">
-                <a:solidFill>
-                  <a:srgbClr val="85604A"/>
-                </a:solidFill>
-              </a:rPr>
-              <a:t>First Year</a:t>
-            </a:r>
-            <a:endParaRPr sz="7600" dirty="0">
-              <a:solidFill>
-                <a:srgbClr val="85604A"/>
-              </a:solidFill>
-            </a:endParaRPr>
+            <a:r>
+              <a:rPr lang="en-US" dirty="0" smtClean="0"/>
+              <a:t>Methods: </a:t>
+            </a:r>
+            <a:r>
+              <a:rPr lang="en-US" i="1" dirty="0" smtClean="0"/>
+              <a:t>The Server</a:t>
+            </a:r>
+            <a:endParaRPr lang="en-US" i="1" dirty="0"/>
           </a:p>
         </p:txBody>
       </p:sp>
       <p:sp>
         <p:nvSpPr>
-          <p:cNvPr id="2" name="TextBox 1"/>
+          <p:cNvPr id="4" name="Rectangle 3"/>
+          <p:cNvSpPr/>
+          <p:nvPr/>
+        </p:nvSpPr>
+        <p:spPr>
+          <a:xfrm>
+            <a:off x="1104900" y="2933700"/>
+            <a:ext cx="5255260" cy="5742940"/>
+          </a:xfrm>
+          <a:prstGeom prst="rect">
+            <a:avLst/>
+          </a:prstGeom>
+          <a:blipFill rotWithShape="1">
+            <a:blip r:embed="rId2"/>
+            <a:srcRect/>
+            <a:tile tx="0" ty="0" sx="100000" sy="100000" flip="none" algn="tl"/>
+          </a:blipFill>
+          <a:ln w="12700" cap="flat">
+            <a:noFill/>
+            <a:miter lim="400000"/>
+          </a:ln>
+          <a:effectLst/>
+        </p:spPr>
+        <p:style>
+          <a:lnRef idx="0">
+            <a:scrgbClr r="0" g="0" b="0"/>
+          </a:lnRef>
+          <a:fillRef idx="0">
+            <a:scrgbClr r="0" g="0" b="0"/>
+          </a:fillRef>
+          <a:effectRef idx="0">
+            <a:scrgbClr r="0" g="0" b="0"/>
+          </a:effectRef>
+          <a:fontRef idx="none"/>
+        </p:style>
+        <p:txBody>
+          <a:bodyPr rot="0" spcFirstLastPara="1" vertOverflow="overflow" horzOverflow="overflow" vert="horz" wrap="square" lIns="50800" tIns="50800" rIns="50800" bIns="50800" numCol="1" spcCol="38100" rtlCol="0" anchor="ctr">
+            <a:spAutoFit/>
+          </a:bodyPr>
+          <a:lstStyle/>
+          <a:p>
+            <a:pPr marL="0" marR="0" indent="0" algn="ctr" defTabSz="584200" rtl="0" fontAlgn="auto" latinLnBrk="1" hangingPunct="0">
+              <a:lnSpc>
+                <a:spcPct val="100000"/>
+              </a:lnSpc>
+              <a:spcBef>
+                <a:spcPts val="0"/>
+              </a:spcBef>
+              <a:spcAft>
+                <a:spcPts val="0"/>
+              </a:spcAft>
+              <a:buClrTx/>
+              <a:buSzTx/>
+              <a:buFontTx/>
+              <a:buNone/>
+              <a:tabLst/>
+            </a:pPr>
+            <a:endParaRPr kumimoji="0" lang="en-US" sz="3600" b="0" i="0" u="none" strike="noStrike" cap="none" spc="0" normalizeH="0" baseline="0" dirty="0">
+              <a:ln>
+                <a:noFill/>
+              </a:ln>
+              <a:solidFill>
+                <a:srgbClr val="625B48"/>
+              </a:solidFill>
+              <a:effectLst/>
+              <a:uFillTx/>
+              <a:latin typeface="+mn-lt"/>
+              <a:ea typeface="+mn-ea"/>
+              <a:cs typeface="+mn-cs"/>
+              <a:sym typeface="Didot"/>
+            </a:endParaRPr>
+          </a:p>
+        </p:txBody>
+      </p:sp>
+      <p:sp>
+        <p:nvSpPr>
+          <p:cNvPr id="5" name="TextBox 4"/>
           <p:cNvSpPr txBox="1"/>
           <p:nvPr/>
         </p:nvSpPr>
         <p:spPr>
           <a:xfrm>
-            <a:off x="814594" y="2933700"/>
-            <a:ext cx="11412654" cy="3426579"/>
+            <a:off x="6502400" y="2933700"/>
+            <a:ext cx="6421120" cy="2564805"/>
           </a:xfrm>
           <a:prstGeom prst="rect">
             <a:avLst/>
@@ -4148,227 +4868,144 @@
           </a:bodyPr>
           <a:lstStyle/>
           <a:p>
-            <a:pPr marL="423333" lvl="0" indent="-423333">
-              <a:buClr>
-                <a:srgbClr val="9A7865"/>
-              </a:buClr>
-              <a:buSzPct val="80000"/>
-              <a:buFont typeface="Georgia"/>
+            <a:pPr marL="571500" marR="0" indent="-571500" algn="l" defTabSz="584200" rtl="0" fontAlgn="auto" latinLnBrk="1" hangingPunct="0">
+              <a:lnSpc>
+                <a:spcPct val="100000"/>
+              </a:lnSpc>
+              <a:spcBef>
+                <a:spcPts val="0"/>
+              </a:spcBef>
+              <a:spcAft>
+                <a:spcPts val="0"/>
+              </a:spcAft>
+              <a:buClrTx/>
+              <a:buSzTx/>
+              <a:buFont typeface="Arial" panose="020B0604020202020204" pitchFamily="34" charset="0"/>
               <a:buChar char="•"/>
-              <a:defRPr sz="1800">
-                <a:solidFill>
-                  <a:srgbClr val="000000"/>
-                </a:solidFill>
-              </a:defRPr>
-            </a:pPr>
-            <a:r>
-              <a:rPr lang="en-US" sz="3600" dirty="0" smtClean="0">
-                <a:solidFill>
-                  <a:schemeClr val="tx1">
-                    <a:lumMod val="75000"/>
-                  </a:schemeClr>
-                </a:solidFill>
-              </a:rPr>
-              <a:t>Have </a:t>
-            </a:r>
-            <a:r>
-              <a:rPr lang="en-US" sz="3600" dirty="0">
-                <a:solidFill>
-                  <a:schemeClr val="tx1">
-                    <a:lumMod val="75000"/>
-                  </a:schemeClr>
-                </a:solidFill>
-              </a:rPr>
-              <a:t>python </a:t>
-            </a:r>
-            <a:r>
-              <a:rPr lang="en-US" sz="3600" dirty="0" smtClean="0">
-                <a:solidFill>
-                  <a:schemeClr val="tx1">
-                    <a:lumMod val="75000"/>
-                  </a:schemeClr>
-                </a:solidFill>
-              </a:rPr>
-              <a:t>“read” through a math book </a:t>
-            </a:r>
-            <a:endParaRPr lang="en-US" sz="3600" dirty="0">
-              <a:solidFill>
-                <a:schemeClr val="tx1">
-                  <a:lumMod val="75000"/>
-                </a:schemeClr>
-              </a:solidFill>
-            </a:endParaRPr>
-          </a:p>
-          <a:p>
-            <a:pPr marL="423333" lvl="0" indent="-423333">
-              <a:buClr>
-                <a:srgbClr val="9A7865"/>
-              </a:buClr>
-              <a:buSzPct val="80000"/>
-              <a:buFont typeface="Georgia"/>
+              <a:tabLst/>
+            </a:pPr>
+            <a:r>
+              <a:rPr lang="en-US" dirty="0" smtClean="0"/>
+              <a:t>Tornado web framework</a:t>
+            </a:r>
+          </a:p>
+          <a:p>
+            <a:pPr marR="0" algn="l" defTabSz="584200" rtl="0" fontAlgn="auto" latinLnBrk="1" hangingPunct="0">
+              <a:lnSpc>
+                <a:spcPct val="100000"/>
+              </a:lnSpc>
+              <a:spcBef>
+                <a:spcPts val="0"/>
+              </a:spcBef>
+              <a:spcAft>
+                <a:spcPts val="0"/>
+              </a:spcAft>
+              <a:buClrTx/>
+              <a:buSzTx/>
+              <a:tabLst/>
+            </a:pPr>
+            <a:r>
+              <a:rPr lang="en-US" dirty="0" smtClean="0"/>
+              <a:t>      - Asynchronous</a:t>
+            </a:r>
+          </a:p>
+          <a:p>
+            <a:pPr marL="571500" marR="0" indent="-571500" algn="l" defTabSz="584200" rtl="0" fontAlgn="auto" latinLnBrk="1" hangingPunct="0">
+              <a:lnSpc>
+                <a:spcPct val="100000"/>
+              </a:lnSpc>
+              <a:spcBef>
+                <a:spcPts val="0"/>
+              </a:spcBef>
+              <a:spcAft>
+                <a:spcPts val="0"/>
+              </a:spcAft>
+              <a:buClrTx/>
+              <a:buSzTx/>
+              <a:buFont typeface="Arial" panose="020B0604020202020204" pitchFamily="34" charset="0"/>
               <a:buChar char="•"/>
-              <a:defRPr sz="1800">
-                <a:solidFill>
-                  <a:srgbClr val="000000"/>
-                </a:solidFill>
-              </a:defRPr>
-            </a:pPr>
-            <a:r>
-              <a:rPr lang="en-US" sz="3600" dirty="0">
-                <a:solidFill>
-                  <a:schemeClr val="tx1">
-                    <a:lumMod val="75000"/>
-                  </a:schemeClr>
-                </a:solidFill>
-              </a:rPr>
-              <a:t>Categorize </a:t>
-            </a:r>
-            <a:r>
-              <a:rPr lang="en-US" sz="3600" dirty="0" smtClean="0">
-                <a:solidFill>
-                  <a:schemeClr val="tx1">
-                    <a:lumMod val="75000"/>
-                  </a:schemeClr>
-                </a:solidFill>
-              </a:rPr>
-              <a:t>information from the math book into a usable JSON database</a:t>
-            </a:r>
-            <a:endParaRPr lang="en-US" sz="3600" dirty="0">
-              <a:solidFill>
-                <a:schemeClr val="tx1">
-                  <a:lumMod val="75000"/>
-                </a:schemeClr>
-              </a:solidFill>
-            </a:endParaRPr>
-          </a:p>
-          <a:p>
-            <a:pPr marL="423333" lvl="0" indent="-423333">
-              <a:buClr>
-                <a:srgbClr val="9A7865"/>
-              </a:buClr>
-              <a:buSzPct val="80000"/>
-              <a:buFont typeface="Georgia"/>
+              <a:tabLst/>
+            </a:pPr>
+            <a:r>
+              <a:rPr lang="en-US" dirty="0" smtClean="0"/>
+              <a:t>Client to server</a:t>
+            </a:r>
+          </a:p>
+          <a:p>
+            <a:pPr marL="571500" lvl="2" indent="-571500" algn="l" rtl="0" latinLnBrk="1" hangingPunct="0">
+              <a:buFont typeface="Arial" panose="020B0604020202020204" pitchFamily="34" charset="0"/>
               <a:buChar char="•"/>
-              <a:defRPr sz="1800">
-                <a:solidFill>
-                  <a:srgbClr val="000000"/>
-                </a:solidFill>
-              </a:defRPr>
-            </a:pPr>
-            <a:r>
-              <a:rPr lang="en-US" sz="3600" dirty="0" smtClean="0">
-                <a:solidFill>
-                  <a:schemeClr val="tx1">
-                    <a:lumMod val="75000"/>
-                  </a:schemeClr>
-                </a:solidFill>
-              </a:rPr>
-              <a:t>Use python to search through the database</a:t>
-            </a:r>
-            <a:endParaRPr lang="en-US" sz="3600" dirty="0">
-              <a:solidFill>
-                <a:schemeClr val="tx1">
-                  <a:lumMod val="75000"/>
-                </a:schemeClr>
-              </a:solidFill>
-            </a:endParaRPr>
-          </a:p>
-          <a:p>
-            <a:pPr marL="423333" lvl="0" indent="-423333">
-              <a:buClr>
-                <a:srgbClr val="9A7865"/>
-              </a:buClr>
-              <a:buSzPct val="80000"/>
-              <a:buFont typeface="Georgia"/>
-              <a:buChar char="•"/>
-              <a:defRPr sz="1800">
-                <a:solidFill>
-                  <a:srgbClr val="000000"/>
-                </a:solidFill>
-              </a:defRPr>
-            </a:pPr>
-            <a:r>
-              <a:rPr lang="en-US" sz="3600" dirty="0">
-                <a:solidFill>
-                  <a:schemeClr val="tx1">
-                    <a:lumMod val="75000"/>
-                  </a:schemeClr>
-                </a:solidFill>
-              </a:rPr>
-              <a:t>D</a:t>
-            </a:r>
-            <a:r>
-              <a:rPr lang="en-US" sz="3600" dirty="0" smtClean="0">
-                <a:solidFill>
-                  <a:schemeClr val="tx1">
-                    <a:lumMod val="75000"/>
-                  </a:schemeClr>
-                </a:solidFill>
-              </a:rPr>
-              <a:t>isplay the search results on a webpage</a:t>
-            </a:r>
-            <a:endParaRPr lang="en-US" sz="3600" dirty="0">
-              <a:solidFill>
-                <a:schemeClr val="tx1">
-                  <a:lumMod val="75000"/>
-                </a:schemeClr>
-              </a:solidFill>
-            </a:endParaRPr>
-          </a:p>
-          <a:p>
-            <a:pPr marL="423333" lvl="0" indent="-423333">
-              <a:buClr>
-                <a:srgbClr val="9A7865"/>
-              </a:buClr>
-              <a:buSzPct val="80000"/>
-              <a:buFont typeface="Georgia"/>
-              <a:buChar char="•"/>
-              <a:defRPr sz="1800">
-                <a:solidFill>
-                  <a:srgbClr val="000000"/>
-                </a:solidFill>
-              </a:defRPr>
-            </a:pPr>
-            <a:r>
-              <a:rPr lang="en-US" sz="3600" dirty="0">
-                <a:solidFill>
-                  <a:schemeClr val="tx1">
-                    <a:lumMod val="75000"/>
-                  </a:schemeClr>
-                </a:solidFill>
-              </a:rPr>
-              <a:t>Add more </a:t>
-            </a:r>
-            <a:r>
-              <a:rPr lang="en-US" sz="3600" dirty="0" smtClean="0">
-                <a:solidFill>
-                  <a:schemeClr val="tx1">
-                    <a:lumMod val="75000"/>
-                  </a:schemeClr>
-                </a:solidFill>
-              </a:rPr>
-              <a:t>data for python to search through and use</a:t>
-            </a:r>
-            <a:endParaRPr lang="en-US" sz="3600" dirty="0">
-              <a:solidFill>
-                <a:schemeClr val="tx1">
-                  <a:lumMod val="75000"/>
-                </a:schemeClr>
-              </a:solidFill>
-            </a:endParaRPr>
+            </a:pPr>
+            <a:r>
+              <a:rPr lang="en-US" dirty="0" smtClean="0"/>
+              <a:t>Customizable</a:t>
+            </a:r>
           </a:p>
         </p:txBody>
       </p:sp>
+      <p:pic>
+        <p:nvPicPr>
+          <p:cNvPr id="6150" name="Picture 6" descr="https://fbcdn-profile-a.akamaihd.net/hprofile-ak-ash3/41572_144144048921_6116982_n.jpg"/>
+          <p:cNvPicPr>
+            <a:picLocks noChangeAspect="1" noChangeArrowheads="1"/>
+          </p:cNvPicPr>
+          <p:nvPr/>
+        </p:nvPicPr>
+        <p:blipFill>
+          <a:blip r:embed="rId3">
+            <a:extLst>
+              <a:ext uri="{28A0092B-C50C-407E-A947-70E740481C1C}">
+                <a14:useLocalDpi xmlns:a14="http://schemas.microsoft.com/office/drawing/2010/main" val="0"/>
+              </a:ext>
+            </a:extLst>
+          </a:blip>
+          <a:srcRect/>
+          <a:stretch>
+            <a:fillRect/>
+          </a:stretch>
+        </p:blipFill>
+        <p:spPr bwMode="auto">
+          <a:xfrm>
+            <a:off x="1108075" y="2933700"/>
+            <a:ext cx="5252085" cy="5742940"/>
+          </a:xfrm>
+          <a:prstGeom prst="rect">
+            <a:avLst/>
+          </a:prstGeom>
+          <a:noFill/>
+          <a:extLst>
+            <a:ext uri="{909E8E84-426E-40DD-AFC4-6F175D3DCCD1}">
+              <a14:hiddenFill xmlns:a14="http://schemas.microsoft.com/office/drawing/2010/main">
+                <a:solidFill>
+                  <a:srgbClr val="FFFFFF"/>
+                </a:solidFill>
+              </a14:hiddenFill>
+            </a:ext>
+          </a:extLst>
+        </p:spPr>
+      </p:pic>
     </p:spTree>
+    <p:extLst>
+      <p:ext uri="{BB962C8B-B14F-4D97-AF65-F5344CB8AC3E}">
+        <p14:creationId xmlns:p14="http://schemas.microsoft.com/office/powerpoint/2010/main" val="1696197088"/>
+      </p:ext>
+    </p:extLst>
   </p:cSld>
   <p:clrMapOvr>
     <a:masterClrMapping/>
   </p:clrMapOvr>
-  <p:transition xmlns:p14="http://schemas.microsoft.com/office/powerpoint/2010/main" spd="med"/>
+  <p:transition spd="med"/>
+  <p:timing>
+    <p:tnLst>
+      <p:par>
+        <p:cTn id="1" dur="indefinite" restart="never" nodeType="tmRoot"/>
+      </p:par>
+    </p:tnLst>
+  </p:timing>
 </p:sld>
 </file>
 
-<file path=ppt/slides/slide7.xml><?xml version="1.0" encoding="utf-8"?>
+<file path=ppt/slides/slide8.xml><?xml version="1.0" encoding="utf-8"?>
 <p:sld xmlns:a="http://schemas.openxmlformats.org/drawingml/2006/main" xmlns:r="http://schemas.openxmlformats.org/officeDocument/2006/relationships" xmlns:p="http://schemas.openxmlformats.org/presentationml/2006/main">
   <p:cSld>
     <p:spTree>
@@ -4387,7 +5024,7 @@
       </p:grpSpPr>
       <p:sp>
         <p:nvSpPr>
-          <p:cNvPr id="56" name="Shape 56"/>
+          <p:cNvPr id="2" name="Title 1"/>
           <p:cNvSpPr>
             <a:spLocks noGrp="1"/>
           </p:cNvSpPr>
@@ -4395,52 +5032,69 @@
             <p:ph type="title"/>
           </p:nvPr>
         </p:nvSpPr>
-        <p:spPr>
+        <p:spPr/>
+        <p:txBody>
+          <a:bodyPr/>
+          <a:lstStyle/>
+          <a:p>
+            <a:r>
+              <a:rPr lang="en-US" dirty="0" smtClean="0"/>
+              <a:t>Methods: </a:t>
+            </a:r>
+            <a:r>
+              <a:rPr lang="en-US" i="1" dirty="0" smtClean="0"/>
+              <a:t>The database</a:t>
+            </a:r>
+            <a:endParaRPr lang="en-US" i="1" dirty="0"/>
+          </a:p>
+        </p:txBody>
+      </p:sp>
+      <p:pic>
+        <p:nvPicPr>
+          <p:cNvPr id="5" name="Picture 4" descr="C:\Users\Sam\Downloads\JSON Database - New Page.png"/>
+          <p:cNvPicPr/>
+          <p:nvPr/>
+        </p:nvPicPr>
+        <p:blipFill rotWithShape="1">
+          <a:blip r:embed="rId2">
+            <a:extLst>
+              <a:ext uri="{28A0092B-C50C-407E-A947-70E740481C1C}">
+                <a14:useLocalDpi xmlns:a14="http://schemas.microsoft.com/office/drawing/2010/main" val="0"/>
+              </a:ext>
+            </a:extLst>
+          </a:blip>
+          <a:srcRect l="39005" t="11152" r="37720" b="47955"/>
+          <a:stretch/>
+        </p:blipFill>
+        <p:spPr bwMode="auto">
+          <a:xfrm>
+            <a:off x="937894" y="2533650"/>
+            <a:ext cx="5748655" cy="6305550"/>
+          </a:xfrm>
           <a:prstGeom prst="rect">
             <a:avLst/>
           </a:prstGeom>
+          <a:noFill/>
+          <a:ln>
+            <a:noFill/>
+          </a:ln>
+          <a:extLst>
+            <a:ext uri="{53640926-AAD7-44D8-BBD7-CCE9431645EC}">
+              <a14:shadowObscured xmlns:a14="http://schemas.microsoft.com/office/drawing/2010/main"/>
+            </a:ext>
+          </a:extLst>
         </p:spPr>
-        <p:txBody>
-          <a:bodyPr/>
-          <a:lstStyle>
-            <a:lvl1pPr defTabSz="537463">
-              <a:defRPr sz="6992"/>
-            </a:lvl1pPr>
-          </a:lstStyle>
-          <a:p>
-            <a:pPr lvl="0">
-              <a:defRPr sz="1800">
-                <a:solidFill>
-                  <a:srgbClr val="000000"/>
-                </a:solidFill>
-              </a:defRPr>
-            </a:pPr>
-            <a:r>
-              <a:rPr lang="en-US" sz="6992" dirty="0" smtClean="0">
-                <a:solidFill>
-                  <a:srgbClr val="85604A"/>
-                </a:solidFill>
-              </a:rPr>
-              <a:t>Second Year</a:t>
-            </a:r>
-            <a:endParaRPr sz="6992" dirty="0">
-              <a:solidFill>
-                <a:srgbClr val="85604A"/>
-              </a:solidFill>
-            </a:endParaRPr>
-          </a:p>
-        </p:txBody>
-      </p:sp>
+      </p:pic>
       <p:sp>
         <p:nvSpPr>
-          <p:cNvPr id="3" name="TextBox 2"/>
+          <p:cNvPr id="6" name="TextBox 5"/>
           <p:cNvSpPr txBox="1"/>
           <p:nvPr/>
         </p:nvSpPr>
         <p:spPr>
           <a:xfrm>
-            <a:off x="1398947" y="3374415"/>
-            <a:ext cx="10206906" cy="2872581"/>
+            <a:off x="5994718" y="2933700"/>
+            <a:ext cx="6072187" cy="2564805"/>
           </a:xfrm>
           <a:prstGeom prst="rect">
             <a:avLst/>
@@ -4470,106 +5124,82 @@
           </a:bodyPr>
           <a:lstStyle/>
           <a:p>
-            <a:pPr marL="423333" lvl="0" indent="-423333">
-              <a:buClr>
-                <a:srgbClr val="9A7865"/>
-              </a:buClr>
-              <a:buSzPct val="80000"/>
-              <a:buFont typeface="Georgia"/>
+            <a:pPr marL="571500" marR="0" indent="-571500" algn="l" defTabSz="584200" rtl="0" fontAlgn="auto" latinLnBrk="1" hangingPunct="0">
+              <a:lnSpc>
+                <a:spcPct val="100000"/>
+              </a:lnSpc>
+              <a:spcBef>
+                <a:spcPts val="0"/>
+              </a:spcBef>
+              <a:spcAft>
+                <a:spcPts val="0"/>
+              </a:spcAft>
+              <a:buClrTx/>
+              <a:buSzTx/>
+              <a:buFont typeface="Arial" panose="020B0604020202020204" pitchFamily="34" charset="0"/>
               <a:buChar char="•"/>
-              <a:defRPr sz="1800">
-                <a:solidFill>
-                  <a:srgbClr val="000000"/>
-                </a:solidFill>
-              </a:defRPr>
-            </a:pPr>
-            <a:r>
-              <a:rPr lang="en-US" sz="3600" dirty="0" smtClean="0">
-                <a:solidFill>
-                  <a:schemeClr val="tx1">
-                    <a:lumMod val="75000"/>
-                  </a:schemeClr>
-                </a:solidFill>
-              </a:rPr>
-              <a:t>Create assignments, quizzes and tests to provide practice for students</a:t>
-            </a:r>
-          </a:p>
-          <a:p>
-            <a:pPr marL="423333" lvl="0" indent="-423333">
-              <a:buClr>
-                <a:srgbClr val="9A7865"/>
-              </a:buClr>
-              <a:buSzPct val="80000"/>
-              <a:buFont typeface="Georgia"/>
-              <a:buChar char="•"/>
-              <a:defRPr sz="1800">
-                <a:solidFill>
-                  <a:srgbClr val="000000"/>
-                </a:solidFill>
-              </a:defRPr>
-            </a:pPr>
-            <a:r>
-              <a:rPr lang="en-US" sz="3600" dirty="0" smtClean="0">
-                <a:solidFill>
-                  <a:schemeClr val="tx1">
-                    <a:lumMod val="75000"/>
-                  </a:schemeClr>
-                </a:solidFill>
-              </a:rPr>
-              <a:t>Have the problems be procedurally generated by python </a:t>
-            </a:r>
-            <a:endParaRPr lang="en-US" sz="3600" dirty="0">
-              <a:solidFill>
-                <a:schemeClr val="tx1">
-                  <a:lumMod val="75000"/>
-                </a:schemeClr>
-              </a:solidFill>
-            </a:endParaRPr>
-          </a:p>
-          <a:p>
-            <a:pPr marL="423333" lvl="0" indent="-423333">
-              <a:buClr>
-                <a:srgbClr val="9A7865"/>
-              </a:buClr>
-              <a:buSzPct val="80000"/>
-              <a:buFont typeface="Georgia"/>
-              <a:buChar char="•"/>
-              <a:defRPr sz="1800">
-                <a:solidFill>
-                  <a:srgbClr val="000000"/>
-                </a:solidFill>
-              </a:defRPr>
-            </a:pPr>
-            <a:r>
-              <a:rPr lang="en-US" sz="3600" dirty="0">
-                <a:solidFill>
-                  <a:schemeClr val="tx1">
-                    <a:lumMod val="75000"/>
-                  </a:schemeClr>
-                </a:solidFill>
-              </a:rPr>
-              <a:t>Display through web-server</a:t>
-            </a:r>
-            <a:endParaRPr lang="en-US" sz="3600" dirty="0">
-              <a:solidFill>
-                <a:schemeClr val="tx1">
-                  <a:lumMod val="75000"/>
-                </a:schemeClr>
-              </a:solidFill>
-            </a:endParaRPr>
+              <a:tabLst/>
+            </a:pPr>
+            <a:r>
+              <a:rPr lang="en-US" dirty="0" smtClean="0"/>
+              <a:t>Search through PDF</a:t>
+            </a:r>
+          </a:p>
+          <a:p>
+            <a:pPr marR="0" algn="l" defTabSz="584200" rtl="0" fontAlgn="auto" latinLnBrk="1" hangingPunct="0">
+              <a:lnSpc>
+                <a:spcPct val="100000"/>
+              </a:lnSpc>
+              <a:spcBef>
+                <a:spcPts val="0"/>
+              </a:spcBef>
+              <a:spcAft>
+                <a:spcPts val="0"/>
+              </a:spcAft>
+              <a:buClrTx/>
+              <a:buSzTx/>
+              <a:tabLst/>
+            </a:pPr>
+            <a:r>
+              <a:rPr lang="en-US" dirty="0"/>
+              <a:t> </a:t>
+            </a:r>
+            <a:r>
+              <a:rPr lang="en-US" dirty="0" smtClean="0"/>
+              <a:t>     - Font</a:t>
+            </a:r>
+          </a:p>
+          <a:p>
+            <a:pPr algn="l" rtl="0" latinLnBrk="1" hangingPunct="0"/>
+            <a:r>
+              <a:rPr lang="en-US" dirty="0" smtClean="0"/>
+              <a:t>      - Book → Chapter → 			Subchapter</a:t>
+            </a:r>
           </a:p>
         </p:txBody>
       </p:sp>
     </p:spTree>
+    <p:extLst>
+      <p:ext uri="{BB962C8B-B14F-4D97-AF65-F5344CB8AC3E}">
+        <p14:creationId xmlns:p14="http://schemas.microsoft.com/office/powerpoint/2010/main" val="1381198100"/>
+      </p:ext>
+    </p:extLst>
   </p:cSld>
   <p:clrMapOvr>
     <a:masterClrMapping/>
   </p:clrMapOvr>
-  <p:transition xmlns:p14="http://schemas.microsoft.com/office/powerpoint/2010/main" spd="med"/>
+  <p:transition spd="med"/>
+  <p:timing>
+    <p:tnLst>
+      <p:par>
+        <p:cTn id="1" dur="indefinite" restart="never" nodeType="tmRoot"/>
+      </p:par>
+    </p:tnLst>
+  </p:timing>
 </p:sld>
 </file>
 
-<file path=ppt/slides/slide8.xml><?xml version="1.0" encoding="utf-8"?>
+<file path=ppt/slides/slide9.xml><?xml version="1.0" encoding="utf-8"?>
 <p:sld xmlns:a="http://schemas.openxmlformats.org/drawingml/2006/main" xmlns:r="http://schemas.openxmlformats.org/officeDocument/2006/relationships" xmlns:p="http://schemas.openxmlformats.org/presentationml/2006/main">
   <p:cSld>
     <p:spTree>
@@ -4588,7 +5218,7 @@
       </p:grpSpPr>
       <p:sp>
         <p:nvSpPr>
-          <p:cNvPr id="62" name="Shape 62"/>
+          <p:cNvPr id="2" name="Title 1"/>
           <p:cNvSpPr>
             <a:spLocks noGrp="1"/>
           </p:cNvSpPr>
@@ -4596,52 +5226,37 @@
             <p:ph type="title"/>
           </p:nvPr>
         </p:nvSpPr>
-        <p:spPr>
-          <a:prstGeom prst="rect">
-            <a:avLst/>
-          </a:prstGeom>
-        </p:spPr>
+        <p:spPr/>
         <p:txBody>
           <a:bodyPr/>
-          <a:lstStyle>
-            <a:lvl1pPr defTabSz="537463">
-              <a:defRPr sz="6992"/>
-            </a:lvl1pPr>
-          </a:lstStyle>
-          <a:p>
-            <a:pPr lvl="0">
-              <a:defRPr sz="1800">
-                <a:solidFill>
-                  <a:srgbClr val="000000"/>
-                </a:solidFill>
-              </a:defRPr>
-            </a:pPr>
-            <a:r>
-              <a:rPr lang="en-US" sz="6992" dirty="0" smtClean="0">
-                <a:solidFill>
-                  <a:srgbClr val="85604A"/>
-                </a:solidFill>
-              </a:rPr>
-              <a:t>Third Year</a:t>
-            </a:r>
-            <a:endParaRPr sz="6992" dirty="0">
-              <a:solidFill>
-                <a:srgbClr val="85604A"/>
-              </a:solidFill>
-            </a:endParaRPr>
+          <a:lstStyle/>
+          <a:p>
+            <a:r>
+              <a:rPr lang="en-US" dirty="0" smtClean="0"/>
+              <a:t>Methods: </a:t>
+            </a:r>
+            <a:r>
+              <a:rPr lang="en-US" i="1" dirty="0" smtClean="0"/>
+              <a:t>Locating</a:t>
+            </a:r>
+            <a:r>
+              <a:rPr lang="en-US" dirty="0" smtClean="0"/>
+              <a:t> </a:t>
+            </a:r>
+            <a:endParaRPr lang="en-US" dirty="0"/>
           </a:p>
         </p:txBody>
       </p:sp>
       <p:sp>
         <p:nvSpPr>
-          <p:cNvPr id="3" name="TextBox 2"/>
+          <p:cNvPr id="4" name="TextBox 3"/>
           <p:cNvSpPr txBox="1"/>
           <p:nvPr/>
         </p:nvSpPr>
         <p:spPr>
           <a:xfrm>
-            <a:off x="1104900" y="3212291"/>
-            <a:ext cx="10795000" cy="1210588"/>
+            <a:off x="5848350" y="2933700"/>
+            <a:ext cx="6762750" cy="3180358"/>
           </a:xfrm>
           <a:prstGeom prst="rect">
             <a:avLst/>
@@ -4671,251 +5286,129 @@
           </a:bodyPr>
           <a:lstStyle/>
           <a:p>
-            <a:pPr marL="423333" lvl="0" indent="-423333">
-              <a:buClr>
-                <a:srgbClr val="9A7865"/>
-              </a:buClr>
-              <a:buSzPct val="80000"/>
-              <a:buFont typeface="Georgia"/>
+            <a:pPr marL="571500" lvl="2" indent="-571500" algn="l" rtl="0" latinLnBrk="1" hangingPunct="0">
+              <a:buFont typeface="Arial" panose="020B0604020202020204" pitchFamily="34" charset="0"/>
               <a:buChar char="•"/>
-              <a:defRPr sz="1800">
-                <a:solidFill>
-                  <a:srgbClr val="000000"/>
-                </a:solidFill>
-              </a:defRPr>
-            </a:pPr>
-            <a:r>
-              <a:rPr lang="en-US" sz="3600" dirty="0">
-                <a:solidFill>
-                  <a:schemeClr val="tx1">
-                    <a:lumMod val="75000"/>
-                  </a:schemeClr>
-                </a:solidFill>
-              </a:rPr>
-              <a:t>Use genetic algorithms to produce an </a:t>
-            </a:r>
-            <a:r>
-              <a:rPr lang="en-US" sz="3600" dirty="0" smtClean="0">
-                <a:solidFill>
-                  <a:schemeClr val="tx1">
-                    <a:lumMod val="75000"/>
-                  </a:schemeClr>
-                </a:solidFill>
-              </a:rPr>
-              <a:t>individualized system of practice in the subject </a:t>
-            </a:r>
-            <a:endParaRPr lang="en-US" sz="3600" dirty="0">
-              <a:solidFill>
-                <a:schemeClr val="tx1">
-                  <a:lumMod val="75000"/>
-                </a:schemeClr>
-              </a:solidFill>
-            </a:endParaRPr>
+            </a:pPr>
+            <a:r>
+              <a:rPr lang="en-US" dirty="0" smtClean="0"/>
+              <a:t>Fuzzy Search</a:t>
+            </a:r>
+          </a:p>
+          <a:p>
+            <a:pPr lvl="3" indent="0" algn="l" rtl="0" latinLnBrk="1" hangingPunct="0"/>
+            <a:r>
+              <a:rPr lang="en-US" dirty="0" smtClean="0"/>
+              <a:t>      - </a:t>
+            </a:r>
+            <a:r>
+              <a:rPr lang="en-US" dirty="0" err="1"/>
+              <a:t>L</a:t>
+            </a:r>
+            <a:r>
+              <a:rPr lang="en-US" dirty="0" err="1" smtClean="0"/>
+              <a:t>evenshtein</a:t>
+            </a:r>
+            <a:r>
+              <a:rPr lang="en-US" dirty="0" smtClean="0"/>
+              <a:t> Distance</a:t>
+            </a:r>
+          </a:p>
+          <a:p>
+            <a:pPr marL="571500" lvl="3" indent="-571500" algn="l" rtl="0" latinLnBrk="1" hangingPunct="0">
+              <a:buFont typeface="Arial" panose="020B0604020202020204" pitchFamily="34" charset="0"/>
+              <a:buChar char="•"/>
+            </a:pPr>
+            <a:r>
+              <a:rPr lang="en-US" dirty="0" smtClean="0"/>
+              <a:t>Index </a:t>
+            </a:r>
+          </a:p>
+          <a:p>
+            <a:pPr lvl="3" indent="0" algn="l" rtl="0" latinLnBrk="1" hangingPunct="0"/>
+            <a:r>
+              <a:rPr lang="en-US" dirty="0"/>
+              <a:t> </a:t>
+            </a:r>
+            <a:r>
+              <a:rPr lang="en-US" dirty="0" smtClean="0"/>
+              <a:t>     - Insert, delete, substitute</a:t>
+            </a:r>
+          </a:p>
+          <a:p>
+            <a:pPr marL="571500" lvl="3" indent="-571500" algn="l" rtl="0" latinLnBrk="1" hangingPunct="0">
+              <a:buFont typeface="Arial" panose="020B0604020202020204" pitchFamily="34" charset="0"/>
+              <a:buChar char="•"/>
+            </a:pPr>
+            <a:r>
+              <a:rPr lang="en-US" dirty="0" err="1" smtClean="0"/>
+              <a:t>Memoize</a:t>
+            </a:r>
+            <a:r>
+              <a:rPr lang="en-US" dirty="0" smtClean="0"/>
+              <a:t>  </a:t>
+            </a:r>
           </a:p>
         </p:txBody>
       </p:sp>
-    </p:spTree>
-  </p:cSld>
-  <p:clrMapOvr>
-    <a:masterClrMapping/>
-  </p:clrMapOvr>
-  <p:transition xmlns:p14="http://schemas.microsoft.com/office/powerpoint/2010/main" spd="med"/>
-</p:sld>
-</file>
-
-<file path=ppt/slides/slide9.xml><?xml version="1.0" encoding="utf-8"?>
-<p:sld xmlns:a="http://schemas.openxmlformats.org/drawingml/2006/main" xmlns:r="http://schemas.openxmlformats.org/officeDocument/2006/relationships" xmlns:p="http://schemas.openxmlformats.org/presentationml/2006/main">
-  <p:cSld>
-    <p:spTree>
-      <p:nvGrpSpPr>
-        <p:cNvPr id="1" name=""/>
-        <p:cNvGrpSpPr/>
-        <p:nvPr/>
-      </p:nvGrpSpPr>
-      <p:grpSpPr>
-        <a:xfrm>
-          <a:off x="0" y="0"/>
-          <a:ext cx="0" cy="0"/>
-          <a:chOff x="0" y="0"/>
-          <a:chExt cx="0" cy="0"/>
-        </a:xfrm>
-      </p:grpSpPr>
-      <p:sp>
-        <p:nvSpPr>
-          <p:cNvPr id="59" name="Shape 59"/>
-          <p:cNvSpPr>
-            <a:spLocks noGrp="1"/>
-          </p:cNvSpPr>
-          <p:nvPr>
-            <p:ph type="title"/>
-          </p:nvPr>
-        </p:nvSpPr>
-        <p:spPr>
-          <a:prstGeom prst="rect">
-            <a:avLst/>
-          </a:prstGeom>
-        </p:spPr>
-        <p:txBody>
-          <a:bodyPr/>
-          <a:lstStyle>
-            <a:lvl1pPr defTabSz="537463">
-              <a:defRPr sz="6992"/>
-            </a:lvl1pPr>
-          </a:lstStyle>
-          <a:p>
-            <a:pPr lvl="0">
-              <a:defRPr sz="1800">
-                <a:solidFill>
-                  <a:srgbClr val="000000"/>
-                </a:solidFill>
-              </a:defRPr>
-            </a:pPr>
-            <a:r>
-              <a:rPr lang="en-US" sz="6992" dirty="0" smtClean="0">
-                <a:solidFill>
-                  <a:srgbClr val="85604A"/>
-                </a:solidFill>
-              </a:rPr>
-              <a:t>Fourth Year</a:t>
-            </a:r>
-            <a:endParaRPr sz="6992" dirty="0">
-              <a:solidFill>
-                <a:srgbClr val="85604A"/>
-              </a:solidFill>
-            </a:endParaRPr>
-          </a:p>
-        </p:txBody>
-      </p:sp>
-      <p:sp>
-        <p:nvSpPr>
-          <p:cNvPr id="2" name="TextBox 1"/>
-          <p:cNvSpPr txBox="1"/>
+      <p:pic>
+        <p:nvPicPr>
+          <p:cNvPr id="5" name="Picture 4" descr="C:\Users\Sam\Downloads\test (1).png"/>
+          <p:cNvPicPr/>
           <p:nvPr/>
-        </p:nvSpPr>
-        <p:spPr>
+        </p:nvPicPr>
+        <p:blipFill>
+          <a:blip r:embed="rId3">
+            <a:duotone>
+              <a:prstClr val="black"/>
+              <a:schemeClr val="accent4">
+                <a:tint val="45000"/>
+                <a:satMod val="400000"/>
+              </a:schemeClr>
+            </a:duotone>
+            <a:extLst>
+              <a:ext uri="{28A0092B-C50C-407E-A947-70E740481C1C}">
+                <a14:useLocalDpi xmlns:a14="http://schemas.microsoft.com/office/drawing/2010/main" val="0"/>
+              </a:ext>
+            </a:extLst>
+          </a:blip>
+          <a:srcRect/>
+          <a:stretch>
+            <a:fillRect/>
+          </a:stretch>
+        </p:blipFill>
+        <p:spPr bwMode="auto">
           <a:xfrm>
-            <a:off x="784351" y="3212291"/>
-            <a:ext cx="11653196" cy="2872581"/>
+            <a:off x="857250" y="2933700"/>
+            <a:ext cx="5502910" cy="4914900"/>
           </a:xfrm>
           <a:prstGeom prst="rect">
             <a:avLst/>
           </a:prstGeom>
           <a:noFill/>
-          <a:ln w="12700" cap="flat">
+          <a:ln>
             <a:noFill/>
-            <a:miter lim="400000"/>
           </a:ln>
-          <a:effectLst/>
         </p:spPr>
-        <p:style>
-          <a:lnRef idx="0">
-            <a:scrgbClr r="0" g="0" b="0"/>
-          </a:lnRef>
-          <a:fillRef idx="0">
-            <a:scrgbClr r="0" g="0" b="0"/>
-          </a:fillRef>
-          <a:effectRef idx="0">
-            <a:scrgbClr r="0" g="0" b="0"/>
-          </a:effectRef>
-          <a:fontRef idx="none"/>
-        </p:style>
-        <p:txBody>
-          <a:bodyPr rot="0" spcFirstLastPara="1" vertOverflow="overflow" horzOverflow="overflow" vert="horz" wrap="square" lIns="50800" tIns="50800" rIns="50800" bIns="50800" numCol="1" spcCol="38100" rtlCol="0" anchor="t">
-            <a:spAutoFit/>
-          </a:bodyPr>
-          <a:lstStyle/>
-          <a:p>
-            <a:pPr marL="423333" lvl="0" indent="-423333">
-              <a:buClr>
-                <a:srgbClr val="9A7865"/>
-              </a:buClr>
-              <a:buSzPct val="80000"/>
-              <a:buFont typeface="Georgia"/>
-              <a:buChar char="•"/>
-              <a:defRPr sz="1800">
-                <a:solidFill>
-                  <a:srgbClr val="000000"/>
-                </a:solidFill>
-              </a:defRPr>
-            </a:pPr>
-            <a:r>
-              <a:rPr lang="en-US" sz="3600" dirty="0">
-                <a:solidFill>
-                  <a:schemeClr val="tx1"/>
-                </a:solidFill>
-              </a:rPr>
-              <a:t>To read from </a:t>
-            </a:r>
-            <a:r>
-              <a:rPr lang="en-US" sz="3600" dirty="0" smtClean="0">
-                <a:solidFill>
-                  <a:schemeClr val="tx1"/>
-                </a:solidFill>
-              </a:rPr>
-              <a:t>textbooks other informational recourses </a:t>
-            </a:r>
-            <a:endParaRPr lang="en-US" sz="3600" dirty="0">
-              <a:solidFill>
-                <a:schemeClr val="tx1"/>
-              </a:solidFill>
-            </a:endParaRPr>
-          </a:p>
-          <a:p>
-            <a:pPr marL="423333" lvl="0" indent="-423333">
-              <a:buClr>
-                <a:srgbClr val="9A7865"/>
-              </a:buClr>
-              <a:buSzPct val="80000"/>
-              <a:buFont typeface="Georgia"/>
-              <a:buChar char="•"/>
-              <a:defRPr sz="1800">
-                <a:solidFill>
-                  <a:srgbClr val="000000"/>
-                </a:solidFill>
-              </a:defRPr>
-            </a:pPr>
-            <a:r>
-              <a:rPr lang="en-US" sz="3600" dirty="0" smtClean="0">
-                <a:solidFill>
-                  <a:schemeClr val="tx1"/>
-                </a:solidFill>
-              </a:rPr>
-              <a:t>To create a database of instructional videos and other lectures to further tutor the students so that the student could be lectured</a:t>
-            </a:r>
-            <a:endParaRPr lang="en-US" sz="3600" dirty="0">
-              <a:solidFill>
-                <a:schemeClr val="tx1"/>
-              </a:solidFill>
-            </a:endParaRPr>
-          </a:p>
-          <a:p>
-            <a:pPr marL="423333" lvl="0" indent="-423333">
-              <a:buClr>
-                <a:srgbClr val="9A7865"/>
-              </a:buClr>
-              <a:buSzPct val="80000"/>
-              <a:buFont typeface="Georgia"/>
-              <a:buChar char="•"/>
-              <a:defRPr sz="1800">
-                <a:solidFill>
-                  <a:srgbClr val="000000"/>
-                </a:solidFill>
-              </a:defRPr>
-            </a:pPr>
-            <a:endParaRPr lang="en-US" sz="3600" dirty="0">
-              <a:solidFill>
-                <a:schemeClr val="tx1"/>
-              </a:solidFill>
-            </a:endParaRPr>
-          </a:p>
-        </p:txBody>
-      </p:sp>
+      </p:pic>
     </p:spTree>
+    <p:extLst>
+      <p:ext uri="{BB962C8B-B14F-4D97-AF65-F5344CB8AC3E}">
+        <p14:creationId xmlns:p14="http://schemas.microsoft.com/office/powerpoint/2010/main" val="2257195473"/>
+      </p:ext>
+    </p:extLst>
   </p:cSld>
   <p:clrMapOvr>
     <a:masterClrMapping/>
   </p:clrMapOvr>
-  <p:transition xmlns:p14="http://schemas.microsoft.com/office/powerpoint/2010/main" spd="med"/>
+  <p:transition spd="med"/>
+  <p:timing>
+    <p:tnLst>
+      <p:par>
+        <p:cTn id="1" dur="indefinite" restart="never" nodeType="tmRoot"/>
+      </p:par>
+    </p:tnLst>
+  </p:timing>
 </p:sld>
 </file>
 
